--- a/MyAnalyze-2.pptx
+++ b/MyAnalyze-2.pptx
@@ -5,7 +5,7 @@
     <p:sldMasterId id="2147483648" r:id="rId1"/>
   </p:sldMasterIdLst>
   <p:notesMasterIdLst>
-    <p:notesMasterId r:id="rId25"/>
+    <p:notesMasterId r:id="rId24"/>
   </p:notesMasterIdLst>
   <p:sldIdLst>
     <p:sldId id="256" r:id="rId2"/>
@@ -29,8 +29,7 @@
     <p:sldId id="276" r:id="rId20"/>
     <p:sldId id="272" r:id="rId21"/>
     <p:sldId id="278" r:id="rId22"/>
-    <p:sldId id="279" r:id="rId23"/>
-    <p:sldId id="280" r:id="rId24"/>
+    <p:sldId id="280" r:id="rId23"/>
   </p:sldIdLst>
   <p:sldSz cx="12192000" cy="6858000"/>
   <p:notesSz cx="6858000" cy="9144000"/>
@@ -1077,48 +1076,6 @@
         </a:p>
       </dgm:t>
     </dgm:pt>
-    <dgm:pt modelId="{AF669070-067E-477C-9B9D-D8B4C376B4FD}">
-      <dgm:prSet phldrT="[文字]" custT="1"/>
-      <dgm:spPr>
-        <a:ln w="28575">
-          <a:solidFill>
-            <a:srgbClr val="4F9D9D"/>
-          </a:solidFill>
-        </a:ln>
-      </dgm:spPr>
-      <dgm:t>
-        <a:bodyPr/>
-        <a:lstStyle/>
-        <a:p>
-          <a:r>
-            <a:rPr lang="zh-TW" altLang="en-US" sz="2800" dirty="0"/>
-            <a:t>專題開發心得</a:t>
-          </a:r>
-        </a:p>
-      </dgm:t>
-    </dgm:pt>
-    <dgm:pt modelId="{DADD06D3-19E2-460E-80E4-18583E38F3AA}" type="parTrans" cxnId="{71A36F19-B876-475B-AF98-0F2F36411008}">
-      <dgm:prSet/>
-      <dgm:spPr/>
-      <dgm:t>
-        <a:bodyPr/>
-        <a:lstStyle/>
-        <a:p>
-          <a:endParaRPr lang="zh-TW" altLang="en-US"/>
-        </a:p>
-      </dgm:t>
-    </dgm:pt>
-    <dgm:pt modelId="{AD9F5E3A-8483-49A4-9D95-07E669DD41CD}" type="sibTrans" cxnId="{71A36F19-B876-475B-AF98-0F2F36411008}">
-      <dgm:prSet/>
-      <dgm:spPr/>
-      <dgm:t>
-        <a:bodyPr/>
-        <a:lstStyle/>
-        <a:p>
-          <a:endParaRPr lang="zh-TW" altLang="en-US"/>
-        </a:p>
-      </dgm:t>
-    </dgm:pt>
     <dgm:pt modelId="{A8393BB5-4E68-4F20-B100-F2DE179B310A}">
       <dgm:prSet phldrT="[文字]" custT="1"/>
       <dgm:spPr>
@@ -1180,7 +1137,7 @@
       <dgm:spPr/>
     </dgm:pt>
     <dgm:pt modelId="{2B0A2E6D-F90C-4E4A-8D53-CED129A7D903}" type="pres">
-      <dgm:prSet presAssocID="{8EB2D449-B039-4806-B3C9-EC310E0DCC5D}" presName="textNode" presStyleLbl="node1" presStyleIdx="0" presStyleCnt="5" custScaleX="121802">
+      <dgm:prSet presAssocID="{8EB2D449-B039-4806-B3C9-EC310E0DCC5D}" presName="textNode" presStyleLbl="node1" presStyleIdx="0" presStyleCnt="4" custScaleX="121802">
         <dgm:presLayoutVars>
           <dgm:bulletEnabled val="1"/>
         </dgm:presLayoutVars>
@@ -1192,7 +1149,7 @@
       <dgm:spPr/>
     </dgm:pt>
     <dgm:pt modelId="{57DC4941-BD9C-4A50-AB5F-11FDC3BB712D}" type="pres">
-      <dgm:prSet presAssocID="{19495C3C-7F17-490B-8D74-8EC08D16C768}" presName="textNode" presStyleLbl="node1" presStyleIdx="1" presStyleCnt="5">
+      <dgm:prSet presAssocID="{19495C3C-7F17-490B-8D74-8EC08D16C768}" presName="textNode" presStyleLbl="node1" presStyleIdx="1" presStyleCnt="4">
         <dgm:presLayoutVars>
           <dgm:bulletEnabled val="1"/>
         </dgm:presLayoutVars>
@@ -1204,7 +1161,7 @@
       <dgm:spPr/>
     </dgm:pt>
     <dgm:pt modelId="{6F25E670-3F76-43B2-AB21-AB85475D5C60}" type="pres">
-      <dgm:prSet presAssocID="{FC011519-2D45-4506-ADFF-7A3C872E54B0}" presName="textNode" presStyleLbl="node1" presStyleIdx="2" presStyleCnt="5">
+      <dgm:prSet presAssocID="{FC011519-2D45-4506-ADFF-7A3C872E54B0}" presName="textNode" presStyleLbl="node1" presStyleIdx="2" presStyleCnt="4">
         <dgm:presLayoutVars>
           <dgm:bulletEnabled val="1"/>
         </dgm:presLayoutVars>
@@ -1216,19 +1173,7 @@
       <dgm:spPr/>
     </dgm:pt>
     <dgm:pt modelId="{D9FEE6A1-DEA6-4EA5-9DEC-8F9DF38B5F5C}" type="pres">
-      <dgm:prSet presAssocID="{A8393BB5-4E68-4F20-B100-F2DE179B310A}" presName="textNode" presStyleLbl="node1" presStyleIdx="3" presStyleCnt="5">
-        <dgm:presLayoutVars>
-          <dgm:bulletEnabled val="1"/>
-        </dgm:presLayoutVars>
-      </dgm:prSet>
-      <dgm:spPr/>
-    </dgm:pt>
-    <dgm:pt modelId="{A4CE72A7-CABE-4918-A157-92244F7DD533}" type="pres">
-      <dgm:prSet presAssocID="{A9674A4D-5F98-4055-9737-84B36B6F667C}" presName="sibTrans" presStyleCnt="0"/>
-      <dgm:spPr/>
-    </dgm:pt>
-    <dgm:pt modelId="{2CF05B7D-C370-445D-99F7-E096C958C7D3}" type="pres">
-      <dgm:prSet presAssocID="{AF669070-067E-477C-9B9D-D8B4C376B4FD}" presName="textNode" presStyleLbl="node1" presStyleIdx="4" presStyleCnt="5">
+      <dgm:prSet presAssocID="{A8393BB5-4E68-4F20-B100-F2DE179B310A}" presName="textNode" presStyleLbl="node1" presStyleIdx="3" presStyleCnt="4">
         <dgm:presLayoutVars>
           <dgm:bulletEnabled val="1"/>
         </dgm:presLayoutVars>
@@ -1237,7 +1182,6 @@
     </dgm:pt>
   </dgm:ptLst>
   <dgm:cxnLst>
-    <dgm:cxn modelId="{71A36F19-B876-475B-AF98-0F2F36411008}" srcId="{DFEFF685-2D49-44F8-941C-8E64DAEA4804}" destId="{AF669070-067E-477C-9B9D-D8B4C376B4FD}" srcOrd="4" destOrd="0" parTransId="{DADD06D3-19E2-460E-80E4-18583E38F3AA}" sibTransId="{AD9F5E3A-8483-49A4-9D95-07E669DD41CD}"/>
     <dgm:cxn modelId="{779A4D61-712E-4151-BED7-0BD93ED505AF}" type="presOf" srcId="{DFEFF685-2D49-44F8-941C-8E64DAEA4804}" destId="{547B4216-B739-4887-B803-8D0DDBD8C3EB}" srcOrd="0" destOrd="0" presId="urn:microsoft.com/office/officeart/2005/8/layout/hProcess9"/>
     <dgm:cxn modelId="{66C0F945-8277-4D30-8323-8D461D8E70E0}" srcId="{DFEFF685-2D49-44F8-941C-8E64DAEA4804}" destId="{19495C3C-7F17-490B-8D74-8EC08D16C768}" srcOrd="1" destOrd="0" parTransId="{93DACCAB-493A-4241-804C-8FBAAA7C86F1}" sibTransId="{6FDDFA12-9E37-4616-8C6A-36650689785A}"/>
     <dgm:cxn modelId="{44B81170-96FA-401D-BEEF-7E93BF898C31}" type="presOf" srcId="{FC011519-2D45-4506-ADFF-7A3C872E54B0}" destId="{6F25E670-3F76-43B2-AB21-AB85475D5C60}" srcOrd="0" destOrd="0" presId="urn:microsoft.com/office/officeart/2005/8/layout/hProcess9"/>
@@ -1247,7 +1191,6 @@
     <dgm:cxn modelId="{ECDE2554-774A-4ED2-AFD6-FB155C8C3E25}" srcId="{DFEFF685-2D49-44F8-941C-8E64DAEA4804}" destId="{A8393BB5-4E68-4F20-B100-F2DE179B310A}" srcOrd="3" destOrd="0" parTransId="{24643C9E-F0B8-4113-B0FD-39299D99EC4D}" sibTransId="{A9674A4D-5F98-4055-9737-84B36B6F667C}"/>
     <dgm:cxn modelId="{F84E3057-2704-4EBF-9E17-F4607956FF2F}" srcId="{DFEFF685-2D49-44F8-941C-8E64DAEA4804}" destId="{FC011519-2D45-4506-ADFF-7A3C872E54B0}" srcOrd="2" destOrd="0" parTransId="{76108F77-82B3-4FE0-867D-16BC6C9AE1F0}" sibTransId="{305E4FC2-E9D0-455F-ABDD-473DEC4D9DA3}"/>
     <dgm:cxn modelId="{F6872ABD-BE3A-40B3-A709-4344B3C9DB0F}" type="presOf" srcId="{19495C3C-7F17-490B-8D74-8EC08D16C768}" destId="{57DC4941-BD9C-4A50-AB5F-11FDC3BB712D}" srcOrd="0" destOrd="0" presId="urn:microsoft.com/office/officeart/2005/8/layout/hProcess9"/>
-    <dgm:cxn modelId="{7380BDC9-5469-4FCD-995E-B9455D651C5F}" type="presOf" srcId="{AF669070-067E-477C-9B9D-D8B4C376B4FD}" destId="{2CF05B7D-C370-445D-99F7-E096C958C7D3}" srcOrd="0" destOrd="0" presId="urn:microsoft.com/office/officeart/2005/8/layout/hProcess9"/>
     <dgm:cxn modelId="{FDC42123-EC51-4216-BD9C-505E20F02E5F}" type="presParOf" srcId="{547B4216-B739-4887-B803-8D0DDBD8C3EB}" destId="{0CE12DF6-B0A3-4EE4-ABE7-3AFA0173EC80}" srcOrd="0" destOrd="0" presId="urn:microsoft.com/office/officeart/2005/8/layout/hProcess9"/>
     <dgm:cxn modelId="{FC4A179D-B25B-4334-845D-0EC82A4DF14E}" type="presParOf" srcId="{547B4216-B739-4887-B803-8D0DDBD8C3EB}" destId="{84D81D2D-47C8-4AAE-8667-AD1C5F686AF6}" srcOrd="1" destOrd="0" presId="urn:microsoft.com/office/officeart/2005/8/layout/hProcess9"/>
     <dgm:cxn modelId="{4C0C4587-5FF8-4F2E-9E64-D9BDFFD79942}" type="presParOf" srcId="{84D81D2D-47C8-4AAE-8667-AD1C5F686AF6}" destId="{2B0A2E6D-F90C-4E4A-8D53-CED129A7D903}" srcOrd="0" destOrd="0" presId="urn:microsoft.com/office/officeart/2005/8/layout/hProcess9"/>
@@ -1257,8 +1200,6 @@
     <dgm:cxn modelId="{851656C5-EB81-4201-AC28-BB17D91EB07C}" type="presParOf" srcId="{84D81D2D-47C8-4AAE-8667-AD1C5F686AF6}" destId="{6F25E670-3F76-43B2-AB21-AB85475D5C60}" srcOrd="4" destOrd="0" presId="urn:microsoft.com/office/officeart/2005/8/layout/hProcess9"/>
     <dgm:cxn modelId="{FB0FB2C4-5AD7-482F-81C6-8AE7D42EAE67}" type="presParOf" srcId="{84D81D2D-47C8-4AAE-8667-AD1C5F686AF6}" destId="{B988D18B-2D78-4988-972E-81B90BA10AE7}" srcOrd="5" destOrd="0" presId="urn:microsoft.com/office/officeart/2005/8/layout/hProcess9"/>
     <dgm:cxn modelId="{E6296638-044F-48C7-B5CA-42CE7414B908}" type="presParOf" srcId="{84D81D2D-47C8-4AAE-8667-AD1C5F686AF6}" destId="{D9FEE6A1-DEA6-4EA5-9DEC-8F9DF38B5F5C}" srcOrd="6" destOrd="0" presId="urn:microsoft.com/office/officeart/2005/8/layout/hProcess9"/>
-    <dgm:cxn modelId="{3ECFBE7C-A264-4DED-9980-C9BACE535B54}" type="presParOf" srcId="{84D81D2D-47C8-4AAE-8667-AD1C5F686AF6}" destId="{A4CE72A7-CABE-4918-A157-92244F7DD533}" srcOrd="7" destOrd="0" presId="urn:microsoft.com/office/officeart/2005/8/layout/hProcess9"/>
-    <dgm:cxn modelId="{66CD3647-76D7-429C-9B3F-8A78841B9CAD}" type="presParOf" srcId="{84D81D2D-47C8-4AAE-8667-AD1C5F686AF6}" destId="{2CF05B7D-C370-445D-99F7-E096C958C7D3}" srcOrd="8" destOrd="0" presId="urn:microsoft.com/office/officeart/2005/8/layout/hProcess9"/>
   </dgm:cxnLst>
   <dgm:bg/>
   <dgm:whole/>
@@ -1325,8 +1266,8 @@
       </dsp:nvSpPr>
       <dsp:spPr>
         <a:xfrm>
-          <a:off x="336" y="1434697"/>
-          <a:ext cx="2212224" cy="1912930"/>
+          <a:off x="3452" y="1434697"/>
+          <a:ext cx="2757651" cy="1912930"/>
         </a:xfrm>
         <a:prstGeom prst="roundRect">
           <a:avLst/>
@@ -1387,8 +1328,8 @@
         </a:p>
       </dsp:txBody>
       <dsp:txXfrm>
-        <a:off x="93718" y="1528079"/>
-        <a:ext cx="2025460" cy="1726166"/>
+        <a:off x="96834" y="1528079"/>
+        <a:ext cx="2570887" cy="1726166"/>
       </dsp:txXfrm>
     </dsp:sp>
     <dsp:sp modelId="{57DC4941-BD9C-4A50-AB5F-11FDC3BB712D}">
@@ -1398,8 +1339,8 @@
       </dsp:nvSpPr>
       <dsp:spPr>
         <a:xfrm>
-          <a:off x="2515268" y="1434697"/>
-          <a:ext cx="1816246" cy="1912930"/>
+          <a:off x="3138444" y="1434697"/>
+          <a:ext cx="2264044" cy="1912930"/>
         </a:xfrm>
         <a:prstGeom prst="roundRect">
           <a:avLst/>
@@ -1460,8 +1401,8 @@
         </a:p>
       </dsp:txBody>
       <dsp:txXfrm>
-        <a:off x="2603930" y="1523359"/>
-        <a:ext cx="1638922" cy="1735606"/>
+        <a:off x="3231826" y="1528079"/>
+        <a:ext cx="2077280" cy="1726166"/>
       </dsp:txXfrm>
     </dsp:sp>
     <dsp:sp modelId="{6F25E670-3F76-43B2-AB21-AB85475D5C60}">
@@ -1471,8 +1412,8 @@
       </dsp:nvSpPr>
       <dsp:spPr>
         <a:xfrm>
-          <a:off x="4634222" y="1434697"/>
-          <a:ext cx="1816246" cy="1912930"/>
+          <a:off x="5779830" y="1434697"/>
+          <a:ext cx="2264044" cy="1912930"/>
         </a:xfrm>
         <a:prstGeom prst="roundRect">
           <a:avLst/>
@@ -1533,8 +1474,8 @@
         </a:p>
       </dsp:txBody>
       <dsp:txXfrm>
-        <a:off x="4722884" y="1523359"/>
-        <a:ext cx="1638922" cy="1735606"/>
+        <a:off x="5873212" y="1528079"/>
+        <a:ext cx="2077280" cy="1726166"/>
       </dsp:txXfrm>
     </dsp:sp>
     <dsp:sp modelId="{D9FEE6A1-DEA6-4EA5-9DEC-8F9DF38B5F5C}">
@@ -1544,8 +1485,8 @@
       </dsp:nvSpPr>
       <dsp:spPr>
         <a:xfrm>
-          <a:off x="6753176" y="1434697"/>
-          <a:ext cx="1816246" cy="1912930"/>
+          <a:off x="8421215" y="1434697"/>
+          <a:ext cx="2264044" cy="1912930"/>
         </a:xfrm>
         <a:prstGeom prst="roundRect">
           <a:avLst/>
@@ -1607,81 +1548,8 @@
         </a:p>
       </dsp:txBody>
       <dsp:txXfrm>
-        <a:off x="6841838" y="1523359"/>
-        <a:ext cx="1638922" cy="1735606"/>
-      </dsp:txXfrm>
-    </dsp:sp>
-    <dsp:sp modelId="{2CF05B7D-C370-445D-99F7-E096C958C7D3}">
-      <dsp:nvSpPr>
-        <dsp:cNvPr id="0" name=""/>
-        <dsp:cNvSpPr/>
-      </dsp:nvSpPr>
-      <dsp:spPr>
-        <a:xfrm>
-          <a:off x="8872130" y="1434697"/>
-          <a:ext cx="1816246" cy="1912930"/>
-        </a:xfrm>
-        <a:prstGeom prst="roundRect">
-          <a:avLst/>
-        </a:prstGeom>
-        <a:solidFill>
-          <a:schemeClr val="lt1">
-            <a:hueOff val="0"/>
-            <a:satOff val="0"/>
-            <a:lumOff val="0"/>
-            <a:alphaOff val="0"/>
-          </a:schemeClr>
-        </a:solidFill>
-        <a:ln w="28575" cap="flat" cmpd="sng" algn="ctr">
-          <a:solidFill>
-            <a:srgbClr val="4F9D9D"/>
-          </a:solidFill>
-          <a:prstDash val="solid"/>
-          <a:miter lim="800000"/>
-        </a:ln>
-        <a:effectLst/>
-      </dsp:spPr>
-      <dsp:style>
-        <a:lnRef idx="2">
-          <a:scrgbClr r="0" g="0" b="0"/>
-        </a:lnRef>
-        <a:fillRef idx="1">
-          <a:scrgbClr r="0" g="0" b="0"/>
-        </a:fillRef>
-        <a:effectRef idx="0">
-          <a:scrgbClr r="0" g="0" b="0"/>
-        </a:effectRef>
-        <a:fontRef idx="minor">
-          <a:schemeClr val="lt1"/>
-        </a:fontRef>
-      </dsp:style>
-      <dsp:txBody>
-        <a:bodyPr spcFirstLastPara="0" vert="horz" wrap="square" lIns="106680" tIns="106680" rIns="106680" bIns="106680" numCol="1" spcCol="1270" anchor="ctr" anchorCtr="0">
-          <a:noAutofit/>
-        </a:bodyPr>
-        <a:lstStyle/>
-        <a:p>
-          <a:pPr marL="0" lvl="0" indent="0" algn="ctr" defTabSz="1244600">
-            <a:lnSpc>
-              <a:spcPct val="90000"/>
-            </a:lnSpc>
-            <a:spcBef>
-              <a:spcPct val="0"/>
-            </a:spcBef>
-            <a:spcAft>
-              <a:spcPct val="35000"/>
-            </a:spcAft>
-            <a:buNone/>
-          </a:pPr>
-          <a:r>
-            <a:rPr lang="zh-TW" altLang="en-US" sz="2800" kern="1200" dirty="0"/>
-            <a:t>專題開發心得</a:t>
-          </a:r>
-        </a:p>
-      </dsp:txBody>
-      <dsp:txXfrm>
-        <a:off x="8960792" y="1523359"/>
-        <a:ext cx="1638922" cy="1735606"/>
+        <a:off x="8514597" y="1528079"/>
+        <a:ext cx="2077280" cy="1726166"/>
       </dsp:txXfrm>
     </dsp:sp>
   </dsp:spTree>
@@ -10323,7 +10191,7 @@
           <p:nvPr>
             <p:extLst>
               <p:ext uri="{D42A27DB-BD31-4B8C-83A1-F6EECF244321}">
-                <p14:modId xmlns:p14="http://schemas.microsoft.com/office/powerpoint/2010/main" val="2089650809"/>
+                <p14:modId xmlns:p14="http://schemas.microsoft.com/office/powerpoint/2010/main" val="51580858"/>
               </p:ext>
             </p:extLst>
           </p:nvPr>
@@ -10936,196 +10804,6 @@
 </file>
 
 <file path=ppt/slides/slide22.xml><?xml version="1.0" encoding="utf-8"?>
-<p:sld xmlns:a="http://schemas.openxmlformats.org/drawingml/2006/main" xmlns:r="http://schemas.openxmlformats.org/officeDocument/2006/relationships" xmlns:p="http://schemas.openxmlformats.org/presentationml/2006/main">
-  <p:cSld>
-    <p:spTree>
-      <p:nvGrpSpPr>
-        <p:cNvPr id="1" name=""/>
-        <p:cNvGrpSpPr/>
-        <p:nvPr/>
-      </p:nvGrpSpPr>
-      <p:grpSpPr>
-        <a:xfrm>
-          <a:off x="0" y="0"/>
-          <a:ext cx="0" cy="0"/>
-          <a:chOff x="0" y="0"/>
-          <a:chExt cx="0" cy="0"/>
-        </a:xfrm>
-      </p:grpSpPr>
-      <p:sp>
-        <p:nvSpPr>
-          <p:cNvPr id="7" name="矩形 6">
-            <a:extLst>
-              <a:ext uri="{FF2B5EF4-FFF2-40B4-BE49-F238E27FC236}">
-                <a16:creationId xmlns:a16="http://schemas.microsoft.com/office/drawing/2014/main" id="{1DC39FB0-1356-4D63-977D-ADF87BEEFFF6}"/>
-              </a:ext>
-            </a:extLst>
-          </p:cNvPr>
-          <p:cNvSpPr/>
-          <p:nvPr/>
-        </p:nvSpPr>
-        <p:spPr>
-          <a:xfrm>
-            <a:off x="0" y="1792380"/>
-            <a:ext cx="12192000" cy="3622089"/>
-          </a:xfrm>
-          <a:prstGeom prst="rect">
-            <a:avLst/>
-          </a:prstGeom>
-          <a:solidFill>
-            <a:srgbClr val="4F9D9D">
-              <a:alpha val="18824"/>
-            </a:srgbClr>
-          </a:solidFill>
-          <a:ln>
-            <a:noFill/>
-          </a:ln>
-        </p:spPr>
-        <p:style>
-          <a:lnRef idx="2">
-            <a:schemeClr val="accent1">
-              <a:shade val="50000"/>
-            </a:schemeClr>
-          </a:lnRef>
-          <a:fillRef idx="1">
-            <a:schemeClr val="accent1"/>
-          </a:fillRef>
-          <a:effectRef idx="0">
-            <a:schemeClr val="accent1"/>
-          </a:effectRef>
-          <a:fontRef idx="minor">
-            <a:schemeClr val="lt1"/>
-          </a:fontRef>
-        </p:style>
-        <p:txBody>
-          <a:bodyPr rtlCol="0" anchor="ctr"/>
-          <a:lstStyle/>
-          <a:p>
-            <a:pPr algn="ctr"/>
-            <a:endParaRPr lang="zh-TW" altLang="en-US" dirty="0"/>
-          </a:p>
-        </p:txBody>
-      </p:sp>
-      <p:sp>
-        <p:nvSpPr>
-          <p:cNvPr id="2" name="標題 1">
-            <a:extLst>
-              <a:ext uri="{FF2B5EF4-FFF2-40B4-BE49-F238E27FC236}">
-                <a16:creationId xmlns:a16="http://schemas.microsoft.com/office/drawing/2014/main" id="{F990B1B7-7BEA-4D89-8C4C-C804609765F4}"/>
-              </a:ext>
-            </a:extLst>
-          </p:cNvPr>
-          <p:cNvSpPr>
-            <a:spLocks noGrp="1"/>
-          </p:cNvSpPr>
-          <p:nvPr>
-            <p:ph type="ctrTitle"/>
-          </p:nvPr>
-        </p:nvSpPr>
-        <p:spPr>
-          <a:xfrm>
-            <a:off x="1524000" y="2409624"/>
-            <a:ext cx="9144000" cy="2387600"/>
-          </a:xfrm>
-        </p:spPr>
-        <p:txBody>
-          <a:bodyPr>
-            <a:normAutofit/>
-          </a:bodyPr>
-          <a:lstStyle/>
-          <a:p>
-            <a:r>
-              <a:rPr lang="zh-TW" altLang="en-US" dirty="0"/>
-              <a:t>心得</a:t>
-            </a:r>
-            <a:br>
-              <a:rPr lang="zh-TW" altLang="en-US" dirty="0"/>
-            </a:br>
-            <a:endParaRPr lang="zh-TW" altLang="en-US" dirty="0"/>
-          </a:p>
-        </p:txBody>
-      </p:sp>
-      <p:pic>
-        <p:nvPicPr>
-          <p:cNvPr id="8" name="圖片 7">
-            <a:extLst>
-              <a:ext uri="{FF2B5EF4-FFF2-40B4-BE49-F238E27FC236}">
-                <a16:creationId xmlns:a16="http://schemas.microsoft.com/office/drawing/2014/main" id="{87F0D11A-D0E8-4CF0-A73B-4C07557D063C}"/>
-              </a:ext>
-            </a:extLst>
-          </p:cNvPr>
-          <p:cNvPicPr>
-            <a:picLocks noChangeAspect="1"/>
-          </p:cNvPicPr>
-          <p:nvPr/>
-        </p:nvPicPr>
-        <p:blipFill>
-          <a:blip r:embed="rId2"/>
-          <a:stretch>
-            <a:fillRect/>
-          </a:stretch>
-        </p:blipFill>
-        <p:spPr>
-          <a:xfrm>
-            <a:off x="328473" y="198807"/>
-            <a:ext cx="2792968" cy="2792968"/>
-          </a:xfrm>
-          <a:prstGeom prst="rect">
-            <a:avLst/>
-          </a:prstGeom>
-        </p:spPr>
-      </p:pic>
-      <p:sp>
-        <p:nvSpPr>
-          <p:cNvPr id="5" name="投影片編號版面配置區 4">
-            <a:extLst>
-              <a:ext uri="{FF2B5EF4-FFF2-40B4-BE49-F238E27FC236}">
-                <a16:creationId xmlns:a16="http://schemas.microsoft.com/office/drawing/2014/main" id="{0047091B-0988-49BF-A138-9AF45BB45818}"/>
-              </a:ext>
-            </a:extLst>
-          </p:cNvPr>
-          <p:cNvSpPr>
-            <a:spLocks noGrp="1"/>
-          </p:cNvSpPr>
-          <p:nvPr>
-            <p:ph type="sldNum" sz="quarter" idx="12"/>
-          </p:nvPr>
-        </p:nvSpPr>
-        <p:spPr/>
-        <p:txBody>
-          <a:bodyPr/>
-          <a:lstStyle/>
-          <a:p>
-            <a:fld id="{F759FE07-7FB9-4113-8AB6-9F47A342824F}" type="slidenum">
-              <a:rPr lang="zh-TW" altLang="en-US" sz="2000" b="1" smtClean="0">
-                <a:solidFill>
-                  <a:srgbClr val="639B9C"/>
-                </a:solidFill>
-              </a:rPr>
-              <a:t>22</a:t>
-            </a:fld>
-            <a:endParaRPr lang="zh-TW" altLang="en-US" b="1" dirty="0">
-              <a:solidFill>
-                <a:srgbClr val="639B9C"/>
-              </a:solidFill>
-            </a:endParaRPr>
-          </a:p>
-        </p:txBody>
-      </p:sp>
-    </p:spTree>
-    <p:extLst>
-      <p:ext uri="{BB962C8B-B14F-4D97-AF65-F5344CB8AC3E}">
-        <p14:creationId xmlns:p14="http://schemas.microsoft.com/office/powerpoint/2010/main" val="1241392500"/>
-      </p:ext>
-    </p:extLst>
-  </p:cSld>
-  <p:clrMapOvr>
-    <a:masterClrMapping/>
-  </p:clrMapOvr>
-</p:sld>
-</file>
-
-<file path=ppt/slides/slide23.xml><?xml version="1.0" encoding="utf-8"?>
 <p:sld xmlns:a="http://schemas.openxmlformats.org/drawingml/2006/main" xmlns:r="http://schemas.openxmlformats.org/officeDocument/2006/relationships" xmlns:p="http://schemas.openxmlformats.org/presentationml/2006/main">
   <p:cSld>
     <p:spTree>

--- a/MyAnalyze-2.pptx
+++ b/MyAnalyze-2.pptx
@@ -5,7 +5,7 @@
     <p:sldMasterId id="2147483648" r:id="rId1"/>
   </p:sldMasterIdLst>
   <p:notesMasterIdLst>
-    <p:notesMasterId r:id="rId24"/>
+    <p:notesMasterId r:id="rId25"/>
   </p:notesMasterIdLst>
   <p:sldIdLst>
     <p:sldId id="256" r:id="rId2"/>
@@ -15,21 +15,22 @@
     <p:sldId id="259" r:id="rId6"/>
     <p:sldId id="258" r:id="rId7"/>
     <p:sldId id="260" r:id="rId8"/>
-    <p:sldId id="261" r:id="rId9"/>
-    <p:sldId id="262" r:id="rId10"/>
-    <p:sldId id="274" r:id="rId11"/>
-    <p:sldId id="263" r:id="rId12"/>
-    <p:sldId id="265" r:id="rId13"/>
-    <p:sldId id="264" r:id="rId14"/>
-    <p:sldId id="266" r:id="rId15"/>
-    <p:sldId id="275" r:id="rId16"/>
-    <p:sldId id="267" r:id="rId17"/>
-    <p:sldId id="269" r:id="rId18"/>
-    <p:sldId id="270" r:id="rId19"/>
-    <p:sldId id="276" r:id="rId20"/>
-    <p:sldId id="272" r:id="rId21"/>
-    <p:sldId id="278" r:id="rId22"/>
-    <p:sldId id="280" r:id="rId23"/>
+    <p:sldId id="282" r:id="rId9"/>
+    <p:sldId id="261" r:id="rId10"/>
+    <p:sldId id="262" r:id="rId11"/>
+    <p:sldId id="274" r:id="rId12"/>
+    <p:sldId id="263" r:id="rId13"/>
+    <p:sldId id="265" r:id="rId14"/>
+    <p:sldId id="264" r:id="rId15"/>
+    <p:sldId id="266" r:id="rId16"/>
+    <p:sldId id="275" r:id="rId17"/>
+    <p:sldId id="267" r:id="rId18"/>
+    <p:sldId id="269" r:id="rId19"/>
+    <p:sldId id="270" r:id="rId20"/>
+    <p:sldId id="276" r:id="rId21"/>
+    <p:sldId id="272" r:id="rId22"/>
+    <p:sldId id="278" r:id="rId23"/>
+    <p:sldId id="280" r:id="rId24"/>
   </p:sldIdLst>
   <p:sldSz cx="12192000" cy="6858000"/>
   <p:notesSz cx="6858000" cy="9144000"/>
@@ -2826,7 +2827,7 @@
           <a:p>
             <a:fld id="{46196579-4DC1-463B-B8C4-E6F4D1467C88}" type="datetimeFigureOut">
               <a:rPr lang="zh-TW" altLang="en-US" smtClean="0"/>
-              <a:t>2024/1/26</a:t>
+              <a:t>2024/1/29</a:t>
             </a:fld>
             <a:endParaRPr lang="zh-TW" altLang="en-US"/>
           </a:p>
@@ -3240,7 +3241,7 @@
           <a:p>
             <a:fld id="{0E60FE3D-22C0-4A11-9610-B92771FB1298}" type="datetime1">
               <a:rPr lang="zh-TW" altLang="en-US" smtClean="0"/>
-              <a:t>2024/1/26</a:t>
+              <a:t>2024/1/29</a:t>
             </a:fld>
             <a:endParaRPr lang="zh-TW" altLang="en-US"/>
           </a:p>
@@ -3438,7 +3439,7 @@
           <a:p>
             <a:fld id="{84162773-F4D8-4518-957B-578C2DD39C03}" type="datetime1">
               <a:rPr lang="zh-TW" altLang="en-US" smtClean="0"/>
-              <a:t>2024/1/26</a:t>
+              <a:t>2024/1/29</a:t>
             </a:fld>
             <a:endParaRPr lang="zh-TW" altLang="en-US"/>
           </a:p>
@@ -3646,7 +3647,7 @@
           <a:p>
             <a:fld id="{4C5C6CD4-BB29-486A-9D0A-14F97E6F8688}" type="datetime1">
               <a:rPr lang="zh-TW" altLang="en-US" smtClean="0"/>
-              <a:t>2024/1/26</a:t>
+              <a:t>2024/1/29</a:t>
             </a:fld>
             <a:endParaRPr lang="zh-TW" altLang="en-US"/>
           </a:p>
@@ -3844,7 +3845,7 @@
           <a:p>
             <a:fld id="{487F7E17-BD68-42DC-AC97-B6A6F6AC808A}" type="datetime1">
               <a:rPr lang="zh-TW" altLang="en-US" smtClean="0"/>
-              <a:t>2024/1/26</a:t>
+              <a:t>2024/1/29</a:t>
             </a:fld>
             <a:endParaRPr lang="zh-TW" altLang="en-US"/>
           </a:p>
@@ -4119,7 +4120,7 @@
           <a:p>
             <a:fld id="{B53D53B6-5051-46DB-BD23-EEF2522150C1}" type="datetime1">
               <a:rPr lang="zh-TW" altLang="en-US" smtClean="0"/>
-              <a:t>2024/1/26</a:t>
+              <a:t>2024/1/29</a:t>
             </a:fld>
             <a:endParaRPr lang="zh-TW" altLang="en-US"/>
           </a:p>
@@ -4384,7 +4385,7 @@
           <a:p>
             <a:fld id="{DB47B155-0A66-4C4F-AF81-17C1C1143A6C}" type="datetime1">
               <a:rPr lang="zh-TW" altLang="en-US" smtClean="0"/>
-              <a:t>2024/1/26</a:t>
+              <a:t>2024/1/29</a:t>
             </a:fld>
             <a:endParaRPr lang="zh-TW" altLang="en-US"/>
           </a:p>
@@ -4796,7 +4797,7 @@
           <a:p>
             <a:fld id="{A3B3C817-A5DA-4FEB-84C0-C5CBB462524B}" type="datetime1">
               <a:rPr lang="zh-TW" altLang="en-US" smtClean="0"/>
-              <a:t>2024/1/26</a:t>
+              <a:t>2024/1/29</a:t>
             </a:fld>
             <a:endParaRPr lang="zh-TW" altLang="en-US"/>
           </a:p>
@@ -4937,7 +4938,7 @@
           <a:p>
             <a:fld id="{5DFE993A-F301-4A8C-9E62-4355D1108819}" type="datetime1">
               <a:rPr lang="zh-TW" altLang="en-US" smtClean="0"/>
-              <a:t>2024/1/26</a:t>
+              <a:t>2024/1/29</a:t>
             </a:fld>
             <a:endParaRPr lang="zh-TW" altLang="en-US"/>
           </a:p>
@@ -5050,7 +5051,7 @@
           <a:p>
             <a:fld id="{BB0315E3-E63E-45F8-80AE-190F78D61930}" type="datetime1">
               <a:rPr lang="zh-TW" altLang="en-US" smtClean="0"/>
-              <a:t>2024/1/26</a:t>
+              <a:t>2024/1/29</a:t>
             </a:fld>
             <a:endParaRPr lang="zh-TW" altLang="en-US"/>
           </a:p>
@@ -5361,7 +5362,7 @@
           <a:p>
             <a:fld id="{DFB2C1EC-F3DC-4FDD-8CCA-D350ED7C8AA5}" type="datetime1">
               <a:rPr lang="zh-TW" altLang="en-US" smtClean="0"/>
-              <a:t>2024/1/26</a:t>
+              <a:t>2024/1/29</a:t>
             </a:fld>
             <a:endParaRPr lang="zh-TW" altLang="en-US"/>
           </a:p>
@@ -5649,7 +5650,7 @@
           <a:p>
             <a:fld id="{E5268826-D964-4F9E-BA99-8D1777FAAE64}" type="datetime1">
               <a:rPr lang="zh-TW" altLang="en-US" smtClean="0"/>
-              <a:t>2024/1/26</a:t>
+              <a:t>2024/1/29</a:t>
             </a:fld>
             <a:endParaRPr lang="zh-TW" altLang="en-US"/>
           </a:p>
@@ -5893,7 +5894,7 @@
           <a:p>
             <a:fld id="{9173D017-C66E-4E4F-83FA-92BC0F73D014}" type="datetime1">
               <a:rPr lang="zh-TW" altLang="en-US" smtClean="0"/>
-              <a:t>2024/1/26</a:t>
+              <a:t>2024/1/29</a:t>
             </a:fld>
             <a:endParaRPr lang="zh-TW" altLang="en-US"/>
           </a:p>
@@ -6325,7 +6326,7 @@
         </p:nvSpPr>
         <p:spPr>
           <a:xfrm>
-            <a:off x="0" y="1792380"/>
+            <a:off x="0" y="1827890"/>
             <a:ext cx="12192000" cy="3622089"/>
           </a:xfrm>
           <a:prstGeom prst="rect">
@@ -6389,16 +6390,23 @@
         </p:spPr>
         <p:txBody>
           <a:bodyPr>
-            <a:normAutofit/>
+            <a:normAutofit fontScale="90000"/>
           </a:bodyPr>
           <a:lstStyle/>
           <a:p>
             <a:r>
-              <a:rPr lang="en-US" altLang="zh-TW" dirty="0" err="1"/>
+              <a:rPr lang="en-US" altLang="zh-TW" sz="7300" dirty="0" err="1"/>
               <a:t>MyAnalyze</a:t>
             </a:r>
             <a:br>
-              <a:rPr lang="zh-TW" altLang="en-US" dirty="0"/>
+              <a:rPr lang="en-US" altLang="zh-TW" dirty="0"/>
+            </a:br>
+            <a:r>
+              <a:rPr lang="zh-TW" altLang="en-US" sz="4400" dirty="0"/>
+              <a:t>商品銷售分析系統</a:t>
+            </a:r>
+            <a:br>
+              <a:rPr lang="zh-TW" altLang="en-US" sz="5400" dirty="0"/>
             </a:br>
             <a:endParaRPr lang="zh-TW" altLang="en-US" dirty="0"/>
           </a:p>
@@ -6480,8 +6488,8 @@
         </p:blipFill>
         <p:spPr>
           <a:xfrm>
-            <a:off x="352149" y="149849"/>
-            <a:ext cx="3285060" cy="3285060"/>
+            <a:off x="352149" y="114338"/>
+            <a:ext cx="3161522" cy="3161522"/>
           </a:xfrm>
           <a:prstGeom prst="rect">
             <a:avLst/>
@@ -6520,10 +6528,77 @@
       </p:grpSpPr>
       <p:sp>
         <p:nvSpPr>
-          <p:cNvPr id="7" name="矩形 6">
-            <a:extLst>
-              <a:ext uri="{FF2B5EF4-FFF2-40B4-BE49-F238E27FC236}">
-                <a16:creationId xmlns:a16="http://schemas.microsoft.com/office/drawing/2014/main" id="{1DC39FB0-1356-4D63-977D-ADF87BEEFFF6}"/>
+          <p:cNvPr id="2" name="標題 1">
+            <a:extLst>
+              <a:ext uri="{FF2B5EF4-FFF2-40B4-BE49-F238E27FC236}">
+                <a16:creationId xmlns:a16="http://schemas.microsoft.com/office/drawing/2014/main" id="{B265ACEA-2809-4E8B-8614-8C3578C10C40}"/>
+              </a:ext>
+            </a:extLst>
+          </p:cNvPr>
+          <p:cNvSpPr>
+            <a:spLocks noGrp="1"/>
+          </p:cNvSpPr>
+          <p:nvPr>
+            <p:ph type="title"/>
+          </p:nvPr>
+        </p:nvSpPr>
+        <p:spPr>
+          <a:xfrm>
+            <a:off x="838200" y="-47002"/>
+            <a:ext cx="10515600" cy="1325563"/>
+          </a:xfrm>
+        </p:spPr>
+        <p:txBody>
+          <a:bodyPr>
+            <a:normAutofit/>
+          </a:bodyPr>
+          <a:lstStyle/>
+          <a:p>
+            <a:r>
+              <a:rPr lang="zh-TW" altLang="en-US" sz="4000" dirty="0"/>
+              <a:t>首頁</a:t>
+            </a:r>
+          </a:p>
+        </p:txBody>
+      </p:sp>
+      <p:pic>
+        <p:nvPicPr>
+          <p:cNvPr id="13" name="內容版面配置區 12">
+            <a:extLst>
+              <a:ext uri="{FF2B5EF4-FFF2-40B4-BE49-F238E27FC236}">
+                <a16:creationId xmlns:a16="http://schemas.microsoft.com/office/drawing/2014/main" id="{3F343170-77D2-48C1-9618-190A7FF5C023}"/>
+              </a:ext>
+            </a:extLst>
+          </p:cNvPr>
+          <p:cNvPicPr>
+            <a:picLocks noGrp="1" noChangeAspect="1"/>
+          </p:cNvPicPr>
+          <p:nvPr>
+            <p:ph idx="1"/>
+          </p:nvPr>
+        </p:nvPicPr>
+        <p:blipFill>
+          <a:blip r:embed="rId2"/>
+          <a:stretch>
+            <a:fillRect/>
+          </a:stretch>
+        </p:blipFill>
+        <p:spPr>
+          <a:xfrm>
+            <a:off x="197792" y="2153342"/>
+            <a:ext cx="6215360" cy="3234938"/>
+          </a:xfrm>
+          <a:prstGeom prst="rect">
+            <a:avLst/>
+          </a:prstGeom>
+        </p:spPr>
+      </p:pic>
+      <p:sp>
+        <p:nvSpPr>
+          <p:cNvPr id="14" name="矩形 13">
+            <a:extLst>
+              <a:ext uri="{FF2B5EF4-FFF2-40B4-BE49-F238E27FC236}">
+                <a16:creationId xmlns:a16="http://schemas.microsoft.com/office/drawing/2014/main" id="{98D49435-0249-4D8C-AE10-E9B3C33417B9}"/>
               </a:ext>
             </a:extLst>
           </p:cNvPr>
@@ -6532,16 +6607,14 @@
         </p:nvSpPr>
         <p:spPr>
           <a:xfrm>
-            <a:off x="0" y="1792380"/>
-            <a:ext cx="12192000" cy="3622089"/>
+            <a:off x="1621514" y="2166536"/>
+            <a:ext cx="461286" cy="190951"/>
           </a:xfrm>
           <a:prstGeom prst="rect">
             <a:avLst/>
           </a:prstGeom>
           <a:solidFill>
-            <a:srgbClr val="4F9D9D">
-              <a:alpha val="18824"/>
-            </a:srgbClr>
+            <a:srgbClr val="639B9C"/>
           </a:solidFill>
           <a:ln>
             <a:noFill/>
@@ -6568,6 +6641,606 @@
           <a:lstStyle/>
           <a:p>
             <a:pPr algn="ctr"/>
+            <a:endParaRPr lang="zh-TW" altLang="en-US"/>
+          </a:p>
+        </p:txBody>
+      </p:sp>
+      <p:pic>
+        <p:nvPicPr>
+          <p:cNvPr id="16" name="圖片 15">
+            <a:extLst>
+              <a:ext uri="{FF2B5EF4-FFF2-40B4-BE49-F238E27FC236}">
+                <a16:creationId xmlns:a16="http://schemas.microsoft.com/office/drawing/2014/main" id="{5DEF52C9-2946-4365-A0F0-C14C3EAE0D32}"/>
+              </a:ext>
+            </a:extLst>
+          </p:cNvPr>
+          <p:cNvPicPr>
+            <a:picLocks noChangeAspect="1"/>
+          </p:cNvPicPr>
+          <p:nvPr/>
+        </p:nvPicPr>
+        <p:blipFill>
+          <a:blip r:embed="rId3"/>
+          <a:stretch>
+            <a:fillRect/>
+          </a:stretch>
+        </p:blipFill>
+        <p:spPr>
+          <a:xfrm>
+            <a:off x="6576076" y="1099600"/>
+            <a:ext cx="5196824" cy="2639556"/>
+          </a:xfrm>
+          <a:prstGeom prst="rect">
+            <a:avLst/>
+          </a:prstGeom>
+        </p:spPr>
+      </p:pic>
+      <p:pic>
+        <p:nvPicPr>
+          <p:cNvPr id="20" name="圖片 19">
+            <a:extLst>
+              <a:ext uri="{FF2B5EF4-FFF2-40B4-BE49-F238E27FC236}">
+                <a16:creationId xmlns:a16="http://schemas.microsoft.com/office/drawing/2014/main" id="{24FA7AA3-447A-4A6B-9D45-37664034E147}"/>
+              </a:ext>
+            </a:extLst>
+          </p:cNvPr>
+          <p:cNvPicPr>
+            <a:picLocks noChangeAspect="1"/>
+          </p:cNvPicPr>
+          <p:nvPr/>
+        </p:nvPicPr>
+        <p:blipFill>
+          <a:blip r:embed="rId4"/>
+          <a:stretch>
+            <a:fillRect/>
+          </a:stretch>
+        </p:blipFill>
+        <p:spPr>
+          <a:xfrm>
+            <a:off x="6477802" y="4128125"/>
+            <a:ext cx="5516406" cy="2410956"/>
+          </a:xfrm>
+          <a:prstGeom prst="rect">
+            <a:avLst/>
+          </a:prstGeom>
+        </p:spPr>
+      </p:pic>
+      <p:sp>
+        <p:nvSpPr>
+          <p:cNvPr id="21" name="矩形 20">
+            <a:extLst>
+              <a:ext uri="{FF2B5EF4-FFF2-40B4-BE49-F238E27FC236}">
+                <a16:creationId xmlns:a16="http://schemas.microsoft.com/office/drawing/2014/main" id="{BB2C7BB2-D2B8-45DF-85D6-B814356E7427}"/>
+              </a:ext>
+            </a:extLst>
+          </p:cNvPr>
+          <p:cNvSpPr/>
+          <p:nvPr/>
+        </p:nvSpPr>
+        <p:spPr>
+          <a:xfrm>
+            <a:off x="751503" y="2080018"/>
+            <a:ext cx="1012054" cy="363985"/>
+          </a:xfrm>
+          <a:prstGeom prst="rect">
+            <a:avLst/>
+          </a:prstGeom>
+          <a:noFill/>
+          <a:ln w="38100">
+            <a:solidFill>
+              <a:schemeClr val="accent2">
+                <a:lumMod val="75000"/>
+              </a:schemeClr>
+            </a:solidFill>
+          </a:ln>
+        </p:spPr>
+        <p:style>
+          <a:lnRef idx="2">
+            <a:schemeClr val="accent1">
+              <a:shade val="50000"/>
+            </a:schemeClr>
+          </a:lnRef>
+          <a:fillRef idx="1">
+            <a:schemeClr val="accent1"/>
+          </a:fillRef>
+          <a:effectRef idx="0">
+            <a:schemeClr val="accent1"/>
+          </a:effectRef>
+          <a:fontRef idx="minor">
+            <a:schemeClr val="lt1"/>
+          </a:fontRef>
+        </p:style>
+        <p:txBody>
+          <a:bodyPr rtlCol="0" anchor="ctr"/>
+          <a:lstStyle/>
+          <a:p>
+            <a:pPr algn="ctr"/>
+            <a:endParaRPr lang="zh-TW" altLang="en-US"/>
+          </a:p>
+        </p:txBody>
+      </p:sp>
+      <p:pic>
+        <p:nvPicPr>
+          <p:cNvPr id="23" name="圖片 22">
+            <a:extLst>
+              <a:ext uri="{FF2B5EF4-FFF2-40B4-BE49-F238E27FC236}">
+                <a16:creationId xmlns:a16="http://schemas.microsoft.com/office/drawing/2014/main" id="{B9978A06-DB2A-4180-A3B9-6345F5CCEE06}"/>
+              </a:ext>
+            </a:extLst>
+          </p:cNvPr>
+          <p:cNvPicPr>
+            <a:picLocks noChangeAspect="1"/>
+          </p:cNvPicPr>
+          <p:nvPr/>
+        </p:nvPicPr>
+        <p:blipFill>
+          <a:blip r:embed="rId5"/>
+          <a:stretch>
+            <a:fillRect/>
+          </a:stretch>
+        </p:blipFill>
+        <p:spPr>
+          <a:xfrm>
+            <a:off x="462579" y="1571992"/>
+            <a:ext cx="2317869" cy="508026"/>
+          </a:xfrm>
+          <a:prstGeom prst="rect">
+            <a:avLst/>
+          </a:prstGeom>
+        </p:spPr>
+      </p:pic>
+      <p:sp>
+        <p:nvSpPr>
+          <p:cNvPr id="24" name="矩形 23">
+            <a:extLst>
+              <a:ext uri="{FF2B5EF4-FFF2-40B4-BE49-F238E27FC236}">
+                <a16:creationId xmlns:a16="http://schemas.microsoft.com/office/drawing/2014/main" id="{FA66B3F5-F932-4655-849D-4C0C9A22E729}"/>
+              </a:ext>
+            </a:extLst>
+          </p:cNvPr>
+          <p:cNvSpPr/>
+          <p:nvPr/>
+        </p:nvSpPr>
+        <p:spPr>
+          <a:xfrm>
+            <a:off x="1418807" y="1575470"/>
+            <a:ext cx="1315515" cy="363985"/>
+          </a:xfrm>
+          <a:prstGeom prst="rect">
+            <a:avLst/>
+          </a:prstGeom>
+          <a:noFill/>
+          <a:ln w="38100">
+            <a:solidFill>
+              <a:schemeClr val="accent2">
+                <a:lumMod val="75000"/>
+              </a:schemeClr>
+            </a:solidFill>
+          </a:ln>
+        </p:spPr>
+        <p:style>
+          <a:lnRef idx="2">
+            <a:schemeClr val="accent1">
+              <a:shade val="50000"/>
+            </a:schemeClr>
+          </a:lnRef>
+          <a:fillRef idx="1">
+            <a:schemeClr val="accent1"/>
+          </a:fillRef>
+          <a:effectRef idx="0">
+            <a:schemeClr val="accent1"/>
+          </a:effectRef>
+          <a:fontRef idx="minor">
+            <a:schemeClr val="lt1"/>
+          </a:fontRef>
+        </p:style>
+        <p:txBody>
+          <a:bodyPr rtlCol="0" anchor="ctr"/>
+          <a:lstStyle/>
+          <a:p>
+            <a:pPr algn="ctr"/>
+            <a:endParaRPr lang="zh-TW" altLang="en-US"/>
+          </a:p>
+        </p:txBody>
+      </p:sp>
+      <p:pic>
+        <p:nvPicPr>
+          <p:cNvPr id="26" name="圖片 25">
+            <a:extLst>
+              <a:ext uri="{FF2B5EF4-FFF2-40B4-BE49-F238E27FC236}">
+                <a16:creationId xmlns:a16="http://schemas.microsoft.com/office/drawing/2014/main" id="{9E897CFD-79E8-4585-BEC7-B72458048372}"/>
+              </a:ext>
+            </a:extLst>
+          </p:cNvPr>
+          <p:cNvPicPr>
+            <a:picLocks noChangeAspect="1"/>
+          </p:cNvPicPr>
+          <p:nvPr/>
+        </p:nvPicPr>
+        <p:blipFill>
+          <a:blip r:embed="rId6"/>
+          <a:stretch>
+            <a:fillRect/>
+          </a:stretch>
+        </p:blipFill>
+        <p:spPr>
+          <a:xfrm>
+            <a:off x="2879707" y="1571992"/>
+            <a:ext cx="2641736" cy="444523"/>
+          </a:xfrm>
+          <a:prstGeom prst="rect">
+            <a:avLst/>
+          </a:prstGeom>
+        </p:spPr>
+      </p:pic>
+      <p:sp>
+        <p:nvSpPr>
+          <p:cNvPr id="27" name="矩形 26">
+            <a:extLst>
+              <a:ext uri="{FF2B5EF4-FFF2-40B4-BE49-F238E27FC236}">
+                <a16:creationId xmlns:a16="http://schemas.microsoft.com/office/drawing/2014/main" id="{EE93B70C-3909-435D-80D6-1B4651E0B5E8}"/>
+              </a:ext>
+            </a:extLst>
+          </p:cNvPr>
+          <p:cNvSpPr/>
+          <p:nvPr/>
+        </p:nvSpPr>
+        <p:spPr>
+          <a:xfrm>
+            <a:off x="0" y="185109"/>
+            <a:ext cx="12192000" cy="795444"/>
+          </a:xfrm>
+          <a:prstGeom prst="rect">
+            <a:avLst/>
+          </a:prstGeom>
+          <a:solidFill>
+            <a:srgbClr val="4F9D9D">
+              <a:alpha val="18824"/>
+            </a:srgbClr>
+          </a:solidFill>
+          <a:ln>
+            <a:noFill/>
+          </a:ln>
+        </p:spPr>
+        <p:style>
+          <a:lnRef idx="2">
+            <a:schemeClr val="accent1">
+              <a:shade val="50000"/>
+            </a:schemeClr>
+          </a:lnRef>
+          <a:fillRef idx="1">
+            <a:schemeClr val="accent1"/>
+          </a:fillRef>
+          <a:effectRef idx="0">
+            <a:schemeClr val="accent1"/>
+          </a:effectRef>
+          <a:fontRef idx="minor">
+            <a:schemeClr val="lt1"/>
+          </a:fontRef>
+        </p:style>
+        <p:txBody>
+          <a:bodyPr rtlCol="0" anchor="ctr"/>
+          <a:lstStyle/>
+          <a:p>
+            <a:pPr algn="ctr"/>
+            <a:endParaRPr lang="zh-TW" altLang="en-US" dirty="0"/>
+          </a:p>
+        </p:txBody>
+      </p:sp>
+      <p:pic>
+        <p:nvPicPr>
+          <p:cNvPr id="28" name="圖片 27">
+            <a:extLst>
+              <a:ext uri="{FF2B5EF4-FFF2-40B4-BE49-F238E27FC236}">
+                <a16:creationId xmlns:a16="http://schemas.microsoft.com/office/drawing/2014/main" id="{D65482A7-FF43-453F-950A-E224479263CE}"/>
+              </a:ext>
+            </a:extLst>
+          </p:cNvPr>
+          <p:cNvPicPr>
+            <a:picLocks noChangeAspect="1"/>
+          </p:cNvPicPr>
+          <p:nvPr/>
+        </p:nvPicPr>
+        <p:blipFill>
+          <a:blip r:embed="rId7"/>
+          <a:stretch>
+            <a:fillRect/>
+          </a:stretch>
+        </p:blipFill>
+        <p:spPr>
+          <a:xfrm>
+            <a:off x="112713" y="131541"/>
+            <a:ext cx="867532" cy="867532"/>
+          </a:xfrm>
+          <a:prstGeom prst="rect">
+            <a:avLst/>
+          </a:prstGeom>
+        </p:spPr>
+      </p:pic>
+      <p:sp>
+        <p:nvSpPr>
+          <p:cNvPr id="29" name="矩形 28">
+            <a:extLst>
+              <a:ext uri="{FF2B5EF4-FFF2-40B4-BE49-F238E27FC236}">
+                <a16:creationId xmlns:a16="http://schemas.microsoft.com/office/drawing/2014/main" id="{DFED6631-E244-4B2E-9CA2-BFA4F0E091EA}"/>
+              </a:ext>
+            </a:extLst>
+          </p:cNvPr>
+          <p:cNvSpPr/>
+          <p:nvPr/>
+        </p:nvSpPr>
+        <p:spPr>
+          <a:xfrm>
+            <a:off x="3726060" y="1583514"/>
+            <a:ext cx="1795383" cy="363985"/>
+          </a:xfrm>
+          <a:prstGeom prst="rect">
+            <a:avLst/>
+          </a:prstGeom>
+          <a:noFill/>
+          <a:ln w="38100">
+            <a:solidFill>
+              <a:schemeClr val="accent2">
+                <a:lumMod val="75000"/>
+              </a:schemeClr>
+            </a:solidFill>
+          </a:ln>
+        </p:spPr>
+        <p:style>
+          <a:lnRef idx="2">
+            <a:schemeClr val="accent1">
+              <a:shade val="50000"/>
+            </a:schemeClr>
+          </a:lnRef>
+          <a:fillRef idx="1">
+            <a:schemeClr val="accent1"/>
+          </a:fillRef>
+          <a:effectRef idx="0">
+            <a:schemeClr val="accent1"/>
+          </a:effectRef>
+          <a:fontRef idx="minor">
+            <a:schemeClr val="lt1"/>
+          </a:fontRef>
+        </p:style>
+        <p:txBody>
+          <a:bodyPr rtlCol="0" anchor="ctr"/>
+          <a:lstStyle/>
+          <a:p>
+            <a:pPr algn="ctr"/>
+            <a:endParaRPr lang="zh-TW" altLang="en-US"/>
+          </a:p>
+        </p:txBody>
+      </p:sp>
+      <p:sp>
+        <p:nvSpPr>
+          <p:cNvPr id="30" name="文字方塊 29">
+            <a:extLst>
+              <a:ext uri="{FF2B5EF4-FFF2-40B4-BE49-F238E27FC236}">
+                <a16:creationId xmlns:a16="http://schemas.microsoft.com/office/drawing/2014/main" id="{AE8D25DB-B811-4F30-AFC6-E47AE095E5EC}"/>
+              </a:ext>
+            </a:extLst>
+          </p:cNvPr>
+          <p:cNvSpPr txBox="1"/>
+          <p:nvPr/>
+        </p:nvSpPr>
+        <p:spPr>
+          <a:xfrm>
+            <a:off x="1257530" y="1053877"/>
+            <a:ext cx="3527534" cy="408623"/>
+          </a:xfrm>
+          <a:prstGeom prst="flowChartAlternateProcess">
+            <a:avLst/>
+          </a:prstGeom>
+          <a:solidFill>
+            <a:schemeClr val="accent4">
+              <a:lumMod val="20000"/>
+              <a:lumOff val="80000"/>
+            </a:schemeClr>
+          </a:solidFill>
+          <a:effectLst>
+            <a:outerShdw blurRad="50800" dist="38100" dir="2700000" algn="tl" rotWithShape="0">
+              <a:prstClr val="black">
+                <a:alpha val="40000"/>
+              </a:prstClr>
+            </a:outerShdw>
+          </a:effectLst>
+        </p:spPr>
+        <p:txBody>
+          <a:bodyPr wrap="square" rtlCol="0">
+            <a:spAutoFit/>
+          </a:bodyPr>
+          <a:lstStyle/>
+          <a:p>
+            <a:r>
+              <a:rPr lang="en-US" altLang="zh-TW" dirty="0"/>
+              <a:t>Level</a:t>
+            </a:r>
+            <a:r>
+              <a:rPr lang="zh-TW" altLang="en-US" dirty="0"/>
+              <a:t>不同，可看到的畫面不同</a:t>
+            </a:r>
+          </a:p>
+        </p:txBody>
+      </p:sp>
+      <p:sp>
+        <p:nvSpPr>
+          <p:cNvPr id="31" name="文字方塊 30">
+            <a:extLst>
+              <a:ext uri="{FF2B5EF4-FFF2-40B4-BE49-F238E27FC236}">
+                <a16:creationId xmlns:a16="http://schemas.microsoft.com/office/drawing/2014/main" id="{5647D8EC-C308-4DA6-B7E1-25B2F70E96E4}"/>
+              </a:ext>
+            </a:extLst>
+          </p:cNvPr>
+          <p:cNvSpPr txBox="1"/>
+          <p:nvPr/>
+        </p:nvSpPr>
+        <p:spPr>
+          <a:xfrm>
+            <a:off x="2076564" y="5623633"/>
+            <a:ext cx="3527534" cy="715089"/>
+          </a:xfrm>
+          <a:prstGeom prst="flowChartAlternateProcess">
+            <a:avLst/>
+          </a:prstGeom>
+          <a:solidFill>
+            <a:schemeClr val="accent4">
+              <a:lumMod val="20000"/>
+              <a:lumOff val="80000"/>
+            </a:schemeClr>
+          </a:solidFill>
+          <a:effectLst>
+            <a:outerShdw blurRad="50800" dist="38100" dir="2700000" algn="tl" rotWithShape="0">
+              <a:prstClr val="black">
+                <a:alpha val="40000"/>
+              </a:prstClr>
+            </a:outerShdw>
+          </a:effectLst>
+        </p:spPr>
+        <p:txBody>
+          <a:bodyPr wrap="square" rtlCol="0">
+            <a:spAutoFit/>
+          </a:bodyPr>
+          <a:lstStyle/>
+          <a:p>
+            <a:r>
+              <a:rPr lang="zh-TW" altLang="en-US" dirty="0"/>
+              <a:t>運用</a:t>
+            </a:r>
+            <a:r>
+              <a:rPr lang="en-US" altLang="zh-TW" dirty="0"/>
+              <a:t>chart.js</a:t>
+            </a:r>
+            <a:r>
+              <a:rPr lang="zh-TW" altLang="en-US" dirty="0"/>
+              <a:t>將數據視覺化，</a:t>
+            </a:r>
+            <a:endParaRPr lang="en-US" altLang="zh-TW" dirty="0"/>
+          </a:p>
+          <a:p>
+            <a:r>
+              <a:rPr lang="zh-TW" altLang="en-US" dirty="0"/>
+              <a:t>使用者可清楚掌握公司營運狀況</a:t>
+            </a:r>
+          </a:p>
+        </p:txBody>
+      </p:sp>
+      <p:sp>
+        <p:nvSpPr>
+          <p:cNvPr id="33" name="投影片編號版面配置區 32">
+            <a:extLst>
+              <a:ext uri="{FF2B5EF4-FFF2-40B4-BE49-F238E27FC236}">
+                <a16:creationId xmlns:a16="http://schemas.microsoft.com/office/drawing/2014/main" id="{0D6B5C13-230A-4308-8DE1-9FCB55FE558F}"/>
+              </a:ext>
+            </a:extLst>
+          </p:cNvPr>
+          <p:cNvSpPr>
+            <a:spLocks noGrp="1"/>
+          </p:cNvSpPr>
+          <p:nvPr>
+            <p:ph type="sldNum" sz="quarter" idx="12"/>
+          </p:nvPr>
+        </p:nvSpPr>
+        <p:spPr/>
+        <p:txBody>
+          <a:bodyPr/>
+          <a:lstStyle/>
+          <a:p>
+            <a:fld id="{F759FE07-7FB9-4113-8AB6-9F47A342824F}" type="slidenum">
+              <a:rPr lang="zh-TW" altLang="en-US" sz="2000" b="1" smtClean="0">
+                <a:solidFill>
+                  <a:srgbClr val="639B9C"/>
+                </a:solidFill>
+              </a:rPr>
+              <a:t>10</a:t>
+            </a:fld>
+            <a:endParaRPr lang="zh-TW" altLang="en-US" sz="2000" b="1" dirty="0">
+              <a:solidFill>
+                <a:srgbClr val="639B9C"/>
+              </a:solidFill>
+            </a:endParaRPr>
+          </a:p>
+        </p:txBody>
+      </p:sp>
+    </p:spTree>
+    <p:extLst>
+      <p:ext uri="{BB962C8B-B14F-4D97-AF65-F5344CB8AC3E}">
+        <p14:creationId xmlns:p14="http://schemas.microsoft.com/office/powerpoint/2010/main" val="2984873780"/>
+      </p:ext>
+    </p:extLst>
+  </p:cSld>
+  <p:clrMapOvr>
+    <a:masterClrMapping/>
+  </p:clrMapOvr>
+</p:sld>
+</file>
+
+<file path=ppt/slides/slide11.xml><?xml version="1.0" encoding="utf-8"?>
+<p:sld xmlns:a="http://schemas.openxmlformats.org/drawingml/2006/main" xmlns:r="http://schemas.openxmlformats.org/officeDocument/2006/relationships" xmlns:p="http://schemas.openxmlformats.org/presentationml/2006/main">
+  <p:cSld>
+    <p:spTree>
+      <p:nvGrpSpPr>
+        <p:cNvPr id="1" name=""/>
+        <p:cNvGrpSpPr/>
+        <p:nvPr/>
+      </p:nvGrpSpPr>
+      <p:grpSpPr>
+        <a:xfrm>
+          <a:off x="0" y="0"/>
+          <a:ext cx="0" cy="0"/>
+          <a:chOff x="0" y="0"/>
+          <a:chExt cx="0" cy="0"/>
+        </a:xfrm>
+      </p:grpSpPr>
+      <p:sp>
+        <p:nvSpPr>
+          <p:cNvPr id="7" name="矩形 6">
+            <a:extLst>
+              <a:ext uri="{FF2B5EF4-FFF2-40B4-BE49-F238E27FC236}">
+                <a16:creationId xmlns:a16="http://schemas.microsoft.com/office/drawing/2014/main" id="{1DC39FB0-1356-4D63-977D-ADF87BEEFFF6}"/>
+              </a:ext>
+            </a:extLst>
+          </p:cNvPr>
+          <p:cNvSpPr/>
+          <p:nvPr/>
+        </p:nvSpPr>
+        <p:spPr>
+          <a:xfrm>
+            <a:off x="0" y="1792380"/>
+            <a:ext cx="12192000" cy="3622089"/>
+          </a:xfrm>
+          <a:prstGeom prst="rect">
+            <a:avLst/>
+          </a:prstGeom>
+          <a:solidFill>
+            <a:srgbClr val="4F9D9D">
+              <a:alpha val="18824"/>
+            </a:srgbClr>
+          </a:solidFill>
+          <a:ln>
+            <a:noFill/>
+          </a:ln>
+        </p:spPr>
+        <p:style>
+          <a:lnRef idx="2">
+            <a:schemeClr val="accent1">
+              <a:shade val="50000"/>
+            </a:schemeClr>
+          </a:lnRef>
+          <a:fillRef idx="1">
+            <a:schemeClr val="accent1"/>
+          </a:fillRef>
+          <a:effectRef idx="0">
+            <a:schemeClr val="accent1"/>
+          </a:effectRef>
+          <a:fontRef idx="minor">
+            <a:schemeClr val="lt1"/>
+          </a:fontRef>
+        </p:style>
+        <p:txBody>
+          <a:bodyPr rtlCol="0" anchor="ctr"/>
+          <a:lstStyle/>
+          <a:p>
+            <a:pPr algn="ctr"/>
             <a:endParaRPr lang="zh-TW" altLang="en-US" dirty="0"/>
           </a:p>
         </p:txBody>
@@ -6682,7 +7355,7 @@
                   <a:srgbClr val="639B9C"/>
                 </a:solidFill>
               </a:rPr>
-              <a:t>10</a:t>
+              <a:t>11</a:t>
             </a:fld>
             <a:endParaRPr lang="zh-TW" altLang="en-US" b="1" dirty="0">
               <a:solidFill>
@@ -6705,7 +7378,7 @@
 </p:sld>
 </file>
 
-<file path=ppt/slides/slide11.xml><?xml version="1.0" encoding="utf-8"?>
+<file path=ppt/slides/slide12.xml><?xml version="1.0" encoding="utf-8"?>
 <p:sld xmlns:a="http://schemas.openxmlformats.org/drawingml/2006/main" xmlns:r="http://schemas.openxmlformats.org/officeDocument/2006/relationships" xmlns:p="http://schemas.openxmlformats.org/presentationml/2006/main">
   <p:cSld>
     <p:spTree>
@@ -7214,444 +7887,6 @@
                   <a:srgbClr val="639B9C"/>
                 </a:solidFill>
               </a:rPr>
-              <a:t>11</a:t>
-            </a:fld>
-            <a:endParaRPr lang="zh-TW" altLang="en-US" b="1" dirty="0">
-              <a:solidFill>
-                <a:srgbClr val="639B9C"/>
-              </a:solidFill>
-            </a:endParaRPr>
-          </a:p>
-        </p:txBody>
-      </p:sp>
-    </p:spTree>
-    <p:extLst>
-      <p:ext uri="{BB962C8B-B14F-4D97-AF65-F5344CB8AC3E}">
-        <p14:creationId xmlns:p14="http://schemas.microsoft.com/office/powerpoint/2010/main" val="2542653827"/>
-      </p:ext>
-    </p:extLst>
-  </p:cSld>
-  <p:clrMapOvr>
-    <a:masterClrMapping/>
-  </p:clrMapOvr>
-</p:sld>
-</file>
-
-<file path=ppt/slides/slide12.xml><?xml version="1.0" encoding="utf-8"?>
-<p:sld xmlns:a="http://schemas.openxmlformats.org/drawingml/2006/main" xmlns:r="http://schemas.openxmlformats.org/officeDocument/2006/relationships" xmlns:p="http://schemas.openxmlformats.org/presentationml/2006/main">
-  <p:cSld>
-    <p:spTree>
-      <p:nvGrpSpPr>
-        <p:cNvPr id="1" name=""/>
-        <p:cNvGrpSpPr/>
-        <p:nvPr/>
-      </p:nvGrpSpPr>
-      <p:grpSpPr>
-        <a:xfrm>
-          <a:off x="0" y="0"/>
-          <a:ext cx="0" cy="0"/>
-          <a:chOff x="0" y="0"/>
-          <a:chExt cx="0" cy="0"/>
-        </a:xfrm>
-      </p:grpSpPr>
-      <p:sp>
-        <p:nvSpPr>
-          <p:cNvPr id="2" name="標題 1">
-            <a:extLst>
-              <a:ext uri="{FF2B5EF4-FFF2-40B4-BE49-F238E27FC236}">
-                <a16:creationId xmlns:a16="http://schemas.microsoft.com/office/drawing/2014/main" id="{FA7869A3-74B4-418B-8E7F-960B987ED510}"/>
-              </a:ext>
-            </a:extLst>
-          </p:cNvPr>
-          <p:cNvSpPr>
-            <a:spLocks noGrp="1"/>
-          </p:cNvSpPr>
-          <p:nvPr>
-            <p:ph type="title"/>
-          </p:nvPr>
-        </p:nvSpPr>
-        <p:spPr>
-          <a:xfrm>
-            <a:off x="838200" y="-79951"/>
-            <a:ext cx="10515600" cy="1325563"/>
-          </a:xfrm>
-        </p:spPr>
-        <p:txBody>
-          <a:bodyPr>
-            <a:normAutofit/>
-          </a:bodyPr>
-          <a:lstStyle/>
-          <a:p>
-            <a:r>
-              <a:rPr lang="zh-TW" altLang="en-US" sz="4000" dirty="0"/>
-              <a:t>篩選表格</a:t>
-            </a:r>
-            <a:r>
-              <a:rPr lang="en-US" altLang="zh-TW" sz="4000" dirty="0"/>
-              <a:t>&amp;</a:t>
-            </a:r>
-            <a:r>
-              <a:rPr lang="zh-TW" altLang="en-US" sz="4000" dirty="0"/>
-              <a:t>關鍵字搜尋</a:t>
-            </a:r>
-          </a:p>
-        </p:txBody>
-      </p:sp>
-      <p:pic>
-        <p:nvPicPr>
-          <p:cNvPr id="24" name="圖片 23">
-            <a:extLst>
-              <a:ext uri="{FF2B5EF4-FFF2-40B4-BE49-F238E27FC236}">
-                <a16:creationId xmlns:a16="http://schemas.microsoft.com/office/drawing/2014/main" id="{98EFFDBB-C70F-4034-99B6-03E654E54058}"/>
-              </a:ext>
-            </a:extLst>
-          </p:cNvPr>
-          <p:cNvPicPr>
-            <a:picLocks noChangeAspect="1"/>
-          </p:cNvPicPr>
-          <p:nvPr/>
-        </p:nvPicPr>
-        <p:blipFill>
-          <a:blip r:embed="rId2"/>
-          <a:stretch>
-            <a:fillRect/>
-          </a:stretch>
-        </p:blipFill>
-        <p:spPr>
-          <a:xfrm>
-            <a:off x="980439" y="1168755"/>
-            <a:ext cx="10515601" cy="3123098"/>
-          </a:xfrm>
-          <a:prstGeom prst="rect">
-            <a:avLst/>
-          </a:prstGeom>
-          <a:ln w="19050">
-            <a:solidFill>
-              <a:schemeClr val="tx1">
-                <a:lumMod val="65000"/>
-                <a:lumOff val="35000"/>
-              </a:schemeClr>
-            </a:solidFill>
-          </a:ln>
-        </p:spPr>
-      </p:pic>
-      <p:sp>
-        <p:nvSpPr>
-          <p:cNvPr id="21" name="矩形 20">
-            <a:extLst>
-              <a:ext uri="{FF2B5EF4-FFF2-40B4-BE49-F238E27FC236}">
-                <a16:creationId xmlns:a16="http://schemas.microsoft.com/office/drawing/2014/main" id="{A15DFC6E-592F-4544-A1BF-ED0F8A63484C}"/>
-              </a:ext>
-            </a:extLst>
-          </p:cNvPr>
-          <p:cNvSpPr/>
-          <p:nvPr/>
-        </p:nvSpPr>
-        <p:spPr>
-          <a:xfrm>
-            <a:off x="5384800" y="1558732"/>
-            <a:ext cx="4094480" cy="1239426"/>
-          </a:xfrm>
-          <a:prstGeom prst="rect">
-            <a:avLst/>
-          </a:prstGeom>
-          <a:noFill/>
-          <a:ln w="38100">
-            <a:solidFill>
-              <a:srgbClr val="4F9D9D"/>
-            </a:solidFill>
-          </a:ln>
-        </p:spPr>
-        <p:style>
-          <a:lnRef idx="2">
-            <a:schemeClr val="accent1">
-              <a:shade val="50000"/>
-            </a:schemeClr>
-          </a:lnRef>
-          <a:fillRef idx="1">
-            <a:schemeClr val="accent1"/>
-          </a:fillRef>
-          <a:effectRef idx="0">
-            <a:schemeClr val="accent1"/>
-          </a:effectRef>
-          <a:fontRef idx="minor">
-            <a:schemeClr val="lt1"/>
-          </a:fontRef>
-        </p:style>
-        <p:txBody>
-          <a:bodyPr rtlCol="0" anchor="ctr"/>
-          <a:lstStyle/>
-          <a:p>
-            <a:pPr algn="ctr"/>
-            <a:endParaRPr lang="zh-TW" altLang="en-US">
-              <a:solidFill>
-                <a:srgbClr val="4F9D9D"/>
-              </a:solidFill>
-            </a:endParaRPr>
-          </a:p>
-        </p:txBody>
-      </p:sp>
-      <p:pic>
-        <p:nvPicPr>
-          <p:cNvPr id="26" name="圖片 25">
-            <a:extLst>
-              <a:ext uri="{FF2B5EF4-FFF2-40B4-BE49-F238E27FC236}">
-                <a16:creationId xmlns:a16="http://schemas.microsoft.com/office/drawing/2014/main" id="{03C73EA6-4FCB-4980-9660-71005C85606A}"/>
-              </a:ext>
-            </a:extLst>
-          </p:cNvPr>
-          <p:cNvPicPr>
-            <a:picLocks noChangeAspect="1"/>
-          </p:cNvPicPr>
-          <p:nvPr/>
-        </p:nvPicPr>
-        <p:blipFill>
-          <a:blip r:embed="rId3"/>
-          <a:stretch>
-            <a:fillRect/>
-          </a:stretch>
-        </p:blipFill>
-        <p:spPr>
-          <a:xfrm>
-            <a:off x="548346" y="4291853"/>
-            <a:ext cx="11379785" cy="2457576"/>
-          </a:xfrm>
-          <a:prstGeom prst="rect">
-            <a:avLst/>
-          </a:prstGeom>
-          <a:ln w="19050">
-            <a:solidFill>
-              <a:schemeClr val="tx1">
-                <a:lumMod val="65000"/>
-                <a:lumOff val="35000"/>
-              </a:schemeClr>
-            </a:solidFill>
-          </a:ln>
-        </p:spPr>
-      </p:pic>
-      <p:sp>
-        <p:nvSpPr>
-          <p:cNvPr id="22" name="矩形 21">
-            <a:extLst>
-              <a:ext uri="{FF2B5EF4-FFF2-40B4-BE49-F238E27FC236}">
-                <a16:creationId xmlns:a16="http://schemas.microsoft.com/office/drawing/2014/main" id="{DA7DA4F2-2773-4505-8901-25C524774FC1}"/>
-              </a:ext>
-            </a:extLst>
-          </p:cNvPr>
-          <p:cNvSpPr/>
-          <p:nvPr/>
-        </p:nvSpPr>
-        <p:spPr>
-          <a:xfrm>
-            <a:off x="9489440" y="6370321"/>
-            <a:ext cx="1442720" cy="350519"/>
-          </a:xfrm>
-          <a:prstGeom prst="rect">
-            <a:avLst/>
-          </a:prstGeom>
-          <a:noFill/>
-          <a:ln w="38100">
-            <a:solidFill>
-              <a:srgbClr val="4F9D9D"/>
-            </a:solidFill>
-          </a:ln>
-        </p:spPr>
-        <p:style>
-          <a:lnRef idx="2">
-            <a:schemeClr val="accent1">
-              <a:shade val="50000"/>
-            </a:schemeClr>
-          </a:lnRef>
-          <a:fillRef idx="1">
-            <a:schemeClr val="accent1"/>
-          </a:fillRef>
-          <a:effectRef idx="0">
-            <a:schemeClr val="accent1"/>
-          </a:effectRef>
-          <a:fontRef idx="minor">
-            <a:schemeClr val="lt1"/>
-          </a:fontRef>
-        </p:style>
-        <p:txBody>
-          <a:bodyPr rtlCol="0" anchor="ctr"/>
-          <a:lstStyle/>
-          <a:p>
-            <a:pPr algn="ctr"/>
-            <a:endParaRPr lang="zh-TW" altLang="en-US">
-              <a:solidFill>
-                <a:srgbClr val="4F9D9D"/>
-              </a:solidFill>
-            </a:endParaRPr>
-          </a:p>
-        </p:txBody>
-      </p:sp>
-      <p:sp>
-        <p:nvSpPr>
-          <p:cNvPr id="28" name="文字方塊 27">
-            <a:extLst>
-              <a:ext uri="{FF2B5EF4-FFF2-40B4-BE49-F238E27FC236}">
-                <a16:creationId xmlns:a16="http://schemas.microsoft.com/office/drawing/2014/main" id="{E72E40D4-8C37-4EA6-8C6B-E68076345F70}"/>
-              </a:ext>
-            </a:extLst>
-          </p:cNvPr>
-          <p:cNvSpPr txBox="1"/>
-          <p:nvPr/>
-        </p:nvSpPr>
-        <p:spPr>
-          <a:xfrm>
-            <a:off x="6238238" y="1131236"/>
-            <a:ext cx="1600745" cy="408623"/>
-          </a:xfrm>
-          <a:prstGeom prst="flowChartAlternateProcess">
-            <a:avLst/>
-          </a:prstGeom>
-          <a:solidFill>
-            <a:schemeClr val="accent4">
-              <a:lumMod val="20000"/>
-              <a:lumOff val="80000"/>
-            </a:schemeClr>
-          </a:solidFill>
-          <a:effectLst>
-            <a:outerShdw blurRad="50800" dist="38100" dir="2700000" algn="tl" rotWithShape="0">
-              <a:prstClr val="black">
-                <a:alpha val="40000"/>
-              </a:prstClr>
-            </a:outerShdw>
-          </a:effectLst>
-        </p:spPr>
-        <p:txBody>
-          <a:bodyPr wrap="square" rtlCol="0">
-            <a:spAutoFit/>
-          </a:bodyPr>
-          <a:lstStyle/>
-          <a:p>
-            <a:r>
-              <a:rPr lang="zh-TW" altLang="en-US" b="1" dirty="0">
-                <a:solidFill>
-                  <a:srgbClr val="4F9D9D"/>
-                </a:solidFill>
-              </a:rPr>
-              <a:t>實現多重篩選</a:t>
-            </a:r>
-          </a:p>
-        </p:txBody>
-      </p:sp>
-      <p:sp>
-        <p:nvSpPr>
-          <p:cNvPr id="29" name="矩形 28">
-            <a:extLst>
-              <a:ext uri="{FF2B5EF4-FFF2-40B4-BE49-F238E27FC236}">
-                <a16:creationId xmlns:a16="http://schemas.microsoft.com/office/drawing/2014/main" id="{73612C75-F1D8-4908-8E81-20B9DEF63B15}"/>
-              </a:ext>
-            </a:extLst>
-          </p:cNvPr>
-          <p:cNvSpPr/>
-          <p:nvPr/>
-        </p:nvSpPr>
-        <p:spPr>
-          <a:xfrm>
-            <a:off x="0" y="185109"/>
-            <a:ext cx="12192000" cy="795444"/>
-          </a:xfrm>
-          <a:prstGeom prst="rect">
-            <a:avLst/>
-          </a:prstGeom>
-          <a:solidFill>
-            <a:srgbClr val="4F9D9D">
-              <a:alpha val="18824"/>
-            </a:srgbClr>
-          </a:solidFill>
-          <a:ln>
-            <a:noFill/>
-          </a:ln>
-        </p:spPr>
-        <p:style>
-          <a:lnRef idx="2">
-            <a:schemeClr val="accent1">
-              <a:shade val="50000"/>
-            </a:schemeClr>
-          </a:lnRef>
-          <a:fillRef idx="1">
-            <a:schemeClr val="accent1"/>
-          </a:fillRef>
-          <a:effectRef idx="0">
-            <a:schemeClr val="accent1"/>
-          </a:effectRef>
-          <a:fontRef idx="minor">
-            <a:schemeClr val="lt1"/>
-          </a:fontRef>
-        </p:style>
-        <p:txBody>
-          <a:bodyPr rtlCol="0" anchor="ctr"/>
-          <a:lstStyle/>
-          <a:p>
-            <a:pPr algn="ctr"/>
-            <a:endParaRPr lang="zh-TW" altLang="en-US" dirty="0"/>
-          </a:p>
-        </p:txBody>
-      </p:sp>
-      <p:pic>
-        <p:nvPicPr>
-          <p:cNvPr id="30" name="圖片 29">
-            <a:extLst>
-              <a:ext uri="{FF2B5EF4-FFF2-40B4-BE49-F238E27FC236}">
-                <a16:creationId xmlns:a16="http://schemas.microsoft.com/office/drawing/2014/main" id="{B3E52906-40A3-4E42-BE41-24BB682D66A0}"/>
-              </a:ext>
-            </a:extLst>
-          </p:cNvPr>
-          <p:cNvPicPr>
-            <a:picLocks noChangeAspect="1"/>
-          </p:cNvPicPr>
-          <p:nvPr/>
-        </p:nvPicPr>
-        <p:blipFill>
-          <a:blip r:embed="rId4"/>
-          <a:stretch>
-            <a:fillRect/>
-          </a:stretch>
-        </p:blipFill>
-        <p:spPr>
-          <a:xfrm>
-            <a:off x="112713" y="131541"/>
-            <a:ext cx="867532" cy="867532"/>
-          </a:xfrm>
-          <a:prstGeom prst="rect">
-            <a:avLst/>
-          </a:prstGeom>
-        </p:spPr>
-      </p:pic>
-      <p:sp>
-        <p:nvSpPr>
-          <p:cNvPr id="32" name="投影片編號版面配置區 31">
-            <a:extLst>
-              <a:ext uri="{FF2B5EF4-FFF2-40B4-BE49-F238E27FC236}">
-                <a16:creationId xmlns:a16="http://schemas.microsoft.com/office/drawing/2014/main" id="{72AB3517-76B4-409E-865F-41E97BADBDCC}"/>
-              </a:ext>
-            </a:extLst>
-          </p:cNvPr>
-          <p:cNvSpPr>
-            <a:spLocks noGrp="1"/>
-          </p:cNvSpPr>
-          <p:nvPr>
-            <p:ph type="sldNum" sz="quarter" idx="12"/>
-          </p:nvPr>
-        </p:nvSpPr>
-        <p:spPr>
-          <a:xfrm>
-            <a:off x="9107749" y="6355715"/>
-            <a:ext cx="2743200" cy="365125"/>
-          </a:xfrm>
-        </p:spPr>
-        <p:txBody>
-          <a:bodyPr/>
-          <a:lstStyle/>
-          <a:p>
-            <a:fld id="{F759FE07-7FB9-4113-8AB6-9F47A342824F}" type="slidenum">
-              <a:rPr lang="zh-TW" altLang="en-US" sz="2000" b="1" smtClean="0">
-                <a:solidFill>
-                  <a:srgbClr val="639B9C"/>
-                </a:solidFill>
-              </a:rPr>
               <a:t>12</a:t>
             </a:fld>
             <a:endParaRPr lang="zh-TW" altLang="en-US" b="1" dirty="0">
@@ -7665,7 +7900,7 @@
     </p:spTree>
     <p:extLst>
       <p:ext uri="{BB962C8B-B14F-4D97-AF65-F5344CB8AC3E}">
-        <p14:creationId xmlns:p14="http://schemas.microsoft.com/office/powerpoint/2010/main" val="3010930861"/>
+        <p14:creationId xmlns:p14="http://schemas.microsoft.com/office/powerpoint/2010/main" val="2542653827"/>
       </p:ext>
     </p:extLst>
   </p:cSld>
@@ -7697,7 +7932,7 @@
           <p:cNvPr id="2" name="標題 1">
             <a:extLst>
               <a:ext uri="{FF2B5EF4-FFF2-40B4-BE49-F238E27FC236}">
-                <a16:creationId xmlns:a16="http://schemas.microsoft.com/office/drawing/2014/main" id="{2C927B67-DB03-4E58-9169-7D35DAFBB729}"/>
+                <a16:creationId xmlns:a16="http://schemas.microsoft.com/office/drawing/2014/main" id="{FA7869A3-74B4-418B-8E7F-960B987ED510}"/>
               </a:ext>
             </a:extLst>
           </p:cNvPr>
@@ -7710,7 +7945,7 @@
         </p:nvSpPr>
         <p:spPr>
           <a:xfrm>
-            <a:off x="838200" y="-63454"/>
+            <a:off x="838200" y="-79951"/>
             <a:ext cx="10515600" cy="1325563"/>
           </a:xfrm>
         </p:spPr>
@@ -7722,42 +7957,32 @@
           <a:p>
             <a:r>
               <a:rPr lang="zh-TW" altLang="en-US" sz="4000" dirty="0"/>
-              <a:t>切換</a:t>
-            </a:r>
-            <a:r>
-              <a:rPr lang="zh-TW" altLang="en-US" sz="4000" u="sng" dirty="0"/>
-              <a:t>商品</a:t>
+              <a:t>篩選表格</a:t>
             </a:r>
             <a:r>
               <a:rPr lang="en-US" altLang="zh-TW" sz="4000" dirty="0"/>
-              <a:t>or</a:t>
-            </a:r>
-            <a:r>
-              <a:rPr lang="zh-TW" altLang="en-US" sz="4000" u="sng" dirty="0"/>
-              <a:t>品牌</a:t>
+              <a:t>&amp;</a:t>
             </a:r>
             <a:r>
               <a:rPr lang="zh-TW" altLang="en-US" sz="4000" dirty="0"/>
-              <a:t>模式</a:t>
+              <a:t>關鍵字搜尋</a:t>
             </a:r>
           </a:p>
         </p:txBody>
       </p:sp>
       <p:pic>
         <p:nvPicPr>
-          <p:cNvPr id="15" name="內容版面配置區 14">
-            <a:extLst>
-              <a:ext uri="{FF2B5EF4-FFF2-40B4-BE49-F238E27FC236}">
-                <a16:creationId xmlns:a16="http://schemas.microsoft.com/office/drawing/2014/main" id="{F5B516DB-289A-46BA-99A9-A85557E61BA4}"/>
+          <p:cNvPr id="24" name="圖片 23">
+            <a:extLst>
+              <a:ext uri="{FF2B5EF4-FFF2-40B4-BE49-F238E27FC236}">
+                <a16:creationId xmlns:a16="http://schemas.microsoft.com/office/drawing/2014/main" id="{98EFFDBB-C70F-4034-99B6-03E654E54058}"/>
               </a:ext>
             </a:extLst>
           </p:cNvPr>
           <p:cNvPicPr>
-            <a:picLocks noGrp="1" noChangeAspect="1"/>
+            <a:picLocks noChangeAspect="1"/>
           </p:cNvPicPr>
-          <p:nvPr>
-            <p:ph idx="1"/>
-          </p:nvPr>
+          <p:nvPr/>
         </p:nvPicPr>
         <p:blipFill>
           <a:blip r:embed="rId2"/>
@@ -7767,9 +7992,12 @@
         </p:blipFill>
         <p:spPr>
           <a:xfrm>
-            <a:off x="642891" y="1525146"/>
-            <a:ext cx="10515600" cy="3172205"/>
-          </a:xfrm>
+            <a:off x="980439" y="1168755"/>
+            <a:ext cx="10515601" cy="3123098"/>
+          </a:xfrm>
+          <a:prstGeom prst="rect">
+            <a:avLst/>
+          </a:prstGeom>
           <a:ln w="19050">
             <a:solidFill>
               <a:schemeClr val="tx1">
@@ -7782,10 +8010,10 @@
       </p:pic>
       <p:sp>
         <p:nvSpPr>
-          <p:cNvPr id="16" name="矩形 15">
-            <a:extLst>
-              <a:ext uri="{FF2B5EF4-FFF2-40B4-BE49-F238E27FC236}">
-                <a16:creationId xmlns:a16="http://schemas.microsoft.com/office/drawing/2014/main" id="{57587AAC-48D6-492C-A267-026F5AB9ED9F}"/>
+          <p:cNvPr id="21" name="矩形 20">
+            <a:extLst>
+              <a:ext uri="{FF2B5EF4-FFF2-40B4-BE49-F238E27FC236}">
+                <a16:creationId xmlns:a16="http://schemas.microsoft.com/office/drawing/2014/main" id="{A15DFC6E-592F-4544-A1BF-ED0F8A63484C}"/>
               </a:ext>
             </a:extLst>
           </p:cNvPr>
@@ -7794,8 +8022,8 @@
         </p:nvSpPr>
         <p:spPr>
           <a:xfrm>
-            <a:off x="1094591" y="1937379"/>
-            <a:ext cx="798991" cy="523783"/>
+            <a:off x="5384800" y="1558732"/>
+            <a:ext cx="4094480" cy="1239426"/>
           </a:xfrm>
           <a:prstGeom prst="rect">
             <a:avLst/>
@@ -7828,16 +8056,114 @@
           <a:lstStyle/>
           <a:p>
             <a:pPr algn="ctr"/>
-            <a:endParaRPr lang="zh-TW" altLang="en-US"/>
-          </a:p>
-        </p:txBody>
-      </p:sp>
-      <p:sp>
-        <p:nvSpPr>
-          <p:cNvPr id="17" name="文字方塊 16">
-            <a:extLst>
-              <a:ext uri="{FF2B5EF4-FFF2-40B4-BE49-F238E27FC236}">
-                <a16:creationId xmlns:a16="http://schemas.microsoft.com/office/drawing/2014/main" id="{A3EAE84D-43DA-4A6B-A1C4-BFD21329EEC4}"/>
+            <a:endParaRPr lang="zh-TW" altLang="en-US">
+              <a:solidFill>
+                <a:srgbClr val="4F9D9D"/>
+              </a:solidFill>
+            </a:endParaRPr>
+          </a:p>
+        </p:txBody>
+      </p:sp>
+      <p:pic>
+        <p:nvPicPr>
+          <p:cNvPr id="26" name="圖片 25">
+            <a:extLst>
+              <a:ext uri="{FF2B5EF4-FFF2-40B4-BE49-F238E27FC236}">
+                <a16:creationId xmlns:a16="http://schemas.microsoft.com/office/drawing/2014/main" id="{03C73EA6-4FCB-4980-9660-71005C85606A}"/>
+              </a:ext>
+            </a:extLst>
+          </p:cNvPr>
+          <p:cNvPicPr>
+            <a:picLocks noChangeAspect="1"/>
+          </p:cNvPicPr>
+          <p:nvPr/>
+        </p:nvPicPr>
+        <p:blipFill>
+          <a:blip r:embed="rId3"/>
+          <a:stretch>
+            <a:fillRect/>
+          </a:stretch>
+        </p:blipFill>
+        <p:spPr>
+          <a:xfrm>
+            <a:off x="548346" y="4291853"/>
+            <a:ext cx="11379785" cy="2457576"/>
+          </a:xfrm>
+          <a:prstGeom prst="rect">
+            <a:avLst/>
+          </a:prstGeom>
+          <a:ln w="19050">
+            <a:solidFill>
+              <a:schemeClr val="tx1">
+                <a:lumMod val="65000"/>
+                <a:lumOff val="35000"/>
+              </a:schemeClr>
+            </a:solidFill>
+          </a:ln>
+        </p:spPr>
+      </p:pic>
+      <p:sp>
+        <p:nvSpPr>
+          <p:cNvPr id="22" name="矩形 21">
+            <a:extLst>
+              <a:ext uri="{FF2B5EF4-FFF2-40B4-BE49-F238E27FC236}">
+                <a16:creationId xmlns:a16="http://schemas.microsoft.com/office/drawing/2014/main" id="{DA7DA4F2-2773-4505-8901-25C524774FC1}"/>
+              </a:ext>
+            </a:extLst>
+          </p:cNvPr>
+          <p:cNvSpPr/>
+          <p:nvPr/>
+        </p:nvSpPr>
+        <p:spPr>
+          <a:xfrm>
+            <a:off x="9489440" y="6370321"/>
+            <a:ext cx="1442720" cy="350519"/>
+          </a:xfrm>
+          <a:prstGeom prst="rect">
+            <a:avLst/>
+          </a:prstGeom>
+          <a:noFill/>
+          <a:ln w="38100">
+            <a:solidFill>
+              <a:srgbClr val="4F9D9D"/>
+            </a:solidFill>
+          </a:ln>
+        </p:spPr>
+        <p:style>
+          <a:lnRef idx="2">
+            <a:schemeClr val="accent1">
+              <a:shade val="50000"/>
+            </a:schemeClr>
+          </a:lnRef>
+          <a:fillRef idx="1">
+            <a:schemeClr val="accent1"/>
+          </a:fillRef>
+          <a:effectRef idx="0">
+            <a:schemeClr val="accent1"/>
+          </a:effectRef>
+          <a:fontRef idx="minor">
+            <a:schemeClr val="lt1"/>
+          </a:fontRef>
+        </p:style>
+        <p:txBody>
+          <a:bodyPr rtlCol="0" anchor="ctr"/>
+          <a:lstStyle/>
+          <a:p>
+            <a:pPr algn="ctr"/>
+            <a:endParaRPr lang="zh-TW" altLang="en-US">
+              <a:solidFill>
+                <a:srgbClr val="4F9D9D"/>
+              </a:solidFill>
+            </a:endParaRPr>
+          </a:p>
+        </p:txBody>
+      </p:sp>
+      <p:sp>
+        <p:nvSpPr>
+          <p:cNvPr id="28" name="文字方塊 27">
+            <a:extLst>
+              <a:ext uri="{FF2B5EF4-FFF2-40B4-BE49-F238E27FC236}">
+                <a16:creationId xmlns:a16="http://schemas.microsoft.com/office/drawing/2014/main" id="{E72E40D4-8C37-4EA6-8C6B-E68076345F70}"/>
               </a:ext>
             </a:extLst>
           </p:cNvPr>
@@ -7846,8 +8172,8 @@
         </p:nvSpPr>
         <p:spPr>
           <a:xfrm>
-            <a:off x="2800213" y="1255536"/>
-            <a:ext cx="4612641" cy="715089"/>
+            <a:off x="6238238" y="1131236"/>
+            <a:ext cx="1600745" cy="408623"/>
           </a:xfrm>
           <a:prstGeom prst="flowChartAlternateProcess">
             <a:avLst/>
@@ -7878,88 +8204,38 @@
                   <a:srgbClr val="4F9D9D"/>
                 </a:solidFill>
               </a:rPr>
-              <a:t>品牌模式，彙總品牌與分類的資料，</a:t>
-            </a:r>
-            <a:endParaRPr lang="en-US" altLang="zh-TW" b="1" dirty="0">
-              <a:solidFill>
-                <a:srgbClr val="4F9D9D"/>
-              </a:solidFill>
-            </a:endParaRPr>
-          </a:p>
-          <a:p>
-            <a:r>
-              <a:rPr lang="zh-TW" altLang="en-US" b="1" dirty="0">
-                <a:solidFill>
-                  <a:srgbClr val="4F9D9D"/>
-                </a:solidFill>
-              </a:rPr>
-              <a:t>提供分析人員，比較品牌與分類的銷售狀況</a:t>
-            </a:r>
-          </a:p>
-        </p:txBody>
-      </p:sp>
-      <p:pic>
-        <p:nvPicPr>
-          <p:cNvPr id="18" name="圖片 17">
-            <a:extLst>
-              <a:ext uri="{FF2B5EF4-FFF2-40B4-BE49-F238E27FC236}">
-                <a16:creationId xmlns:a16="http://schemas.microsoft.com/office/drawing/2014/main" id="{B681C4B7-953A-4673-8D77-FE56FFB613D6}"/>
-              </a:ext>
-            </a:extLst>
-          </p:cNvPr>
-          <p:cNvPicPr>
-            <a:picLocks noChangeAspect="1"/>
-          </p:cNvPicPr>
+              <a:t>實現多重篩選</a:t>
+            </a:r>
+          </a:p>
+        </p:txBody>
+      </p:sp>
+      <p:sp>
+        <p:nvSpPr>
+          <p:cNvPr id="29" name="矩形 28">
+            <a:extLst>
+              <a:ext uri="{FF2B5EF4-FFF2-40B4-BE49-F238E27FC236}">
+                <a16:creationId xmlns:a16="http://schemas.microsoft.com/office/drawing/2014/main" id="{73612C75-F1D8-4908-8E81-20B9DEF63B15}"/>
+              </a:ext>
+            </a:extLst>
+          </p:cNvPr>
+          <p:cNvSpPr/>
           <p:nvPr/>
-        </p:nvPicPr>
-        <p:blipFill rotWithShape="1">
-          <a:blip r:embed="rId3"/>
-          <a:srcRect t="11846"/>
-          <a:stretch/>
-        </p:blipFill>
-        <p:spPr>
-          <a:xfrm>
-            <a:off x="1893582" y="3606228"/>
-            <a:ext cx="10077586" cy="2628787"/>
+        </p:nvSpPr>
+        <p:spPr>
+          <a:xfrm>
+            <a:off x="0" y="185109"/>
+            <a:ext cx="12192000" cy="795444"/>
           </a:xfrm>
           <a:prstGeom prst="rect">
             <a:avLst/>
           </a:prstGeom>
-          <a:ln w="19050">
-            <a:solidFill>
-              <a:schemeClr val="tx1">
-                <a:lumMod val="65000"/>
-                <a:lumOff val="35000"/>
-              </a:schemeClr>
-            </a:solidFill>
-          </a:ln>
-        </p:spPr>
-      </p:pic>
-      <p:sp>
-        <p:nvSpPr>
-          <p:cNvPr id="19" name="矩形 18">
-            <a:extLst>
-              <a:ext uri="{FF2B5EF4-FFF2-40B4-BE49-F238E27FC236}">
-                <a16:creationId xmlns:a16="http://schemas.microsoft.com/office/drawing/2014/main" id="{373E6872-D4AD-408D-9C02-AAE34DAF2DC6}"/>
-              </a:ext>
-            </a:extLst>
-          </p:cNvPr>
-          <p:cNvSpPr/>
-          <p:nvPr/>
-        </p:nvSpPr>
-        <p:spPr>
-          <a:xfrm>
-            <a:off x="2267923" y="3632862"/>
-            <a:ext cx="798991" cy="523783"/>
-          </a:xfrm>
-          <a:prstGeom prst="rect">
-            <a:avLst/>
-          </a:prstGeom>
-          <a:noFill/>
-          <a:ln w="38100">
-            <a:solidFill>
-              <a:srgbClr val="4F9D9D"/>
-            </a:solidFill>
+          <a:solidFill>
+            <a:srgbClr val="4F9D9D">
+              <a:alpha val="18824"/>
+            </a:srgbClr>
+          </a:solidFill>
+          <a:ln>
+            <a:noFill/>
           </a:ln>
         </p:spPr>
         <p:style>
@@ -7983,70 +8259,16 @@
           <a:lstStyle/>
           <a:p>
             <a:pPr algn="ctr"/>
-            <a:endParaRPr lang="zh-TW" altLang="en-US"/>
-          </a:p>
-        </p:txBody>
-      </p:sp>
-      <p:sp>
-        <p:nvSpPr>
-          <p:cNvPr id="20" name="矩形 19">
-            <a:extLst>
-              <a:ext uri="{FF2B5EF4-FFF2-40B4-BE49-F238E27FC236}">
-                <a16:creationId xmlns:a16="http://schemas.microsoft.com/office/drawing/2014/main" id="{D8AD9263-CDAA-4CE0-BE47-041A98A4625E}"/>
-              </a:ext>
-            </a:extLst>
-          </p:cNvPr>
-          <p:cNvSpPr/>
-          <p:nvPr/>
-        </p:nvSpPr>
-        <p:spPr>
-          <a:xfrm>
-            <a:off x="0" y="185109"/>
-            <a:ext cx="12192000" cy="795444"/>
-          </a:xfrm>
-          <a:prstGeom prst="rect">
-            <a:avLst/>
-          </a:prstGeom>
-          <a:solidFill>
-            <a:srgbClr val="4F9D9D">
-              <a:alpha val="18824"/>
-            </a:srgbClr>
-          </a:solidFill>
-          <a:ln>
-            <a:noFill/>
-          </a:ln>
-        </p:spPr>
-        <p:style>
-          <a:lnRef idx="2">
-            <a:schemeClr val="accent1">
-              <a:shade val="50000"/>
-            </a:schemeClr>
-          </a:lnRef>
-          <a:fillRef idx="1">
-            <a:schemeClr val="accent1"/>
-          </a:fillRef>
-          <a:effectRef idx="0">
-            <a:schemeClr val="accent1"/>
-          </a:effectRef>
-          <a:fontRef idx="minor">
-            <a:schemeClr val="lt1"/>
-          </a:fontRef>
-        </p:style>
-        <p:txBody>
-          <a:bodyPr rtlCol="0" anchor="ctr"/>
-          <a:lstStyle/>
-          <a:p>
-            <a:pPr algn="ctr"/>
             <a:endParaRPr lang="zh-TW" altLang="en-US" dirty="0"/>
           </a:p>
         </p:txBody>
       </p:sp>
       <p:pic>
         <p:nvPicPr>
-          <p:cNvPr id="21" name="圖片 20">
-            <a:extLst>
-              <a:ext uri="{FF2B5EF4-FFF2-40B4-BE49-F238E27FC236}">
-                <a16:creationId xmlns:a16="http://schemas.microsoft.com/office/drawing/2014/main" id="{421BC3D3-4253-44F6-B90C-54AE155B3BCC}"/>
+          <p:cNvPr id="30" name="圖片 29">
+            <a:extLst>
+              <a:ext uri="{FF2B5EF4-FFF2-40B4-BE49-F238E27FC236}">
+                <a16:creationId xmlns:a16="http://schemas.microsoft.com/office/drawing/2014/main" id="{B3E52906-40A3-4E42-BE41-24BB682D66A0}"/>
               </a:ext>
             </a:extLst>
           </p:cNvPr>
@@ -8073,10 +8295,10 @@
       </p:pic>
       <p:sp>
         <p:nvSpPr>
-          <p:cNvPr id="23" name="投影片編號版面配置區 22">
-            <a:extLst>
-              <a:ext uri="{FF2B5EF4-FFF2-40B4-BE49-F238E27FC236}">
-                <a16:creationId xmlns:a16="http://schemas.microsoft.com/office/drawing/2014/main" id="{0C43F5BD-3B8F-42F8-AEEE-A216909F1C8B}"/>
+          <p:cNvPr id="32" name="投影片編號版面配置區 31">
+            <a:extLst>
+              <a:ext uri="{FF2B5EF4-FFF2-40B4-BE49-F238E27FC236}">
+                <a16:creationId xmlns:a16="http://schemas.microsoft.com/office/drawing/2014/main" id="{72AB3517-76B4-409E-865F-41E97BADBDCC}"/>
               </a:ext>
             </a:extLst>
           </p:cNvPr>
@@ -8087,7 +8309,12 @@
             <p:ph type="sldNum" sz="quarter" idx="12"/>
           </p:nvPr>
         </p:nvSpPr>
-        <p:spPr/>
+        <p:spPr>
+          <a:xfrm>
+            <a:off x="9107749" y="6355715"/>
+            <a:ext cx="2743200" cy="365125"/>
+          </a:xfrm>
+        </p:spPr>
         <p:txBody>
           <a:bodyPr/>
           <a:lstStyle/>
@@ -8111,7 +8338,7 @@
     </p:spTree>
     <p:extLst>
       <p:ext uri="{BB962C8B-B14F-4D97-AF65-F5344CB8AC3E}">
-        <p14:creationId xmlns:p14="http://schemas.microsoft.com/office/powerpoint/2010/main" val="2928034365"/>
+        <p14:creationId xmlns:p14="http://schemas.microsoft.com/office/powerpoint/2010/main" val="3010930861"/>
       </p:ext>
     </p:extLst>
   </p:cSld>
@@ -8143,7 +8370,7 @@
           <p:cNvPr id="2" name="標題 1">
             <a:extLst>
               <a:ext uri="{FF2B5EF4-FFF2-40B4-BE49-F238E27FC236}">
-                <a16:creationId xmlns:a16="http://schemas.microsoft.com/office/drawing/2014/main" id="{F13C9844-D13E-45BC-8052-0EE5062A60E0}"/>
+                <a16:creationId xmlns:a16="http://schemas.microsoft.com/office/drawing/2014/main" id="{2C927B67-DB03-4E58-9169-7D35DAFBB729}"/>
               </a:ext>
             </a:extLst>
           </p:cNvPr>
@@ -8156,28 +8383,45 @@
         </p:nvSpPr>
         <p:spPr>
           <a:xfrm>
-            <a:off x="935114" y="-56499"/>
+            <a:off x="838200" y="-63454"/>
             <a:ext cx="10515600" cy="1325563"/>
           </a:xfrm>
         </p:spPr>
         <p:txBody>
-          <a:bodyPr/>
+          <a:bodyPr>
+            <a:normAutofit/>
+          </a:bodyPr>
           <a:lstStyle/>
           <a:p>
             <a:r>
-              <a:rPr lang="zh-TW" altLang="en-US" sz="4400" dirty="0"/>
-              <a:t>匯出報表</a:t>
-            </a:r>
-            <a:endParaRPr lang="zh-TW" altLang="en-US" dirty="0"/>
+              <a:rPr lang="zh-TW" altLang="en-US" sz="4000" dirty="0"/>
+              <a:t>切換</a:t>
+            </a:r>
+            <a:r>
+              <a:rPr lang="zh-TW" altLang="en-US" sz="4000" u="sng" dirty="0"/>
+              <a:t>商品</a:t>
+            </a:r>
+            <a:r>
+              <a:rPr lang="en-US" altLang="zh-TW" sz="4000" dirty="0"/>
+              <a:t>or</a:t>
+            </a:r>
+            <a:r>
+              <a:rPr lang="zh-TW" altLang="en-US" sz="4000" u="sng" dirty="0"/>
+              <a:t>品牌</a:t>
+            </a:r>
+            <a:r>
+              <a:rPr lang="zh-TW" altLang="en-US" sz="4000" dirty="0"/>
+              <a:t>模式</a:t>
+            </a:r>
           </a:p>
         </p:txBody>
       </p:sp>
       <p:pic>
         <p:nvPicPr>
-          <p:cNvPr id="5" name="內容版面配置區 4">
-            <a:extLst>
-              <a:ext uri="{FF2B5EF4-FFF2-40B4-BE49-F238E27FC236}">
-                <a16:creationId xmlns:a16="http://schemas.microsoft.com/office/drawing/2014/main" id="{B75CFEB6-370E-416F-9071-D12F9631C86E}"/>
+          <p:cNvPr id="15" name="內容版面配置區 14">
+            <a:extLst>
+              <a:ext uri="{FF2B5EF4-FFF2-40B4-BE49-F238E27FC236}">
+                <a16:creationId xmlns:a16="http://schemas.microsoft.com/office/drawing/2014/main" id="{F5B516DB-289A-46BA-99A9-A85557E61BA4}"/>
               </a:ext>
             </a:extLst>
           </p:cNvPr>
@@ -8196,76 +8440,77 @@
         </p:blipFill>
         <p:spPr>
           <a:xfrm>
-            <a:off x="741285" y="1843007"/>
-            <a:ext cx="10515600" cy="2558796"/>
-          </a:xfrm>
+            <a:off x="642891" y="1525146"/>
+            <a:ext cx="10515600" cy="3172205"/>
+          </a:xfrm>
+          <a:ln w="19050">
+            <a:solidFill>
+              <a:schemeClr val="tx1">
+                <a:lumMod val="65000"/>
+                <a:lumOff val="35000"/>
+              </a:schemeClr>
+            </a:solidFill>
+          </a:ln>
         </p:spPr>
       </p:pic>
-      <p:pic>
-        <p:nvPicPr>
-          <p:cNvPr id="11" name="圖片 10">
-            <a:extLst>
-              <a:ext uri="{FF2B5EF4-FFF2-40B4-BE49-F238E27FC236}">
-                <a16:creationId xmlns:a16="http://schemas.microsoft.com/office/drawing/2014/main" id="{C6E78645-FAAD-4394-BC56-A33E4F4C6A8D}"/>
-              </a:ext>
-            </a:extLst>
-          </p:cNvPr>
-          <p:cNvPicPr>
-            <a:picLocks noChangeAspect="1"/>
-          </p:cNvPicPr>
+      <p:sp>
+        <p:nvSpPr>
+          <p:cNvPr id="16" name="矩形 15">
+            <a:extLst>
+              <a:ext uri="{FF2B5EF4-FFF2-40B4-BE49-F238E27FC236}">
+                <a16:creationId xmlns:a16="http://schemas.microsoft.com/office/drawing/2014/main" id="{57587AAC-48D6-492C-A267-026F5AB9ED9F}"/>
+              </a:ext>
+            </a:extLst>
+          </p:cNvPr>
+          <p:cNvSpPr/>
           <p:nvPr/>
-        </p:nvPicPr>
-        <p:blipFill>
-          <a:blip r:embed="rId3"/>
-          <a:stretch>
-            <a:fillRect/>
-          </a:stretch>
-        </p:blipFill>
-        <p:spPr>
-          <a:xfrm>
-            <a:off x="11113363" y="2055921"/>
-            <a:ext cx="674703" cy="674703"/>
+        </p:nvSpPr>
+        <p:spPr>
+          <a:xfrm>
+            <a:off x="1094591" y="1937379"/>
+            <a:ext cx="798991" cy="523783"/>
           </a:xfrm>
           <a:prstGeom prst="rect">
             <a:avLst/>
           </a:prstGeom>
-        </p:spPr>
-      </p:pic>
-      <p:pic>
-        <p:nvPicPr>
-          <p:cNvPr id="13" name="圖片 12">
-            <a:extLst>
-              <a:ext uri="{FF2B5EF4-FFF2-40B4-BE49-F238E27FC236}">
-                <a16:creationId xmlns:a16="http://schemas.microsoft.com/office/drawing/2014/main" id="{4EA82D03-F1E6-4D29-9147-6430BF5205BA}"/>
-              </a:ext>
-            </a:extLst>
-          </p:cNvPr>
-          <p:cNvPicPr>
-            <a:picLocks noChangeAspect="1"/>
-          </p:cNvPicPr>
-          <p:nvPr/>
-        </p:nvPicPr>
-        <p:blipFill rotWithShape="1">
-          <a:blip r:embed="rId4"/>
-          <a:srcRect t="4003"/>
-          <a:stretch/>
-        </p:blipFill>
-        <p:spPr>
-          <a:xfrm>
-            <a:off x="4792257" y="4731799"/>
-            <a:ext cx="5929950" cy="1429304"/>
-          </a:xfrm>
-          <a:prstGeom prst="rect">
-            <a:avLst/>
-          </a:prstGeom>
-        </p:spPr>
-      </p:pic>
-      <p:sp>
-        <p:nvSpPr>
-          <p:cNvPr id="14" name="文字方塊 13">
-            <a:extLst>
-              <a:ext uri="{FF2B5EF4-FFF2-40B4-BE49-F238E27FC236}">
-                <a16:creationId xmlns:a16="http://schemas.microsoft.com/office/drawing/2014/main" id="{208A5ECC-CEB6-4F86-A2A1-1EE30835E233}"/>
+          <a:noFill/>
+          <a:ln w="38100">
+            <a:solidFill>
+              <a:srgbClr val="4F9D9D"/>
+            </a:solidFill>
+          </a:ln>
+        </p:spPr>
+        <p:style>
+          <a:lnRef idx="2">
+            <a:schemeClr val="accent1">
+              <a:shade val="50000"/>
+            </a:schemeClr>
+          </a:lnRef>
+          <a:fillRef idx="1">
+            <a:schemeClr val="accent1"/>
+          </a:fillRef>
+          <a:effectRef idx="0">
+            <a:schemeClr val="accent1"/>
+          </a:effectRef>
+          <a:fontRef idx="minor">
+            <a:schemeClr val="lt1"/>
+          </a:fontRef>
+        </p:style>
+        <p:txBody>
+          <a:bodyPr rtlCol="0" anchor="ctr"/>
+          <a:lstStyle/>
+          <a:p>
+            <a:pPr algn="ctr"/>
+            <a:endParaRPr lang="zh-TW" altLang="en-US"/>
+          </a:p>
+        </p:txBody>
+      </p:sp>
+      <p:sp>
+        <p:nvSpPr>
+          <p:cNvPr id="17" name="文字方塊 16">
+            <a:extLst>
+              <a:ext uri="{FF2B5EF4-FFF2-40B4-BE49-F238E27FC236}">
+                <a16:creationId xmlns:a16="http://schemas.microsoft.com/office/drawing/2014/main" id="{A3EAE84D-43DA-4A6B-A1C4-BFD21329EEC4}"/>
               </a:ext>
             </a:extLst>
           </p:cNvPr>
@@ -8274,8 +8519,8 @@
         </p:nvSpPr>
         <p:spPr>
           <a:xfrm>
-            <a:off x="9044866" y="1358224"/>
-            <a:ext cx="2743200" cy="408623"/>
+            <a:off x="2800213" y="1255536"/>
+            <a:ext cx="4612641" cy="715089"/>
           </a:xfrm>
           <a:prstGeom prst="flowChartAlternateProcess">
             <a:avLst/>
@@ -8306,38 +8551,88 @@
                   <a:srgbClr val="4F9D9D"/>
                 </a:solidFill>
               </a:rPr>
-              <a:t>可以匯出當前的篩選結果</a:t>
-            </a:r>
-          </a:p>
-        </p:txBody>
-      </p:sp>
-      <p:sp>
-        <p:nvSpPr>
-          <p:cNvPr id="15" name="矩形 14">
-            <a:extLst>
-              <a:ext uri="{FF2B5EF4-FFF2-40B4-BE49-F238E27FC236}">
-                <a16:creationId xmlns:a16="http://schemas.microsoft.com/office/drawing/2014/main" id="{3B3C56B6-4F15-4CB8-A43E-43D16DDA22C9}"/>
-              </a:ext>
-            </a:extLst>
-          </p:cNvPr>
-          <p:cNvSpPr/>
+              <a:t>品牌模式，彙總品牌與分類的資料，</a:t>
+            </a:r>
+            <a:endParaRPr lang="en-US" altLang="zh-TW" b="1" dirty="0">
+              <a:solidFill>
+                <a:srgbClr val="4F9D9D"/>
+              </a:solidFill>
+            </a:endParaRPr>
+          </a:p>
+          <a:p>
+            <a:r>
+              <a:rPr lang="zh-TW" altLang="en-US" b="1" dirty="0">
+                <a:solidFill>
+                  <a:srgbClr val="4F9D9D"/>
+                </a:solidFill>
+              </a:rPr>
+              <a:t>提供分析人員，比較品牌與分類的銷售狀況</a:t>
+            </a:r>
+          </a:p>
+        </p:txBody>
+      </p:sp>
+      <p:pic>
+        <p:nvPicPr>
+          <p:cNvPr id="18" name="圖片 17">
+            <a:extLst>
+              <a:ext uri="{FF2B5EF4-FFF2-40B4-BE49-F238E27FC236}">
+                <a16:creationId xmlns:a16="http://schemas.microsoft.com/office/drawing/2014/main" id="{B681C4B7-953A-4673-8D77-FE56FFB613D6}"/>
+              </a:ext>
+            </a:extLst>
+          </p:cNvPr>
+          <p:cNvPicPr>
+            <a:picLocks noChangeAspect="1"/>
+          </p:cNvPicPr>
           <p:nvPr/>
-        </p:nvSpPr>
-        <p:spPr>
-          <a:xfrm>
-            <a:off x="0" y="185109"/>
-            <a:ext cx="12192000" cy="795444"/>
+        </p:nvPicPr>
+        <p:blipFill rotWithShape="1">
+          <a:blip r:embed="rId3"/>
+          <a:srcRect t="11846"/>
+          <a:stretch/>
+        </p:blipFill>
+        <p:spPr>
+          <a:xfrm>
+            <a:off x="1893582" y="3606228"/>
+            <a:ext cx="10077586" cy="2628787"/>
           </a:xfrm>
           <a:prstGeom prst="rect">
             <a:avLst/>
           </a:prstGeom>
-          <a:solidFill>
-            <a:srgbClr val="4F9D9D">
-              <a:alpha val="18824"/>
-            </a:srgbClr>
-          </a:solidFill>
-          <a:ln>
-            <a:noFill/>
+          <a:ln w="19050">
+            <a:solidFill>
+              <a:schemeClr val="tx1">
+                <a:lumMod val="65000"/>
+                <a:lumOff val="35000"/>
+              </a:schemeClr>
+            </a:solidFill>
+          </a:ln>
+        </p:spPr>
+      </p:pic>
+      <p:sp>
+        <p:nvSpPr>
+          <p:cNvPr id="19" name="矩形 18">
+            <a:extLst>
+              <a:ext uri="{FF2B5EF4-FFF2-40B4-BE49-F238E27FC236}">
+                <a16:creationId xmlns:a16="http://schemas.microsoft.com/office/drawing/2014/main" id="{373E6872-D4AD-408D-9C02-AAE34DAF2DC6}"/>
+              </a:ext>
+            </a:extLst>
+          </p:cNvPr>
+          <p:cNvSpPr/>
+          <p:nvPr/>
+        </p:nvSpPr>
+        <p:spPr>
+          <a:xfrm>
+            <a:off x="2267923" y="3632862"/>
+            <a:ext cx="798991" cy="523783"/>
+          </a:xfrm>
+          <a:prstGeom prst="rect">
+            <a:avLst/>
+          </a:prstGeom>
+          <a:noFill/>
+          <a:ln w="38100">
+            <a:solidFill>
+              <a:srgbClr val="4F9D9D"/>
+            </a:solidFill>
           </a:ln>
         </p:spPr>
         <p:style>
@@ -8361,16 +8656,70 @@
           <a:lstStyle/>
           <a:p>
             <a:pPr algn="ctr"/>
+            <a:endParaRPr lang="zh-TW" altLang="en-US"/>
+          </a:p>
+        </p:txBody>
+      </p:sp>
+      <p:sp>
+        <p:nvSpPr>
+          <p:cNvPr id="20" name="矩形 19">
+            <a:extLst>
+              <a:ext uri="{FF2B5EF4-FFF2-40B4-BE49-F238E27FC236}">
+                <a16:creationId xmlns:a16="http://schemas.microsoft.com/office/drawing/2014/main" id="{D8AD9263-CDAA-4CE0-BE47-041A98A4625E}"/>
+              </a:ext>
+            </a:extLst>
+          </p:cNvPr>
+          <p:cNvSpPr/>
+          <p:nvPr/>
+        </p:nvSpPr>
+        <p:spPr>
+          <a:xfrm>
+            <a:off x="0" y="185109"/>
+            <a:ext cx="12192000" cy="795444"/>
+          </a:xfrm>
+          <a:prstGeom prst="rect">
+            <a:avLst/>
+          </a:prstGeom>
+          <a:solidFill>
+            <a:srgbClr val="4F9D9D">
+              <a:alpha val="18824"/>
+            </a:srgbClr>
+          </a:solidFill>
+          <a:ln>
+            <a:noFill/>
+          </a:ln>
+        </p:spPr>
+        <p:style>
+          <a:lnRef idx="2">
+            <a:schemeClr val="accent1">
+              <a:shade val="50000"/>
+            </a:schemeClr>
+          </a:lnRef>
+          <a:fillRef idx="1">
+            <a:schemeClr val="accent1"/>
+          </a:fillRef>
+          <a:effectRef idx="0">
+            <a:schemeClr val="accent1"/>
+          </a:effectRef>
+          <a:fontRef idx="minor">
+            <a:schemeClr val="lt1"/>
+          </a:fontRef>
+        </p:style>
+        <p:txBody>
+          <a:bodyPr rtlCol="0" anchor="ctr"/>
+          <a:lstStyle/>
+          <a:p>
+            <a:pPr algn="ctr"/>
             <a:endParaRPr lang="zh-TW" altLang="en-US" dirty="0"/>
           </a:p>
         </p:txBody>
       </p:sp>
       <p:pic>
         <p:nvPicPr>
-          <p:cNvPr id="16" name="圖片 15">
-            <a:extLst>
-              <a:ext uri="{FF2B5EF4-FFF2-40B4-BE49-F238E27FC236}">
-                <a16:creationId xmlns:a16="http://schemas.microsoft.com/office/drawing/2014/main" id="{73FA176D-4165-41E5-9D71-1631C212D683}"/>
+          <p:cNvPr id="21" name="圖片 20">
+            <a:extLst>
+              <a:ext uri="{FF2B5EF4-FFF2-40B4-BE49-F238E27FC236}">
+                <a16:creationId xmlns:a16="http://schemas.microsoft.com/office/drawing/2014/main" id="{421BC3D3-4253-44F6-B90C-54AE155B3BCC}"/>
               </a:ext>
             </a:extLst>
           </p:cNvPr>
@@ -8380,7 +8729,7 @@
           <p:nvPr/>
         </p:nvPicPr>
         <p:blipFill>
-          <a:blip r:embed="rId5"/>
+          <a:blip r:embed="rId4"/>
           <a:stretch>
             <a:fillRect/>
           </a:stretch>
@@ -8397,10 +8746,10 @@
       </p:pic>
       <p:sp>
         <p:nvSpPr>
-          <p:cNvPr id="18" name="投影片編號版面配置區 17">
-            <a:extLst>
-              <a:ext uri="{FF2B5EF4-FFF2-40B4-BE49-F238E27FC236}">
-                <a16:creationId xmlns:a16="http://schemas.microsoft.com/office/drawing/2014/main" id="{219C3B87-88F4-44AD-8CF8-02269394FD40}"/>
+          <p:cNvPr id="23" name="投影片編號版面配置區 22">
+            <a:extLst>
+              <a:ext uri="{FF2B5EF4-FFF2-40B4-BE49-F238E27FC236}">
+                <a16:creationId xmlns:a16="http://schemas.microsoft.com/office/drawing/2014/main" id="{0C43F5BD-3B8F-42F8-AEEE-A216909F1C8B}"/>
               </a:ext>
             </a:extLst>
           </p:cNvPr>
@@ -8435,7 +8784,7 @@
     </p:spTree>
     <p:extLst>
       <p:ext uri="{BB962C8B-B14F-4D97-AF65-F5344CB8AC3E}">
-        <p14:creationId xmlns:p14="http://schemas.microsoft.com/office/powerpoint/2010/main" val="193802250"/>
+        <p14:creationId xmlns:p14="http://schemas.microsoft.com/office/powerpoint/2010/main" val="2928034365"/>
       </p:ext>
     </p:extLst>
   </p:cSld>
@@ -8464,10 +8813,183 @@
       </p:grpSpPr>
       <p:sp>
         <p:nvSpPr>
-          <p:cNvPr id="7" name="矩形 6">
-            <a:extLst>
-              <a:ext uri="{FF2B5EF4-FFF2-40B4-BE49-F238E27FC236}">
-                <a16:creationId xmlns:a16="http://schemas.microsoft.com/office/drawing/2014/main" id="{1DC39FB0-1356-4D63-977D-ADF87BEEFFF6}"/>
+          <p:cNvPr id="2" name="標題 1">
+            <a:extLst>
+              <a:ext uri="{FF2B5EF4-FFF2-40B4-BE49-F238E27FC236}">
+                <a16:creationId xmlns:a16="http://schemas.microsoft.com/office/drawing/2014/main" id="{F13C9844-D13E-45BC-8052-0EE5062A60E0}"/>
+              </a:ext>
+            </a:extLst>
+          </p:cNvPr>
+          <p:cNvSpPr>
+            <a:spLocks noGrp="1"/>
+          </p:cNvSpPr>
+          <p:nvPr>
+            <p:ph type="title"/>
+          </p:nvPr>
+        </p:nvSpPr>
+        <p:spPr>
+          <a:xfrm>
+            <a:off x="935114" y="-56499"/>
+            <a:ext cx="10515600" cy="1325563"/>
+          </a:xfrm>
+        </p:spPr>
+        <p:txBody>
+          <a:bodyPr/>
+          <a:lstStyle/>
+          <a:p>
+            <a:r>
+              <a:rPr lang="zh-TW" altLang="en-US" sz="4400" dirty="0"/>
+              <a:t>匯出報表</a:t>
+            </a:r>
+            <a:endParaRPr lang="zh-TW" altLang="en-US" dirty="0"/>
+          </a:p>
+        </p:txBody>
+      </p:sp>
+      <p:pic>
+        <p:nvPicPr>
+          <p:cNvPr id="5" name="內容版面配置區 4">
+            <a:extLst>
+              <a:ext uri="{FF2B5EF4-FFF2-40B4-BE49-F238E27FC236}">
+                <a16:creationId xmlns:a16="http://schemas.microsoft.com/office/drawing/2014/main" id="{B75CFEB6-370E-416F-9071-D12F9631C86E}"/>
+              </a:ext>
+            </a:extLst>
+          </p:cNvPr>
+          <p:cNvPicPr>
+            <a:picLocks noGrp="1" noChangeAspect="1"/>
+          </p:cNvPicPr>
+          <p:nvPr>
+            <p:ph idx="1"/>
+          </p:nvPr>
+        </p:nvPicPr>
+        <p:blipFill>
+          <a:blip r:embed="rId2"/>
+          <a:stretch>
+            <a:fillRect/>
+          </a:stretch>
+        </p:blipFill>
+        <p:spPr>
+          <a:xfrm>
+            <a:off x="741285" y="1843007"/>
+            <a:ext cx="10515600" cy="2558796"/>
+          </a:xfrm>
+        </p:spPr>
+      </p:pic>
+      <p:pic>
+        <p:nvPicPr>
+          <p:cNvPr id="11" name="圖片 10">
+            <a:extLst>
+              <a:ext uri="{FF2B5EF4-FFF2-40B4-BE49-F238E27FC236}">
+                <a16:creationId xmlns:a16="http://schemas.microsoft.com/office/drawing/2014/main" id="{C6E78645-FAAD-4394-BC56-A33E4F4C6A8D}"/>
+              </a:ext>
+            </a:extLst>
+          </p:cNvPr>
+          <p:cNvPicPr>
+            <a:picLocks noChangeAspect="1"/>
+          </p:cNvPicPr>
+          <p:nvPr/>
+        </p:nvPicPr>
+        <p:blipFill>
+          <a:blip r:embed="rId3"/>
+          <a:stretch>
+            <a:fillRect/>
+          </a:stretch>
+        </p:blipFill>
+        <p:spPr>
+          <a:xfrm>
+            <a:off x="11113363" y="2055921"/>
+            <a:ext cx="674703" cy="674703"/>
+          </a:xfrm>
+          <a:prstGeom prst="rect">
+            <a:avLst/>
+          </a:prstGeom>
+        </p:spPr>
+      </p:pic>
+      <p:pic>
+        <p:nvPicPr>
+          <p:cNvPr id="13" name="圖片 12">
+            <a:extLst>
+              <a:ext uri="{FF2B5EF4-FFF2-40B4-BE49-F238E27FC236}">
+                <a16:creationId xmlns:a16="http://schemas.microsoft.com/office/drawing/2014/main" id="{4EA82D03-F1E6-4D29-9147-6430BF5205BA}"/>
+              </a:ext>
+            </a:extLst>
+          </p:cNvPr>
+          <p:cNvPicPr>
+            <a:picLocks noChangeAspect="1"/>
+          </p:cNvPicPr>
+          <p:nvPr/>
+        </p:nvPicPr>
+        <p:blipFill rotWithShape="1">
+          <a:blip r:embed="rId4"/>
+          <a:srcRect t="4003"/>
+          <a:stretch/>
+        </p:blipFill>
+        <p:spPr>
+          <a:xfrm>
+            <a:off x="4792257" y="4731799"/>
+            <a:ext cx="5929950" cy="1429304"/>
+          </a:xfrm>
+          <a:prstGeom prst="rect">
+            <a:avLst/>
+          </a:prstGeom>
+        </p:spPr>
+      </p:pic>
+      <p:sp>
+        <p:nvSpPr>
+          <p:cNvPr id="14" name="文字方塊 13">
+            <a:extLst>
+              <a:ext uri="{FF2B5EF4-FFF2-40B4-BE49-F238E27FC236}">
+                <a16:creationId xmlns:a16="http://schemas.microsoft.com/office/drawing/2014/main" id="{208A5ECC-CEB6-4F86-A2A1-1EE30835E233}"/>
+              </a:ext>
+            </a:extLst>
+          </p:cNvPr>
+          <p:cNvSpPr txBox="1"/>
+          <p:nvPr/>
+        </p:nvSpPr>
+        <p:spPr>
+          <a:xfrm>
+            <a:off x="9044866" y="1358224"/>
+            <a:ext cx="2743200" cy="408623"/>
+          </a:xfrm>
+          <a:prstGeom prst="flowChartAlternateProcess">
+            <a:avLst/>
+          </a:prstGeom>
+          <a:solidFill>
+            <a:schemeClr val="accent4">
+              <a:lumMod val="20000"/>
+              <a:lumOff val="80000"/>
+            </a:schemeClr>
+          </a:solidFill>
+          <a:effectLst>
+            <a:outerShdw blurRad="50800" dist="38100" dir="2700000" algn="tl" rotWithShape="0">
+              <a:prstClr val="black">
+                <a:alpha val="40000"/>
+              </a:prstClr>
+            </a:outerShdw>
+          </a:effectLst>
+        </p:spPr>
+        <p:txBody>
+          <a:bodyPr wrap="square" rtlCol="0">
+            <a:spAutoFit/>
+          </a:bodyPr>
+          <a:lstStyle/>
+          <a:p>
+            <a:r>
+              <a:rPr lang="zh-TW" altLang="en-US" b="1" dirty="0">
+                <a:solidFill>
+                  <a:srgbClr val="4F9D9D"/>
+                </a:solidFill>
+              </a:rPr>
+              <a:t>可以匯出當前的篩選結果</a:t>
+            </a:r>
+          </a:p>
+        </p:txBody>
+      </p:sp>
+      <p:sp>
+        <p:nvSpPr>
+          <p:cNvPr id="15" name="矩形 14">
+            <a:extLst>
+              <a:ext uri="{FF2B5EF4-FFF2-40B4-BE49-F238E27FC236}">
+                <a16:creationId xmlns:a16="http://schemas.microsoft.com/office/drawing/2014/main" id="{3B3C56B6-4F15-4CB8-A43E-43D16DDA22C9}"/>
               </a:ext>
             </a:extLst>
           </p:cNvPr>
@@ -8476,8 +8998,8 @@
         </p:nvSpPr>
         <p:spPr>
           <a:xfrm>
-            <a:off x="0" y="1792380"/>
-            <a:ext cx="12192000" cy="3622089"/>
+            <a:off x="0" y="185109"/>
+            <a:ext cx="12192000" cy="795444"/>
           </a:xfrm>
           <a:prstGeom prst="rect">
             <a:avLst/>
@@ -8516,65 +9038,12 @@
           </a:p>
         </p:txBody>
       </p:sp>
-      <p:sp>
-        <p:nvSpPr>
-          <p:cNvPr id="2" name="標題 1">
-            <a:extLst>
-              <a:ext uri="{FF2B5EF4-FFF2-40B4-BE49-F238E27FC236}">
-                <a16:creationId xmlns:a16="http://schemas.microsoft.com/office/drawing/2014/main" id="{F990B1B7-7BEA-4D89-8C4C-C804609765F4}"/>
-              </a:ext>
-            </a:extLst>
-          </p:cNvPr>
-          <p:cNvSpPr>
-            <a:spLocks noGrp="1"/>
-          </p:cNvSpPr>
-          <p:nvPr>
-            <p:ph type="ctrTitle"/>
-          </p:nvPr>
-        </p:nvSpPr>
-        <p:spPr>
-          <a:xfrm>
-            <a:off x="1524000" y="2409624"/>
-            <a:ext cx="9144000" cy="2387600"/>
-          </a:xfrm>
-        </p:spPr>
-        <p:txBody>
-          <a:bodyPr>
-            <a:normAutofit fontScale="90000"/>
-          </a:bodyPr>
-          <a:lstStyle/>
-          <a:p>
-            <a:r>
-              <a:rPr lang="zh-TW" altLang="en-US" sz="4900" dirty="0">
-                <a:solidFill>
-                  <a:schemeClr val="tx1">
-                    <a:lumMod val="65000"/>
-                    <a:lumOff val="35000"/>
-                  </a:schemeClr>
-                </a:solidFill>
-              </a:rPr>
-              <a:t>系統操作與流程</a:t>
-            </a:r>
-            <a:br>
-              <a:rPr lang="en-US" altLang="zh-TW" dirty="0"/>
-            </a:br>
-            <a:r>
-              <a:rPr lang="zh-TW" altLang="en-US" dirty="0"/>
-              <a:t>商品管理人員操作畫面</a:t>
-            </a:r>
-            <a:br>
-              <a:rPr lang="zh-TW" altLang="en-US" dirty="0"/>
-            </a:br>
-            <a:endParaRPr lang="zh-TW" altLang="en-US" dirty="0"/>
-          </a:p>
-        </p:txBody>
-      </p:sp>
       <p:pic>
         <p:nvPicPr>
-          <p:cNvPr id="5" name="圖片 4">
-            <a:extLst>
-              <a:ext uri="{FF2B5EF4-FFF2-40B4-BE49-F238E27FC236}">
-                <a16:creationId xmlns:a16="http://schemas.microsoft.com/office/drawing/2014/main" id="{BF5E8753-629C-4E11-9773-81B916F052C3}"/>
+          <p:cNvPr id="16" name="圖片 15">
+            <a:extLst>
+              <a:ext uri="{FF2B5EF4-FFF2-40B4-BE49-F238E27FC236}">
+                <a16:creationId xmlns:a16="http://schemas.microsoft.com/office/drawing/2014/main" id="{73FA176D-4165-41E5-9D71-1631C212D683}"/>
               </a:ext>
             </a:extLst>
           </p:cNvPr>
@@ -8584,15 +9053,15 @@
           <p:nvPr/>
         </p:nvPicPr>
         <p:blipFill>
-          <a:blip r:embed="rId2"/>
+          <a:blip r:embed="rId5"/>
           <a:stretch>
             <a:fillRect/>
           </a:stretch>
         </p:blipFill>
         <p:spPr>
           <a:xfrm>
-            <a:off x="268549" y="188080"/>
-            <a:ext cx="2484099" cy="2484099"/>
+            <a:off x="112713" y="131541"/>
+            <a:ext cx="867532" cy="867532"/>
           </a:xfrm>
           <a:prstGeom prst="rect">
             <a:avLst/>
@@ -8601,10 +9070,10 @@
       </p:pic>
       <p:sp>
         <p:nvSpPr>
-          <p:cNvPr id="4" name="投影片編號版面配置區 3">
-            <a:extLst>
-              <a:ext uri="{FF2B5EF4-FFF2-40B4-BE49-F238E27FC236}">
-                <a16:creationId xmlns:a16="http://schemas.microsoft.com/office/drawing/2014/main" id="{41D9E723-22FD-4B17-BD61-CD1A111F618C}"/>
+          <p:cNvPr id="18" name="投影片編號版面配置區 17">
+            <a:extLst>
+              <a:ext uri="{FF2B5EF4-FFF2-40B4-BE49-F238E27FC236}">
+                <a16:creationId xmlns:a16="http://schemas.microsoft.com/office/drawing/2014/main" id="{219C3B87-88F4-44AD-8CF8-02269394FD40}"/>
               </a:ext>
             </a:extLst>
           </p:cNvPr>
@@ -8639,7 +9108,7 @@
     </p:spTree>
     <p:extLst>
       <p:ext uri="{BB962C8B-B14F-4D97-AF65-F5344CB8AC3E}">
-        <p14:creationId xmlns:p14="http://schemas.microsoft.com/office/powerpoint/2010/main" val="361629555"/>
+        <p14:creationId xmlns:p14="http://schemas.microsoft.com/office/powerpoint/2010/main" val="193802250"/>
       </p:ext>
     </p:extLst>
   </p:cSld>
@@ -8668,132 +9137,31 @@
       </p:grpSpPr>
       <p:sp>
         <p:nvSpPr>
-          <p:cNvPr id="2" name="標題 1">
-            <a:extLst>
-              <a:ext uri="{FF2B5EF4-FFF2-40B4-BE49-F238E27FC236}">
-                <a16:creationId xmlns:a16="http://schemas.microsoft.com/office/drawing/2014/main" id="{0342DFFD-8707-48EF-B808-ACA37CDFF6B8}"/>
-              </a:ext>
-            </a:extLst>
-          </p:cNvPr>
-          <p:cNvSpPr>
-            <a:spLocks noGrp="1"/>
-          </p:cNvSpPr>
-          <p:nvPr>
-            <p:ph type="title"/>
-          </p:nvPr>
-        </p:nvSpPr>
-        <p:spPr>
-          <a:xfrm>
-            <a:off x="838200" y="0"/>
-            <a:ext cx="10515600" cy="1325563"/>
-          </a:xfrm>
-        </p:spPr>
-        <p:txBody>
-          <a:bodyPr>
-            <a:normAutofit/>
-          </a:bodyPr>
-          <a:lstStyle/>
-          <a:p>
-            <a:r>
-              <a:rPr lang="zh-TW" altLang="en-US" sz="4000" dirty="0"/>
-              <a:t>單筆</a:t>
-            </a:r>
-            <a:r>
-              <a:rPr lang="en-US" altLang="zh-TW" sz="4000" dirty="0"/>
-              <a:t>or</a:t>
-            </a:r>
-            <a:r>
-              <a:rPr lang="zh-TW" altLang="en-US" sz="4000" dirty="0"/>
-              <a:t>批次新增商品</a:t>
-            </a:r>
-          </a:p>
-        </p:txBody>
-      </p:sp>
-      <p:pic>
-        <p:nvPicPr>
-          <p:cNvPr id="5" name="內容版面配置區 4">
-            <a:extLst>
-              <a:ext uri="{FF2B5EF4-FFF2-40B4-BE49-F238E27FC236}">
-                <a16:creationId xmlns:a16="http://schemas.microsoft.com/office/drawing/2014/main" id="{BE6969FF-546F-4ADA-8E5B-F25CB3907057}"/>
-              </a:ext>
-            </a:extLst>
-          </p:cNvPr>
-          <p:cNvPicPr>
-            <a:picLocks noGrp="1" noChangeAspect="1"/>
-          </p:cNvPicPr>
-          <p:nvPr>
-            <p:ph idx="1"/>
-          </p:nvPr>
-        </p:nvPicPr>
-        <p:blipFill>
-          <a:blip r:embed="rId2"/>
-          <a:stretch>
-            <a:fillRect/>
-          </a:stretch>
-        </p:blipFill>
-        <p:spPr>
-          <a:xfrm>
-            <a:off x="393875" y="1961579"/>
-            <a:ext cx="7817970" cy="4031070"/>
-          </a:xfrm>
-        </p:spPr>
-      </p:pic>
-      <p:pic>
-        <p:nvPicPr>
-          <p:cNvPr id="7" name="圖片 6">
-            <a:extLst>
-              <a:ext uri="{FF2B5EF4-FFF2-40B4-BE49-F238E27FC236}">
-                <a16:creationId xmlns:a16="http://schemas.microsoft.com/office/drawing/2014/main" id="{AA84DDCD-FE82-44EA-822A-1F2F89AB2DF3}"/>
-              </a:ext>
-            </a:extLst>
-          </p:cNvPr>
-          <p:cNvPicPr>
-            <a:picLocks noChangeAspect="1"/>
-          </p:cNvPicPr>
+          <p:cNvPr id="7" name="矩形 6">
+            <a:extLst>
+              <a:ext uri="{FF2B5EF4-FFF2-40B4-BE49-F238E27FC236}">
+                <a16:creationId xmlns:a16="http://schemas.microsoft.com/office/drawing/2014/main" id="{1DC39FB0-1356-4D63-977D-ADF87BEEFFF6}"/>
+              </a:ext>
+            </a:extLst>
+          </p:cNvPr>
+          <p:cNvSpPr/>
           <p:nvPr/>
-        </p:nvPicPr>
-        <p:blipFill rotWithShape="1">
-          <a:blip r:embed="rId3"/>
-          <a:srcRect r="47705"/>
-          <a:stretch/>
-        </p:blipFill>
-        <p:spPr>
-          <a:xfrm>
-            <a:off x="8517086" y="2494624"/>
-            <a:ext cx="3192560" cy="2568816"/>
+        </p:nvSpPr>
+        <p:spPr>
+          <a:xfrm>
+            <a:off x="0" y="1792380"/>
+            <a:ext cx="12192000" cy="3622089"/>
           </a:xfrm>
           <a:prstGeom prst="rect">
             <a:avLst/>
           </a:prstGeom>
-        </p:spPr>
-      </p:pic>
-      <p:sp>
-        <p:nvSpPr>
-          <p:cNvPr id="8" name="矩形 7">
-            <a:extLst>
-              <a:ext uri="{FF2B5EF4-FFF2-40B4-BE49-F238E27FC236}">
-                <a16:creationId xmlns:a16="http://schemas.microsoft.com/office/drawing/2014/main" id="{1CEA5DB8-97B0-4676-BF8D-5C667B2C1F09}"/>
-              </a:ext>
-            </a:extLst>
-          </p:cNvPr>
-          <p:cNvSpPr/>
-          <p:nvPr/>
-        </p:nvSpPr>
-        <p:spPr>
-          <a:xfrm>
-            <a:off x="6968971" y="2254928"/>
-            <a:ext cx="1100831" cy="443884"/>
-          </a:xfrm>
-          <a:prstGeom prst="rect">
-            <a:avLst/>
-          </a:prstGeom>
-          <a:noFill/>
-          <a:ln w="38100">
-            <a:solidFill>
-              <a:schemeClr val="accent2">
-                <a:lumMod val="75000"/>
-              </a:schemeClr>
-            </a:solidFill>
+          <a:solidFill>
+            <a:srgbClr val="4F9D9D">
+              <a:alpha val="18824"/>
+            </a:srgbClr>
+          </a:solidFill>
+          <a:ln>
+            <a:noFill/>
           </a:ln>
         </p:spPr>
         <p:style>
@@ -8817,124 +9185,69 @@
           <a:lstStyle/>
           <a:p>
             <a:pPr algn="ctr"/>
-            <a:endParaRPr lang="zh-TW" altLang="en-US"/>
-          </a:p>
-        </p:txBody>
-      </p:sp>
-      <p:sp>
-        <p:nvSpPr>
-          <p:cNvPr id="9" name="矩形 8">
-            <a:extLst>
-              <a:ext uri="{FF2B5EF4-FFF2-40B4-BE49-F238E27FC236}">
-                <a16:creationId xmlns:a16="http://schemas.microsoft.com/office/drawing/2014/main" id="{E290BBF5-8146-43CF-8744-12ED786EC22C}"/>
-              </a:ext>
-            </a:extLst>
-          </p:cNvPr>
-          <p:cNvSpPr/>
-          <p:nvPr/>
-        </p:nvSpPr>
-        <p:spPr>
-          <a:xfrm>
-            <a:off x="8566950" y="4715521"/>
-            <a:ext cx="676182" cy="398016"/>
-          </a:xfrm>
-          <a:prstGeom prst="rect">
-            <a:avLst/>
-          </a:prstGeom>
-          <a:noFill/>
-          <a:ln w="38100">
-            <a:solidFill>
-              <a:schemeClr val="accent2">
-                <a:lumMod val="75000"/>
-              </a:schemeClr>
-            </a:solidFill>
-          </a:ln>
-        </p:spPr>
-        <p:style>
-          <a:lnRef idx="2">
-            <a:schemeClr val="accent1">
-              <a:shade val="50000"/>
-            </a:schemeClr>
-          </a:lnRef>
-          <a:fillRef idx="1">
-            <a:schemeClr val="accent1"/>
-          </a:fillRef>
-          <a:effectRef idx="0">
-            <a:schemeClr val="accent1"/>
-          </a:effectRef>
-          <a:fontRef idx="minor">
-            <a:schemeClr val="lt1"/>
-          </a:fontRef>
-        </p:style>
-        <p:txBody>
-          <a:bodyPr rtlCol="0" anchor="ctr"/>
+            <a:endParaRPr lang="zh-TW" altLang="en-US" dirty="0"/>
+          </a:p>
+        </p:txBody>
+      </p:sp>
+      <p:sp>
+        <p:nvSpPr>
+          <p:cNvPr id="2" name="標題 1">
+            <a:extLst>
+              <a:ext uri="{FF2B5EF4-FFF2-40B4-BE49-F238E27FC236}">
+                <a16:creationId xmlns:a16="http://schemas.microsoft.com/office/drawing/2014/main" id="{F990B1B7-7BEA-4D89-8C4C-C804609765F4}"/>
+              </a:ext>
+            </a:extLst>
+          </p:cNvPr>
+          <p:cNvSpPr>
+            <a:spLocks noGrp="1"/>
+          </p:cNvSpPr>
+          <p:nvPr>
+            <p:ph type="ctrTitle"/>
+          </p:nvPr>
+        </p:nvSpPr>
+        <p:spPr>
+          <a:xfrm>
+            <a:off x="1524000" y="2409624"/>
+            <a:ext cx="9144000" cy="2387600"/>
+          </a:xfrm>
+        </p:spPr>
+        <p:txBody>
+          <a:bodyPr>
+            <a:normAutofit fontScale="90000"/>
+          </a:bodyPr>
           <a:lstStyle/>
           <a:p>
-            <a:pPr algn="ctr"/>
-            <a:endParaRPr lang="zh-TW" altLang="en-US"/>
-          </a:p>
-        </p:txBody>
-      </p:sp>
-      <p:sp>
-        <p:nvSpPr>
-          <p:cNvPr id="10" name="矩形 9">
-            <a:extLst>
-              <a:ext uri="{FF2B5EF4-FFF2-40B4-BE49-F238E27FC236}">
-                <a16:creationId xmlns:a16="http://schemas.microsoft.com/office/drawing/2014/main" id="{089A3584-E9E6-402B-9F6E-22FAD0B5BEE4}"/>
-              </a:ext>
-            </a:extLst>
-          </p:cNvPr>
-          <p:cNvSpPr/>
-          <p:nvPr/>
-        </p:nvSpPr>
-        <p:spPr>
-          <a:xfrm>
-            <a:off x="0" y="185109"/>
-            <a:ext cx="12192000" cy="795444"/>
-          </a:xfrm>
-          <a:prstGeom prst="rect">
-            <a:avLst/>
-          </a:prstGeom>
-          <a:solidFill>
-            <a:srgbClr val="4F9D9D">
-              <a:alpha val="18824"/>
-            </a:srgbClr>
-          </a:solidFill>
-          <a:ln>
-            <a:noFill/>
-          </a:ln>
-        </p:spPr>
-        <p:style>
-          <a:lnRef idx="2">
-            <a:schemeClr val="accent1">
-              <a:shade val="50000"/>
-            </a:schemeClr>
-          </a:lnRef>
-          <a:fillRef idx="1">
-            <a:schemeClr val="accent1"/>
-          </a:fillRef>
-          <a:effectRef idx="0">
-            <a:schemeClr val="accent1"/>
-          </a:effectRef>
-          <a:fontRef idx="minor">
-            <a:schemeClr val="lt1"/>
-          </a:fontRef>
-        </p:style>
-        <p:txBody>
-          <a:bodyPr rtlCol="0" anchor="ctr"/>
-          <a:lstStyle/>
-          <a:p>
-            <a:pPr algn="ctr"/>
+            <a:r>
+              <a:rPr lang="zh-TW" altLang="en-US" sz="4900" dirty="0">
+                <a:solidFill>
+                  <a:schemeClr val="tx1">
+                    <a:lumMod val="65000"/>
+                    <a:lumOff val="35000"/>
+                  </a:schemeClr>
+                </a:solidFill>
+              </a:rPr>
+              <a:t>系統操作與流程</a:t>
+            </a:r>
+            <a:br>
+              <a:rPr lang="en-US" altLang="zh-TW" dirty="0"/>
+            </a:br>
+            <a:r>
+              <a:rPr lang="zh-TW" altLang="en-US" dirty="0"/>
+              <a:t>商品管理人員操作畫面</a:t>
+            </a:r>
+            <a:br>
+              <a:rPr lang="zh-TW" altLang="en-US" dirty="0"/>
+            </a:br>
             <a:endParaRPr lang="zh-TW" altLang="en-US" dirty="0"/>
           </a:p>
         </p:txBody>
       </p:sp>
       <p:pic>
         <p:nvPicPr>
-          <p:cNvPr id="11" name="圖片 10">
-            <a:extLst>
-              <a:ext uri="{FF2B5EF4-FFF2-40B4-BE49-F238E27FC236}">
-                <a16:creationId xmlns:a16="http://schemas.microsoft.com/office/drawing/2014/main" id="{45B2660A-A3DB-4A2A-8BEB-B89FEA7254CE}"/>
+          <p:cNvPr id="5" name="圖片 4">
+            <a:extLst>
+              <a:ext uri="{FF2B5EF4-FFF2-40B4-BE49-F238E27FC236}">
+                <a16:creationId xmlns:a16="http://schemas.microsoft.com/office/drawing/2014/main" id="{BF5E8753-629C-4E11-9773-81B916F052C3}"/>
               </a:ext>
             </a:extLst>
           </p:cNvPr>
@@ -8944,15 +9257,15 @@
           <p:nvPr/>
         </p:nvPicPr>
         <p:blipFill>
-          <a:blip r:embed="rId4"/>
+          <a:blip r:embed="rId2"/>
           <a:stretch>
             <a:fillRect/>
           </a:stretch>
         </p:blipFill>
         <p:spPr>
           <a:xfrm>
-            <a:off x="112713" y="131541"/>
-            <a:ext cx="867532" cy="867532"/>
+            <a:off x="268549" y="188080"/>
+            <a:ext cx="2484099" cy="2484099"/>
           </a:xfrm>
           <a:prstGeom prst="rect">
             <a:avLst/>
@@ -8961,10 +9274,10 @@
       </p:pic>
       <p:sp>
         <p:nvSpPr>
-          <p:cNvPr id="13" name="投影片編號版面配置區 12">
-            <a:extLst>
-              <a:ext uri="{FF2B5EF4-FFF2-40B4-BE49-F238E27FC236}">
-                <a16:creationId xmlns:a16="http://schemas.microsoft.com/office/drawing/2014/main" id="{950D3BE5-163C-4433-9957-85BE75F66FB5}"/>
+          <p:cNvPr id="4" name="投影片編號版面配置區 3">
+            <a:extLst>
+              <a:ext uri="{FF2B5EF4-FFF2-40B4-BE49-F238E27FC236}">
+                <a16:creationId xmlns:a16="http://schemas.microsoft.com/office/drawing/2014/main" id="{41D9E723-22FD-4B17-BD61-CD1A111F618C}"/>
               </a:ext>
             </a:extLst>
           </p:cNvPr>
@@ -8999,7 +9312,7 @@
     </p:spTree>
     <p:extLst>
       <p:ext uri="{BB962C8B-B14F-4D97-AF65-F5344CB8AC3E}">
-        <p14:creationId xmlns:p14="http://schemas.microsoft.com/office/powerpoint/2010/main" val="2242638660"/>
+        <p14:creationId xmlns:p14="http://schemas.microsoft.com/office/powerpoint/2010/main" val="361629555"/>
       </p:ext>
     </p:extLst>
   </p:cSld>
@@ -9028,31 +9341,132 @@
       </p:grpSpPr>
       <p:sp>
         <p:nvSpPr>
-          <p:cNvPr id="7" name="矩形 6">
-            <a:extLst>
-              <a:ext uri="{FF2B5EF4-FFF2-40B4-BE49-F238E27FC236}">
-                <a16:creationId xmlns:a16="http://schemas.microsoft.com/office/drawing/2014/main" id="{7F84EAC0-480D-4F29-B25B-A1D5E3558E4D}"/>
-              </a:ext>
-            </a:extLst>
-          </p:cNvPr>
-          <p:cNvSpPr/>
+          <p:cNvPr id="2" name="標題 1">
+            <a:extLst>
+              <a:ext uri="{FF2B5EF4-FFF2-40B4-BE49-F238E27FC236}">
+                <a16:creationId xmlns:a16="http://schemas.microsoft.com/office/drawing/2014/main" id="{0342DFFD-8707-48EF-B808-ACA37CDFF6B8}"/>
+              </a:ext>
+            </a:extLst>
+          </p:cNvPr>
+          <p:cNvSpPr>
+            <a:spLocks noGrp="1"/>
+          </p:cNvSpPr>
+          <p:nvPr>
+            <p:ph type="title"/>
+          </p:nvPr>
+        </p:nvSpPr>
+        <p:spPr>
+          <a:xfrm>
+            <a:off x="838200" y="0"/>
+            <a:ext cx="10515600" cy="1325563"/>
+          </a:xfrm>
+        </p:spPr>
+        <p:txBody>
+          <a:bodyPr>
+            <a:normAutofit/>
+          </a:bodyPr>
+          <a:lstStyle/>
+          <a:p>
+            <a:r>
+              <a:rPr lang="zh-TW" altLang="en-US" sz="4000" dirty="0"/>
+              <a:t>單筆</a:t>
+            </a:r>
+            <a:r>
+              <a:rPr lang="en-US" altLang="zh-TW" sz="4000" dirty="0"/>
+              <a:t>or</a:t>
+            </a:r>
+            <a:r>
+              <a:rPr lang="zh-TW" altLang="en-US" sz="4000" dirty="0"/>
+              <a:t>批次新增商品</a:t>
+            </a:r>
+          </a:p>
+        </p:txBody>
+      </p:sp>
+      <p:pic>
+        <p:nvPicPr>
+          <p:cNvPr id="5" name="內容版面配置區 4">
+            <a:extLst>
+              <a:ext uri="{FF2B5EF4-FFF2-40B4-BE49-F238E27FC236}">
+                <a16:creationId xmlns:a16="http://schemas.microsoft.com/office/drawing/2014/main" id="{BE6969FF-546F-4ADA-8E5B-F25CB3907057}"/>
+              </a:ext>
+            </a:extLst>
+          </p:cNvPr>
+          <p:cNvPicPr>
+            <a:picLocks noGrp="1" noChangeAspect="1"/>
+          </p:cNvPicPr>
+          <p:nvPr>
+            <p:ph idx="1"/>
+          </p:nvPr>
+        </p:nvPicPr>
+        <p:blipFill>
+          <a:blip r:embed="rId2"/>
+          <a:stretch>
+            <a:fillRect/>
+          </a:stretch>
+        </p:blipFill>
+        <p:spPr>
+          <a:xfrm>
+            <a:off x="393875" y="1961579"/>
+            <a:ext cx="7817970" cy="4031070"/>
+          </a:xfrm>
+        </p:spPr>
+      </p:pic>
+      <p:pic>
+        <p:nvPicPr>
+          <p:cNvPr id="7" name="圖片 6">
+            <a:extLst>
+              <a:ext uri="{FF2B5EF4-FFF2-40B4-BE49-F238E27FC236}">
+                <a16:creationId xmlns:a16="http://schemas.microsoft.com/office/drawing/2014/main" id="{AA84DDCD-FE82-44EA-822A-1F2F89AB2DF3}"/>
+              </a:ext>
+            </a:extLst>
+          </p:cNvPr>
+          <p:cNvPicPr>
+            <a:picLocks noChangeAspect="1"/>
+          </p:cNvPicPr>
           <p:nvPr/>
-        </p:nvSpPr>
-        <p:spPr>
-          <a:xfrm>
-            <a:off x="0" y="185109"/>
-            <a:ext cx="12192000" cy="795444"/>
+        </p:nvPicPr>
+        <p:blipFill rotWithShape="1">
+          <a:blip r:embed="rId3"/>
+          <a:srcRect r="47705"/>
+          <a:stretch/>
+        </p:blipFill>
+        <p:spPr>
+          <a:xfrm>
+            <a:off x="8517086" y="2494624"/>
+            <a:ext cx="3192560" cy="2568816"/>
           </a:xfrm>
           <a:prstGeom prst="rect">
             <a:avLst/>
           </a:prstGeom>
-          <a:solidFill>
-            <a:srgbClr val="4F9D9D">
-              <a:alpha val="18824"/>
-            </a:srgbClr>
-          </a:solidFill>
-          <a:ln>
-            <a:noFill/>
+        </p:spPr>
+      </p:pic>
+      <p:sp>
+        <p:nvSpPr>
+          <p:cNvPr id="8" name="矩形 7">
+            <a:extLst>
+              <a:ext uri="{FF2B5EF4-FFF2-40B4-BE49-F238E27FC236}">
+                <a16:creationId xmlns:a16="http://schemas.microsoft.com/office/drawing/2014/main" id="{1CEA5DB8-97B0-4676-BF8D-5C667B2C1F09}"/>
+              </a:ext>
+            </a:extLst>
+          </p:cNvPr>
+          <p:cNvSpPr/>
+          <p:nvPr/>
+        </p:nvSpPr>
+        <p:spPr>
+          <a:xfrm>
+            <a:off x="6968971" y="2254928"/>
+            <a:ext cx="1100831" cy="443884"/>
+          </a:xfrm>
+          <a:prstGeom prst="rect">
+            <a:avLst/>
+          </a:prstGeom>
+          <a:noFill/>
+          <a:ln w="38100">
+            <a:solidFill>
+              <a:schemeClr val="accent2">
+                <a:lumMod val="75000"/>
+              </a:schemeClr>
+            </a:solidFill>
           </a:ln>
         </p:spPr>
         <p:style>
@@ -9076,110 +9490,124 @@
           <a:lstStyle/>
           <a:p>
             <a:pPr algn="ctr"/>
-            <a:endParaRPr lang="zh-TW" altLang="en-US" dirty="0"/>
-          </a:p>
-        </p:txBody>
-      </p:sp>
-      <p:sp>
-        <p:nvSpPr>
-          <p:cNvPr id="2" name="標題 1">
-            <a:extLst>
-              <a:ext uri="{FF2B5EF4-FFF2-40B4-BE49-F238E27FC236}">
-                <a16:creationId xmlns:a16="http://schemas.microsoft.com/office/drawing/2014/main" id="{59E68AF9-B466-40AE-AE58-9E9FF7D1E714}"/>
-              </a:ext>
-            </a:extLst>
-          </p:cNvPr>
-          <p:cNvSpPr>
-            <a:spLocks noGrp="1"/>
-          </p:cNvSpPr>
-          <p:nvPr>
-            <p:ph type="title"/>
-          </p:nvPr>
-        </p:nvSpPr>
-        <p:spPr>
-          <a:xfrm>
-            <a:off x="923913" y="-79951"/>
-            <a:ext cx="10515600" cy="1325563"/>
-          </a:xfrm>
-        </p:spPr>
-        <p:txBody>
-          <a:bodyPr>
-            <a:normAutofit/>
-          </a:bodyPr>
-          <a:lstStyle/>
-          <a:p>
-            <a:r>
-              <a:rPr lang="zh-TW" altLang="en-US" sz="4000" dirty="0"/>
-              <a:t>商品管理</a:t>
-            </a:r>
-          </a:p>
-        </p:txBody>
-      </p:sp>
-      <p:pic>
-        <p:nvPicPr>
-          <p:cNvPr id="5" name="內容版面配置區 4">
-            <a:extLst>
-              <a:ext uri="{FF2B5EF4-FFF2-40B4-BE49-F238E27FC236}">
-                <a16:creationId xmlns:a16="http://schemas.microsoft.com/office/drawing/2014/main" id="{C189CD48-B9F2-401F-8217-D7BF5E983047}"/>
-              </a:ext>
-            </a:extLst>
-          </p:cNvPr>
-          <p:cNvPicPr>
-            <a:picLocks noGrp="1" noChangeAspect="1"/>
-          </p:cNvPicPr>
-          <p:nvPr>
-            <p:ph idx="1"/>
-          </p:nvPr>
-        </p:nvPicPr>
-        <p:blipFill>
-          <a:blip r:embed="rId2"/>
-          <a:stretch>
-            <a:fillRect/>
-          </a:stretch>
-        </p:blipFill>
-        <p:spPr>
-          <a:xfrm>
-            <a:off x="1254374" y="1461640"/>
-            <a:ext cx="9854678" cy="5134468"/>
-          </a:xfrm>
-        </p:spPr>
-      </p:pic>
-      <p:pic>
-        <p:nvPicPr>
-          <p:cNvPr id="6" name="圖片 5">
-            <a:extLst>
-              <a:ext uri="{FF2B5EF4-FFF2-40B4-BE49-F238E27FC236}">
-                <a16:creationId xmlns:a16="http://schemas.microsoft.com/office/drawing/2014/main" id="{C7F042C1-1B8A-4980-B8DA-F17D8AE4052E}"/>
-              </a:ext>
-            </a:extLst>
-          </p:cNvPr>
-          <p:cNvPicPr>
-            <a:picLocks noChangeAspect="1"/>
-          </p:cNvPicPr>
+            <a:endParaRPr lang="zh-TW" altLang="en-US"/>
+          </a:p>
+        </p:txBody>
+      </p:sp>
+      <p:sp>
+        <p:nvSpPr>
+          <p:cNvPr id="9" name="矩形 8">
+            <a:extLst>
+              <a:ext uri="{FF2B5EF4-FFF2-40B4-BE49-F238E27FC236}">
+                <a16:creationId xmlns:a16="http://schemas.microsoft.com/office/drawing/2014/main" id="{E290BBF5-8146-43CF-8744-12ED786EC22C}"/>
+              </a:ext>
+            </a:extLst>
+          </p:cNvPr>
+          <p:cNvSpPr/>
           <p:nvPr/>
-        </p:nvPicPr>
-        <p:blipFill>
-          <a:blip r:embed="rId3"/>
-          <a:stretch>
-            <a:fillRect/>
-          </a:stretch>
-        </p:blipFill>
-        <p:spPr>
-          <a:xfrm rot="5400000">
-            <a:off x="8609861" y="2787203"/>
-            <a:ext cx="674703" cy="674703"/>
+        </p:nvSpPr>
+        <p:spPr>
+          <a:xfrm>
+            <a:off x="8566950" y="4715521"/>
+            <a:ext cx="676182" cy="398016"/>
           </a:xfrm>
           <a:prstGeom prst="rect">
             <a:avLst/>
           </a:prstGeom>
-        </p:spPr>
-      </p:pic>
+          <a:noFill/>
+          <a:ln w="38100">
+            <a:solidFill>
+              <a:schemeClr val="accent2">
+                <a:lumMod val="75000"/>
+              </a:schemeClr>
+            </a:solidFill>
+          </a:ln>
+        </p:spPr>
+        <p:style>
+          <a:lnRef idx="2">
+            <a:schemeClr val="accent1">
+              <a:shade val="50000"/>
+            </a:schemeClr>
+          </a:lnRef>
+          <a:fillRef idx="1">
+            <a:schemeClr val="accent1"/>
+          </a:fillRef>
+          <a:effectRef idx="0">
+            <a:schemeClr val="accent1"/>
+          </a:effectRef>
+          <a:fontRef idx="minor">
+            <a:schemeClr val="lt1"/>
+          </a:fontRef>
+        </p:style>
+        <p:txBody>
+          <a:bodyPr rtlCol="0" anchor="ctr"/>
+          <a:lstStyle/>
+          <a:p>
+            <a:pPr algn="ctr"/>
+            <a:endParaRPr lang="zh-TW" altLang="en-US"/>
+          </a:p>
+        </p:txBody>
+      </p:sp>
+      <p:sp>
+        <p:nvSpPr>
+          <p:cNvPr id="10" name="矩形 9">
+            <a:extLst>
+              <a:ext uri="{FF2B5EF4-FFF2-40B4-BE49-F238E27FC236}">
+                <a16:creationId xmlns:a16="http://schemas.microsoft.com/office/drawing/2014/main" id="{089A3584-E9E6-402B-9F6E-22FAD0B5BEE4}"/>
+              </a:ext>
+            </a:extLst>
+          </p:cNvPr>
+          <p:cNvSpPr/>
+          <p:nvPr/>
+        </p:nvSpPr>
+        <p:spPr>
+          <a:xfrm>
+            <a:off x="0" y="185109"/>
+            <a:ext cx="12192000" cy="795444"/>
+          </a:xfrm>
+          <a:prstGeom prst="rect">
+            <a:avLst/>
+          </a:prstGeom>
+          <a:solidFill>
+            <a:srgbClr val="4F9D9D">
+              <a:alpha val="18824"/>
+            </a:srgbClr>
+          </a:solidFill>
+          <a:ln>
+            <a:noFill/>
+          </a:ln>
+        </p:spPr>
+        <p:style>
+          <a:lnRef idx="2">
+            <a:schemeClr val="accent1">
+              <a:shade val="50000"/>
+            </a:schemeClr>
+          </a:lnRef>
+          <a:fillRef idx="1">
+            <a:schemeClr val="accent1"/>
+          </a:fillRef>
+          <a:effectRef idx="0">
+            <a:schemeClr val="accent1"/>
+          </a:effectRef>
+          <a:fontRef idx="minor">
+            <a:schemeClr val="lt1"/>
+          </a:fontRef>
+        </p:style>
+        <p:txBody>
+          <a:bodyPr rtlCol="0" anchor="ctr"/>
+          <a:lstStyle/>
+          <a:p>
+            <a:pPr algn="ctr"/>
+            <a:endParaRPr lang="zh-TW" altLang="en-US" dirty="0"/>
+          </a:p>
+        </p:txBody>
+      </p:sp>
       <p:pic>
         <p:nvPicPr>
-          <p:cNvPr id="8" name="圖片 7">
-            <a:extLst>
-              <a:ext uri="{FF2B5EF4-FFF2-40B4-BE49-F238E27FC236}">
-                <a16:creationId xmlns:a16="http://schemas.microsoft.com/office/drawing/2014/main" id="{60CB3383-12B9-43C5-97B1-865E3621B321}"/>
+          <p:cNvPr id="11" name="圖片 10">
+            <a:extLst>
+              <a:ext uri="{FF2B5EF4-FFF2-40B4-BE49-F238E27FC236}">
+                <a16:creationId xmlns:a16="http://schemas.microsoft.com/office/drawing/2014/main" id="{45B2660A-A3DB-4A2A-8BEB-B89FEA7254CE}"/>
               </a:ext>
             </a:extLst>
           </p:cNvPr>
@@ -9206,10 +9634,10 @@
       </p:pic>
       <p:sp>
         <p:nvSpPr>
-          <p:cNvPr id="10" name="投影片編號版面配置區 9">
-            <a:extLst>
-              <a:ext uri="{FF2B5EF4-FFF2-40B4-BE49-F238E27FC236}">
-                <a16:creationId xmlns:a16="http://schemas.microsoft.com/office/drawing/2014/main" id="{8547E8D9-5CE8-4D8F-AA37-3B6CA3159A3A}"/>
+          <p:cNvPr id="13" name="投影片編號版面配置區 12">
+            <a:extLst>
+              <a:ext uri="{FF2B5EF4-FFF2-40B4-BE49-F238E27FC236}">
+                <a16:creationId xmlns:a16="http://schemas.microsoft.com/office/drawing/2014/main" id="{950D3BE5-163C-4433-9957-85BE75F66FB5}"/>
               </a:ext>
             </a:extLst>
           </p:cNvPr>
@@ -9220,12 +9648,7 @@
             <p:ph type="sldNum" sz="quarter" idx="12"/>
           </p:nvPr>
         </p:nvSpPr>
-        <p:spPr>
-          <a:xfrm>
-            <a:off x="8947212" y="6307766"/>
-            <a:ext cx="2743200" cy="365125"/>
-          </a:xfrm>
-        </p:spPr>
+        <p:spPr/>
         <p:txBody>
           <a:bodyPr/>
           <a:lstStyle/>
@@ -9249,7 +9672,7 @@
     </p:spTree>
     <p:extLst>
       <p:ext uri="{BB962C8B-B14F-4D97-AF65-F5344CB8AC3E}">
-        <p14:creationId xmlns:p14="http://schemas.microsoft.com/office/powerpoint/2010/main" val="4284142143"/>
+        <p14:creationId xmlns:p14="http://schemas.microsoft.com/office/powerpoint/2010/main" val="2242638660"/>
       </p:ext>
     </p:extLst>
   </p:cSld>
@@ -9278,10 +9701,10 @@
       </p:grpSpPr>
       <p:sp>
         <p:nvSpPr>
-          <p:cNvPr id="17" name="矩形 16">
-            <a:extLst>
-              <a:ext uri="{FF2B5EF4-FFF2-40B4-BE49-F238E27FC236}">
-                <a16:creationId xmlns:a16="http://schemas.microsoft.com/office/drawing/2014/main" id="{A50269EC-9299-4035-97D9-D5F9EB514E4B}"/>
+          <p:cNvPr id="7" name="矩形 6">
+            <a:extLst>
+              <a:ext uri="{FF2B5EF4-FFF2-40B4-BE49-F238E27FC236}">
+                <a16:creationId xmlns:a16="http://schemas.microsoft.com/office/drawing/2014/main" id="{7F84EAC0-480D-4F29-B25B-A1D5E3558E4D}"/>
               </a:ext>
             </a:extLst>
           </p:cNvPr>
@@ -9330,49 +9753,12 @@
           </a:p>
         </p:txBody>
       </p:sp>
-      <p:pic>
-        <p:nvPicPr>
-          <p:cNvPr id="15" name="圖片 14">
-            <a:extLst>
-              <a:ext uri="{FF2B5EF4-FFF2-40B4-BE49-F238E27FC236}">
-                <a16:creationId xmlns:a16="http://schemas.microsoft.com/office/drawing/2014/main" id="{30630B69-A73F-4B69-A5EC-2B9EACDC4089}"/>
-              </a:ext>
-            </a:extLst>
-          </p:cNvPr>
-          <p:cNvPicPr>
-            <a:picLocks noChangeAspect="1"/>
-          </p:cNvPicPr>
-          <p:nvPr/>
-        </p:nvPicPr>
-        <p:blipFill rotWithShape="1">
-          <a:blip r:embed="rId2"/>
-          <a:srcRect t="7490"/>
-          <a:stretch/>
-        </p:blipFill>
-        <p:spPr>
-          <a:xfrm>
-            <a:off x="545237" y="1727821"/>
-            <a:ext cx="10700300" cy="4652766"/>
-          </a:xfrm>
-          <a:prstGeom prst="rect">
-            <a:avLst/>
-          </a:prstGeom>
-          <a:ln w="28575">
-            <a:solidFill>
-              <a:schemeClr val="tx1">
-                <a:lumMod val="65000"/>
-                <a:lumOff val="35000"/>
-              </a:schemeClr>
-            </a:solidFill>
-          </a:ln>
-        </p:spPr>
-      </p:pic>
       <p:sp>
         <p:nvSpPr>
           <p:cNvPr id="2" name="標題 1">
             <a:extLst>
               <a:ext uri="{FF2B5EF4-FFF2-40B4-BE49-F238E27FC236}">
-                <a16:creationId xmlns:a16="http://schemas.microsoft.com/office/drawing/2014/main" id="{4AA8F85B-7DF4-4A53-80F4-CB1AD4553F05}"/>
+                <a16:creationId xmlns:a16="http://schemas.microsoft.com/office/drawing/2014/main" id="{59E68AF9-B466-40AE-AE58-9E9FF7D1E714}"/>
               </a:ext>
             </a:extLst>
           </p:cNvPr>
@@ -9385,7 +9771,7 @@
         </p:nvSpPr>
         <p:spPr>
           <a:xfrm>
-            <a:off x="838200" y="-67305"/>
+            <a:off x="923913" y="-79951"/>
             <a:ext cx="10515600" cy="1325563"/>
           </a:xfrm>
         </p:spPr>
@@ -9397,127 +9783,46 @@
           <a:p>
             <a:r>
               <a:rPr lang="zh-TW" altLang="en-US" sz="4000" dirty="0"/>
-              <a:t>修改商品資訊</a:t>
-            </a:r>
-            <a:r>
-              <a:rPr lang="en-US" altLang="zh-TW" sz="4000" dirty="0"/>
-              <a:t>&amp;</a:t>
-            </a:r>
-            <a:r>
-              <a:rPr lang="zh-TW" altLang="en-US" sz="4000" dirty="0"/>
-              <a:t>庫存管理</a:t>
-            </a:r>
-          </a:p>
-        </p:txBody>
-      </p:sp>
-      <p:sp>
-        <p:nvSpPr>
-          <p:cNvPr id="6" name="文字方塊 5">
-            <a:extLst>
-              <a:ext uri="{FF2B5EF4-FFF2-40B4-BE49-F238E27FC236}">
-                <a16:creationId xmlns:a16="http://schemas.microsoft.com/office/drawing/2014/main" id="{F41F0E0F-8038-4336-91A1-BAB977F2F084}"/>
-              </a:ext>
-            </a:extLst>
-          </p:cNvPr>
-          <p:cNvSpPr txBox="1"/>
-          <p:nvPr/>
-        </p:nvSpPr>
-        <p:spPr>
-          <a:xfrm>
-            <a:off x="2942947" y="1790917"/>
-            <a:ext cx="4554245" cy="1021556"/>
-          </a:xfrm>
-          <a:prstGeom prst="flowChartAlternateProcess">
-            <a:avLst/>
-          </a:prstGeom>
-          <a:solidFill>
-            <a:schemeClr val="accent4">
-              <a:lumMod val="20000"/>
-              <a:lumOff val="80000"/>
-            </a:schemeClr>
-          </a:solidFill>
-          <a:effectLst>
-            <a:outerShdw blurRad="50800" dist="38100" dir="2700000" algn="tl" rotWithShape="0">
-              <a:prstClr val="black">
-                <a:alpha val="40000"/>
-              </a:prstClr>
-            </a:outerShdw>
-          </a:effectLst>
-        </p:spPr>
-        <p:txBody>
-          <a:bodyPr wrap="square" rtlCol="0">
-            <a:spAutoFit/>
-          </a:bodyPr>
-          <a:lstStyle/>
-          <a:p>
-            <a:r>
-              <a:rPr lang="zh-TW" altLang="en-US" dirty="0"/>
-              <a:t>使用</a:t>
-            </a:r>
-            <a:r>
-              <a:rPr lang="en-US" altLang="zh-TW" b="1" dirty="0"/>
-              <a:t>@Transactional</a:t>
-            </a:r>
-            <a:r>
-              <a:rPr lang="zh-TW" altLang="en-US" dirty="0"/>
-              <a:t>以及</a:t>
-            </a:r>
-            <a:r>
-              <a:rPr lang="en-US" altLang="zh-TW" b="1" dirty="0"/>
-              <a:t>Exception</a:t>
-            </a:r>
-            <a:r>
-              <a:rPr lang="zh-TW" altLang="en-US" b="1" dirty="0"/>
-              <a:t>，</a:t>
-            </a:r>
-            <a:endParaRPr lang="en-US" altLang="zh-TW" b="1" dirty="0"/>
-          </a:p>
-          <a:p>
-            <a:r>
-              <a:rPr lang="zh-TW" altLang="en-US" dirty="0"/>
-              <a:t>若更新庫存，</a:t>
-            </a:r>
-            <a:r>
-              <a:rPr lang="zh-TW" altLang="en-US" b="1" dirty="0"/>
-              <a:t>三個平台庫</a:t>
-            </a:r>
-            <a:r>
-              <a:rPr lang="zh-TW" altLang="en-US" dirty="0"/>
-              <a:t>加總</a:t>
-            </a:r>
-            <a:r>
-              <a:rPr lang="zh-TW" altLang="en-US" b="1" dirty="0">
-                <a:solidFill>
-                  <a:srgbClr val="C00000"/>
-                </a:solidFill>
-              </a:rPr>
-              <a:t>大於</a:t>
-            </a:r>
-            <a:r>
-              <a:rPr lang="zh-TW" altLang="en-US" b="1" dirty="0"/>
-              <a:t>總庫存</a:t>
-            </a:r>
-            <a:r>
-              <a:rPr lang="zh-TW" altLang="en-US" dirty="0"/>
-              <a:t>，會拋出例外且</a:t>
-            </a:r>
-            <a:r>
-              <a:rPr lang="en-US" altLang="zh-TW" dirty="0"/>
-              <a:t>rollback</a:t>
-            </a:r>
-            <a:r>
-              <a:rPr lang="zh-TW" altLang="en-US" dirty="0"/>
-              <a:t>整筆修改資訊</a:t>
+              <a:t>商品管理</a:t>
             </a:r>
           </a:p>
         </p:txBody>
       </p:sp>
       <p:pic>
         <p:nvPicPr>
-          <p:cNvPr id="8" name="圖片 7">
-            <a:extLst>
-              <a:ext uri="{FF2B5EF4-FFF2-40B4-BE49-F238E27FC236}">
-                <a16:creationId xmlns:a16="http://schemas.microsoft.com/office/drawing/2014/main" id="{4B394284-65AC-44CF-8100-3339D2C39486}"/>
+          <p:cNvPr id="5" name="內容版面配置區 4">
+            <a:extLst>
+              <a:ext uri="{FF2B5EF4-FFF2-40B4-BE49-F238E27FC236}">
+                <a16:creationId xmlns:a16="http://schemas.microsoft.com/office/drawing/2014/main" id="{C189CD48-B9F2-401F-8217-D7BF5E983047}"/>
+              </a:ext>
+            </a:extLst>
+          </p:cNvPr>
+          <p:cNvPicPr>
+            <a:picLocks noGrp="1" noChangeAspect="1"/>
+          </p:cNvPicPr>
+          <p:nvPr>
+            <p:ph idx="1"/>
+          </p:nvPr>
+        </p:nvPicPr>
+        <p:blipFill>
+          <a:blip r:embed="rId2"/>
+          <a:stretch>
+            <a:fillRect/>
+          </a:stretch>
+        </p:blipFill>
+        <p:spPr>
+          <a:xfrm>
+            <a:off x="1254374" y="1461640"/>
+            <a:ext cx="9854678" cy="5134468"/>
+          </a:xfrm>
+        </p:spPr>
+      </p:pic>
+      <p:pic>
+        <p:nvPicPr>
+          <p:cNvPr id="6" name="圖片 5">
+            <a:extLst>
+              <a:ext uri="{FF2B5EF4-FFF2-40B4-BE49-F238E27FC236}">
+                <a16:creationId xmlns:a16="http://schemas.microsoft.com/office/drawing/2014/main" id="{C7F042C1-1B8A-4980-B8DA-F17D8AE4052E}"/>
               </a:ext>
             </a:extLst>
           </p:cNvPr>
@@ -9526,186 +9831,28 @@
           </p:cNvPicPr>
           <p:nvPr/>
         </p:nvPicPr>
-        <p:blipFill rotWithShape="1">
+        <p:blipFill>
           <a:blip r:embed="rId3"/>
-          <a:srcRect r="26173"/>
-          <a:stretch/>
+          <a:stretch>
+            <a:fillRect/>
+          </a:stretch>
         </p:blipFill>
         <p:spPr>
-          <a:xfrm>
-            <a:off x="5167744" y="3586043"/>
-            <a:ext cx="6772722" cy="3117369"/>
+          <a:xfrm rot="5400000">
+            <a:off x="8609861" y="2787203"/>
+            <a:ext cx="674703" cy="674703"/>
           </a:xfrm>
           <a:prstGeom prst="rect">
             <a:avLst/>
           </a:prstGeom>
-          <a:ln w="28575">
-            <a:solidFill>
-              <a:schemeClr val="tx1">
-                <a:lumMod val="50000"/>
-                <a:lumOff val="50000"/>
-              </a:schemeClr>
-            </a:solidFill>
-          </a:ln>
         </p:spPr>
       </p:pic>
-      <p:sp>
-        <p:nvSpPr>
-          <p:cNvPr id="9" name="矩形 8">
-            <a:extLst>
-              <a:ext uri="{FF2B5EF4-FFF2-40B4-BE49-F238E27FC236}">
-                <a16:creationId xmlns:a16="http://schemas.microsoft.com/office/drawing/2014/main" id="{D710D1F7-D7C5-4A56-83BC-951685E0C7C5}"/>
-              </a:ext>
-            </a:extLst>
-          </p:cNvPr>
-          <p:cNvSpPr/>
-          <p:nvPr/>
-        </p:nvSpPr>
-        <p:spPr>
-          <a:xfrm>
-            <a:off x="5220070" y="4197050"/>
-            <a:ext cx="772357" cy="2443447"/>
-          </a:xfrm>
-          <a:prstGeom prst="rect">
-            <a:avLst/>
-          </a:prstGeom>
-          <a:noFill/>
-          <a:ln w="38100">
-            <a:solidFill>
-              <a:srgbClr val="4F9D9D"/>
-            </a:solidFill>
-          </a:ln>
-        </p:spPr>
-        <p:style>
-          <a:lnRef idx="2">
-            <a:schemeClr val="accent1">
-              <a:shade val="50000"/>
-            </a:schemeClr>
-          </a:lnRef>
-          <a:fillRef idx="1">
-            <a:schemeClr val="accent1"/>
-          </a:fillRef>
-          <a:effectRef idx="0">
-            <a:schemeClr val="accent1"/>
-          </a:effectRef>
-          <a:fontRef idx="minor">
-            <a:schemeClr val="lt1"/>
-          </a:fontRef>
-        </p:style>
-        <p:txBody>
-          <a:bodyPr rtlCol="0" anchor="ctr"/>
-          <a:lstStyle/>
-          <a:p>
-            <a:pPr algn="ctr"/>
-            <a:endParaRPr lang="zh-TW" altLang="en-US"/>
-          </a:p>
-        </p:txBody>
-      </p:sp>
-      <p:sp>
-        <p:nvSpPr>
-          <p:cNvPr id="10" name="文字方塊 9">
-            <a:extLst>
-              <a:ext uri="{FF2B5EF4-FFF2-40B4-BE49-F238E27FC236}">
-                <a16:creationId xmlns:a16="http://schemas.microsoft.com/office/drawing/2014/main" id="{79E7561E-FAC5-42DB-AED5-A813E6B528ED}"/>
-              </a:ext>
-            </a:extLst>
-          </p:cNvPr>
-          <p:cNvSpPr txBox="1"/>
-          <p:nvPr/>
-        </p:nvSpPr>
-        <p:spPr>
-          <a:xfrm>
-            <a:off x="6368250" y="4414055"/>
-            <a:ext cx="2598196" cy="1021556"/>
-          </a:xfrm>
-          <a:prstGeom prst="flowChartAlternateProcess">
-            <a:avLst/>
-          </a:prstGeom>
-          <a:solidFill>
-            <a:schemeClr val="accent4">
-              <a:lumMod val="20000"/>
-              <a:lumOff val="80000"/>
-            </a:schemeClr>
-          </a:solidFill>
-          <a:effectLst>
-            <a:outerShdw blurRad="50800" dist="38100" dir="2700000" algn="tl" rotWithShape="0">
-              <a:prstClr val="black">
-                <a:alpha val="40000"/>
-              </a:prstClr>
-            </a:outerShdw>
-          </a:effectLst>
-        </p:spPr>
-        <p:txBody>
-          <a:bodyPr wrap="square" rtlCol="0">
-            <a:spAutoFit/>
-          </a:bodyPr>
-          <a:lstStyle/>
-          <a:p>
-            <a:r>
-              <a:rPr lang="zh-TW" altLang="en-US" dirty="0"/>
-              <a:t>修改會帶入舊有資料，若不小心使欄位為空，會跳出提醒</a:t>
-            </a:r>
-          </a:p>
-        </p:txBody>
-      </p:sp>
-      <p:sp>
-        <p:nvSpPr>
-          <p:cNvPr id="11" name="矩形 10">
-            <a:extLst>
-              <a:ext uri="{FF2B5EF4-FFF2-40B4-BE49-F238E27FC236}">
-                <a16:creationId xmlns:a16="http://schemas.microsoft.com/office/drawing/2014/main" id="{51ABC89C-909B-4AAA-B1DF-D03C04C7E865}"/>
-              </a:ext>
-            </a:extLst>
-          </p:cNvPr>
-          <p:cNvSpPr/>
-          <p:nvPr/>
-        </p:nvSpPr>
-        <p:spPr>
-          <a:xfrm>
-            <a:off x="9099610" y="4054204"/>
-            <a:ext cx="1402673" cy="648678"/>
-          </a:xfrm>
-          <a:prstGeom prst="rect">
-            <a:avLst/>
-          </a:prstGeom>
-          <a:noFill/>
-          <a:ln w="38100">
-            <a:solidFill>
-              <a:srgbClr val="4F9D9D"/>
-            </a:solidFill>
-          </a:ln>
-        </p:spPr>
-        <p:style>
-          <a:lnRef idx="2">
-            <a:schemeClr val="accent1">
-              <a:shade val="50000"/>
-            </a:schemeClr>
-          </a:lnRef>
-          <a:fillRef idx="1">
-            <a:schemeClr val="accent1"/>
-          </a:fillRef>
-          <a:effectRef idx="0">
-            <a:schemeClr val="accent1"/>
-          </a:effectRef>
-          <a:fontRef idx="minor">
-            <a:schemeClr val="lt1"/>
-          </a:fontRef>
-        </p:style>
-        <p:txBody>
-          <a:bodyPr rtlCol="0" anchor="ctr"/>
-          <a:lstStyle/>
-          <a:p>
-            <a:pPr algn="ctr"/>
-            <a:endParaRPr lang="zh-TW" altLang="en-US"/>
-          </a:p>
-        </p:txBody>
-      </p:sp>
       <p:pic>
         <p:nvPicPr>
-          <p:cNvPr id="18" name="圖片 17">
-            <a:extLst>
-              <a:ext uri="{FF2B5EF4-FFF2-40B4-BE49-F238E27FC236}">
-                <a16:creationId xmlns:a16="http://schemas.microsoft.com/office/drawing/2014/main" id="{AF136C6D-E47D-499C-8D51-5637CB4FF029}"/>
+          <p:cNvPr id="8" name="圖片 7">
+            <a:extLst>
+              <a:ext uri="{FF2B5EF4-FFF2-40B4-BE49-F238E27FC236}">
+                <a16:creationId xmlns:a16="http://schemas.microsoft.com/office/drawing/2014/main" id="{60CB3383-12B9-43C5-97B1-865E3621B321}"/>
               </a:ext>
             </a:extLst>
           </p:cNvPr>
@@ -9732,65 +9879,10 @@
       </p:pic>
       <p:sp>
         <p:nvSpPr>
-          <p:cNvPr id="16" name="文字方塊 15">
-            <a:extLst>
-              <a:ext uri="{FF2B5EF4-FFF2-40B4-BE49-F238E27FC236}">
-                <a16:creationId xmlns:a16="http://schemas.microsoft.com/office/drawing/2014/main" id="{292B0CA5-B832-44D7-9618-79E5CC29FF23}"/>
-              </a:ext>
-            </a:extLst>
-          </p:cNvPr>
-          <p:cNvSpPr txBox="1"/>
-          <p:nvPr/>
-        </p:nvSpPr>
-        <p:spPr>
-          <a:xfrm>
-            <a:off x="9099610" y="769361"/>
-            <a:ext cx="2388095" cy="1021556"/>
-          </a:xfrm>
-          <a:prstGeom prst="flowChartAlternateProcess">
-            <a:avLst/>
-          </a:prstGeom>
-          <a:solidFill>
-            <a:schemeClr val="accent4">
-              <a:lumMod val="20000"/>
-              <a:lumOff val="80000"/>
-            </a:schemeClr>
-          </a:solidFill>
-          <a:effectLst>
-            <a:outerShdw blurRad="50800" dist="38100" dir="2700000" algn="tl" rotWithShape="0">
-              <a:prstClr val="black">
-                <a:alpha val="40000"/>
-              </a:prstClr>
-            </a:outerShdw>
-          </a:effectLst>
-        </p:spPr>
-        <p:txBody>
-          <a:bodyPr wrap="square" rtlCol="0">
-            <a:spAutoFit/>
-          </a:bodyPr>
-          <a:lstStyle/>
-          <a:p>
-            <a:r>
-              <a:rPr lang="zh-TW" altLang="en-US" dirty="0"/>
-              <a:t>修改按鈕放於上方，考量</a:t>
-            </a:r>
-            <a:r>
-              <a:rPr lang="en-US" altLang="zh-TW" dirty="0"/>
-              <a:t>UI/UX</a:t>
-            </a:r>
-            <a:r>
-              <a:rPr lang="zh-TW" altLang="en-US" dirty="0"/>
-              <a:t>設計，讓修改者方便管理庫存</a:t>
-            </a:r>
-          </a:p>
-        </p:txBody>
-      </p:sp>
-      <p:sp>
-        <p:nvSpPr>
-          <p:cNvPr id="20" name="投影片編號版面配置區 19">
-            <a:extLst>
-              <a:ext uri="{FF2B5EF4-FFF2-40B4-BE49-F238E27FC236}">
-                <a16:creationId xmlns:a16="http://schemas.microsoft.com/office/drawing/2014/main" id="{DA6F4D1D-9EDA-408B-ADE7-24A086645880}"/>
+          <p:cNvPr id="10" name="投影片編號版面配置區 9">
+            <a:extLst>
+              <a:ext uri="{FF2B5EF4-FFF2-40B4-BE49-F238E27FC236}">
+                <a16:creationId xmlns:a16="http://schemas.microsoft.com/office/drawing/2014/main" id="{8547E8D9-5CE8-4D8F-AA37-3B6CA3159A3A}"/>
               </a:ext>
             </a:extLst>
           </p:cNvPr>
@@ -9801,7 +9893,12 @@
             <p:ph type="sldNum" sz="quarter" idx="12"/>
           </p:nvPr>
         </p:nvSpPr>
-        <p:spPr/>
+        <p:spPr>
+          <a:xfrm>
+            <a:off x="8947212" y="6307766"/>
+            <a:ext cx="2743200" cy="365125"/>
+          </a:xfrm>
+        </p:spPr>
         <p:txBody>
           <a:bodyPr/>
           <a:lstStyle/>
@@ -9825,7 +9922,7 @@
     </p:spTree>
     <p:extLst>
       <p:ext uri="{BB962C8B-B14F-4D97-AF65-F5344CB8AC3E}">
-        <p14:creationId xmlns:p14="http://schemas.microsoft.com/office/powerpoint/2010/main" val="3054373591"/>
+        <p14:creationId xmlns:p14="http://schemas.microsoft.com/office/powerpoint/2010/main" val="4284142143"/>
       </p:ext>
     </p:extLst>
   </p:cSld>
@@ -9854,10 +9951,10 @@
       </p:grpSpPr>
       <p:sp>
         <p:nvSpPr>
-          <p:cNvPr id="7" name="矩形 6">
-            <a:extLst>
-              <a:ext uri="{FF2B5EF4-FFF2-40B4-BE49-F238E27FC236}">
-                <a16:creationId xmlns:a16="http://schemas.microsoft.com/office/drawing/2014/main" id="{1DC39FB0-1356-4D63-977D-ADF87BEEFFF6}"/>
+          <p:cNvPr id="17" name="矩形 16">
+            <a:extLst>
+              <a:ext uri="{FF2B5EF4-FFF2-40B4-BE49-F238E27FC236}">
+                <a16:creationId xmlns:a16="http://schemas.microsoft.com/office/drawing/2014/main" id="{A50269EC-9299-4035-97D9-D5F9EB514E4B}"/>
               </a:ext>
             </a:extLst>
           </p:cNvPr>
@@ -9866,8 +9963,8 @@
         </p:nvSpPr>
         <p:spPr>
           <a:xfrm>
-            <a:off x="0" y="1792380"/>
-            <a:ext cx="12192000" cy="3622089"/>
+            <a:off x="0" y="185109"/>
+            <a:ext cx="12192000" cy="795444"/>
           </a:xfrm>
           <a:prstGeom prst="rect">
             <a:avLst/>
@@ -9906,12 +10003,49 @@
           </a:p>
         </p:txBody>
       </p:sp>
+      <p:pic>
+        <p:nvPicPr>
+          <p:cNvPr id="15" name="圖片 14">
+            <a:extLst>
+              <a:ext uri="{FF2B5EF4-FFF2-40B4-BE49-F238E27FC236}">
+                <a16:creationId xmlns:a16="http://schemas.microsoft.com/office/drawing/2014/main" id="{30630B69-A73F-4B69-A5EC-2B9EACDC4089}"/>
+              </a:ext>
+            </a:extLst>
+          </p:cNvPr>
+          <p:cNvPicPr>
+            <a:picLocks noChangeAspect="1"/>
+          </p:cNvPicPr>
+          <p:nvPr/>
+        </p:nvPicPr>
+        <p:blipFill rotWithShape="1">
+          <a:blip r:embed="rId2"/>
+          <a:srcRect t="7490"/>
+          <a:stretch/>
+        </p:blipFill>
+        <p:spPr>
+          <a:xfrm>
+            <a:off x="545237" y="1727821"/>
+            <a:ext cx="10700300" cy="4652766"/>
+          </a:xfrm>
+          <a:prstGeom prst="rect">
+            <a:avLst/>
+          </a:prstGeom>
+          <a:ln w="28575">
+            <a:solidFill>
+              <a:schemeClr val="tx1">
+                <a:lumMod val="65000"/>
+                <a:lumOff val="35000"/>
+              </a:schemeClr>
+            </a:solidFill>
+          </a:ln>
+        </p:spPr>
+      </p:pic>
       <p:sp>
         <p:nvSpPr>
           <p:cNvPr id="2" name="標題 1">
             <a:extLst>
               <a:ext uri="{FF2B5EF4-FFF2-40B4-BE49-F238E27FC236}">
-                <a16:creationId xmlns:a16="http://schemas.microsoft.com/office/drawing/2014/main" id="{F990B1B7-7BEA-4D89-8C4C-C804609765F4}"/>
+                <a16:creationId xmlns:a16="http://schemas.microsoft.com/office/drawing/2014/main" id="{4AA8F85B-7DF4-4A53-80F4-CB1AD4553F05}"/>
               </a:ext>
             </a:extLst>
           </p:cNvPr>
@@ -9919,52 +10053,332 @@
             <a:spLocks noGrp="1"/>
           </p:cNvSpPr>
           <p:nvPr>
-            <p:ph type="ctrTitle"/>
+            <p:ph type="title"/>
           </p:nvPr>
         </p:nvSpPr>
         <p:spPr>
           <a:xfrm>
-            <a:off x="1524000" y="2409624"/>
-            <a:ext cx="9144000" cy="2387600"/>
+            <a:off x="838200" y="-67305"/>
+            <a:ext cx="10515600" cy="1325563"/>
           </a:xfrm>
         </p:spPr>
         <p:txBody>
           <a:bodyPr>
-            <a:normAutofit fontScale="90000"/>
+            <a:normAutofit/>
           </a:bodyPr>
           <a:lstStyle/>
           <a:p>
             <a:r>
-              <a:rPr lang="zh-TW" altLang="en-US" sz="4900" dirty="0">
+              <a:rPr lang="zh-TW" altLang="en-US" sz="4000" dirty="0"/>
+              <a:t>修改商品資訊</a:t>
+            </a:r>
+            <a:r>
+              <a:rPr lang="en-US" altLang="zh-TW" sz="4000" dirty="0"/>
+              <a:t>&amp;</a:t>
+            </a:r>
+            <a:r>
+              <a:rPr lang="zh-TW" altLang="en-US" sz="4000" dirty="0"/>
+              <a:t>庫存管理</a:t>
+            </a:r>
+          </a:p>
+        </p:txBody>
+      </p:sp>
+      <p:sp>
+        <p:nvSpPr>
+          <p:cNvPr id="6" name="文字方塊 5">
+            <a:extLst>
+              <a:ext uri="{FF2B5EF4-FFF2-40B4-BE49-F238E27FC236}">
+                <a16:creationId xmlns:a16="http://schemas.microsoft.com/office/drawing/2014/main" id="{F41F0E0F-8038-4336-91A1-BAB977F2F084}"/>
+              </a:ext>
+            </a:extLst>
+          </p:cNvPr>
+          <p:cNvSpPr txBox="1"/>
+          <p:nvPr/>
+        </p:nvSpPr>
+        <p:spPr>
+          <a:xfrm>
+            <a:off x="2942947" y="1790917"/>
+            <a:ext cx="4554245" cy="1021556"/>
+          </a:xfrm>
+          <a:prstGeom prst="flowChartAlternateProcess">
+            <a:avLst/>
+          </a:prstGeom>
+          <a:solidFill>
+            <a:schemeClr val="accent4">
+              <a:lumMod val="20000"/>
+              <a:lumOff val="80000"/>
+            </a:schemeClr>
+          </a:solidFill>
+          <a:effectLst>
+            <a:outerShdw blurRad="50800" dist="38100" dir="2700000" algn="tl" rotWithShape="0">
+              <a:prstClr val="black">
+                <a:alpha val="40000"/>
+              </a:prstClr>
+            </a:outerShdw>
+          </a:effectLst>
+        </p:spPr>
+        <p:txBody>
+          <a:bodyPr wrap="square" rtlCol="0">
+            <a:spAutoFit/>
+          </a:bodyPr>
+          <a:lstStyle/>
+          <a:p>
+            <a:r>
+              <a:rPr lang="zh-TW" altLang="en-US" dirty="0"/>
+              <a:t>使用</a:t>
+            </a:r>
+            <a:r>
+              <a:rPr lang="en-US" altLang="zh-TW" b="1" dirty="0"/>
+              <a:t>@Transactional</a:t>
+            </a:r>
+            <a:r>
+              <a:rPr lang="zh-TW" altLang="en-US" dirty="0"/>
+              <a:t>以及</a:t>
+            </a:r>
+            <a:r>
+              <a:rPr lang="en-US" altLang="zh-TW" b="1" dirty="0"/>
+              <a:t>Exception</a:t>
+            </a:r>
+            <a:r>
+              <a:rPr lang="zh-TW" altLang="en-US" b="1" dirty="0"/>
+              <a:t>，</a:t>
+            </a:r>
+            <a:endParaRPr lang="en-US" altLang="zh-TW" b="1" dirty="0"/>
+          </a:p>
+          <a:p>
+            <a:r>
+              <a:rPr lang="zh-TW" altLang="en-US" dirty="0"/>
+              <a:t>若更新庫存，</a:t>
+            </a:r>
+            <a:r>
+              <a:rPr lang="zh-TW" altLang="en-US" b="1" dirty="0"/>
+              <a:t>三個平台庫</a:t>
+            </a:r>
+            <a:r>
+              <a:rPr lang="zh-TW" altLang="en-US" dirty="0"/>
+              <a:t>加總</a:t>
+            </a:r>
+            <a:r>
+              <a:rPr lang="zh-TW" altLang="en-US" b="1" dirty="0">
                 <a:solidFill>
-                  <a:schemeClr val="tx1">
-                    <a:lumMod val="65000"/>
-                    <a:lumOff val="35000"/>
-                  </a:schemeClr>
+                  <a:srgbClr val="C00000"/>
                 </a:solidFill>
               </a:rPr>
-              <a:t>系統操作與流程</a:t>
-            </a:r>
-            <a:br>
+              <a:t>大於</a:t>
+            </a:r>
+            <a:r>
+              <a:rPr lang="zh-TW" altLang="en-US" b="1" dirty="0"/>
+              <a:t>總庫存</a:t>
+            </a:r>
+            <a:r>
+              <a:rPr lang="zh-TW" altLang="en-US" dirty="0"/>
+              <a:t>，會拋出例外且</a:t>
+            </a:r>
+            <a:r>
               <a:rPr lang="en-US" altLang="zh-TW" dirty="0"/>
-            </a:br>
+              <a:t>rollback</a:t>
+            </a:r>
             <a:r>
               <a:rPr lang="zh-TW" altLang="en-US" dirty="0"/>
-              <a:t>主管操作畫面</a:t>
-            </a:r>
-            <a:br>
-              <a:rPr lang="zh-TW" altLang="en-US" dirty="0"/>
-            </a:br>
-            <a:endParaRPr lang="zh-TW" altLang="en-US" dirty="0"/>
+              <a:t>整筆修改資訊</a:t>
+            </a:r>
           </a:p>
         </p:txBody>
       </p:sp>
       <p:pic>
         <p:nvPicPr>
-          <p:cNvPr id="6" name="圖片 5">
-            <a:extLst>
-              <a:ext uri="{FF2B5EF4-FFF2-40B4-BE49-F238E27FC236}">
-                <a16:creationId xmlns:a16="http://schemas.microsoft.com/office/drawing/2014/main" id="{B978F19A-6B7A-4DE3-8A2B-8C2077AA522B}"/>
+          <p:cNvPr id="8" name="圖片 7">
+            <a:extLst>
+              <a:ext uri="{FF2B5EF4-FFF2-40B4-BE49-F238E27FC236}">
+                <a16:creationId xmlns:a16="http://schemas.microsoft.com/office/drawing/2014/main" id="{4B394284-65AC-44CF-8100-3339D2C39486}"/>
+              </a:ext>
+            </a:extLst>
+          </p:cNvPr>
+          <p:cNvPicPr>
+            <a:picLocks noChangeAspect="1"/>
+          </p:cNvPicPr>
+          <p:nvPr/>
+        </p:nvPicPr>
+        <p:blipFill rotWithShape="1">
+          <a:blip r:embed="rId3"/>
+          <a:srcRect r="26173"/>
+          <a:stretch/>
+        </p:blipFill>
+        <p:spPr>
+          <a:xfrm>
+            <a:off x="5167744" y="3586043"/>
+            <a:ext cx="6772722" cy="3117369"/>
+          </a:xfrm>
+          <a:prstGeom prst="rect">
+            <a:avLst/>
+          </a:prstGeom>
+          <a:ln w="28575">
+            <a:solidFill>
+              <a:schemeClr val="tx1">
+                <a:lumMod val="50000"/>
+                <a:lumOff val="50000"/>
+              </a:schemeClr>
+            </a:solidFill>
+          </a:ln>
+        </p:spPr>
+      </p:pic>
+      <p:sp>
+        <p:nvSpPr>
+          <p:cNvPr id="9" name="矩形 8">
+            <a:extLst>
+              <a:ext uri="{FF2B5EF4-FFF2-40B4-BE49-F238E27FC236}">
+                <a16:creationId xmlns:a16="http://schemas.microsoft.com/office/drawing/2014/main" id="{D710D1F7-D7C5-4A56-83BC-951685E0C7C5}"/>
+              </a:ext>
+            </a:extLst>
+          </p:cNvPr>
+          <p:cNvSpPr/>
+          <p:nvPr/>
+        </p:nvSpPr>
+        <p:spPr>
+          <a:xfrm>
+            <a:off x="5220070" y="4197050"/>
+            <a:ext cx="772357" cy="2443447"/>
+          </a:xfrm>
+          <a:prstGeom prst="rect">
+            <a:avLst/>
+          </a:prstGeom>
+          <a:noFill/>
+          <a:ln w="38100">
+            <a:solidFill>
+              <a:srgbClr val="4F9D9D"/>
+            </a:solidFill>
+          </a:ln>
+        </p:spPr>
+        <p:style>
+          <a:lnRef idx="2">
+            <a:schemeClr val="accent1">
+              <a:shade val="50000"/>
+            </a:schemeClr>
+          </a:lnRef>
+          <a:fillRef idx="1">
+            <a:schemeClr val="accent1"/>
+          </a:fillRef>
+          <a:effectRef idx="0">
+            <a:schemeClr val="accent1"/>
+          </a:effectRef>
+          <a:fontRef idx="minor">
+            <a:schemeClr val="lt1"/>
+          </a:fontRef>
+        </p:style>
+        <p:txBody>
+          <a:bodyPr rtlCol="0" anchor="ctr"/>
+          <a:lstStyle/>
+          <a:p>
+            <a:pPr algn="ctr"/>
+            <a:endParaRPr lang="zh-TW" altLang="en-US"/>
+          </a:p>
+        </p:txBody>
+      </p:sp>
+      <p:sp>
+        <p:nvSpPr>
+          <p:cNvPr id="10" name="文字方塊 9">
+            <a:extLst>
+              <a:ext uri="{FF2B5EF4-FFF2-40B4-BE49-F238E27FC236}">
+                <a16:creationId xmlns:a16="http://schemas.microsoft.com/office/drawing/2014/main" id="{79E7561E-FAC5-42DB-AED5-A813E6B528ED}"/>
+              </a:ext>
+            </a:extLst>
+          </p:cNvPr>
+          <p:cNvSpPr txBox="1"/>
+          <p:nvPr/>
+        </p:nvSpPr>
+        <p:spPr>
+          <a:xfrm>
+            <a:off x="6368250" y="4414055"/>
+            <a:ext cx="2598196" cy="1021556"/>
+          </a:xfrm>
+          <a:prstGeom prst="flowChartAlternateProcess">
+            <a:avLst/>
+          </a:prstGeom>
+          <a:solidFill>
+            <a:schemeClr val="accent4">
+              <a:lumMod val="20000"/>
+              <a:lumOff val="80000"/>
+            </a:schemeClr>
+          </a:solidFill>
+          <a:effectLst>
+            <a:outerShdw blurRad="50800" dist="38100" dir="2700000" algn="tl" rotWithShape="0">
+              <a:prstClr val="black">
+                <a:alpha val="40000"/>
+              </a:prstClr>
+            </a:outerShdw>
+          </a:effectLst>
+        </p:spPr>
+        <p:txBody>
+          <a:bodyPr wrap="square" rtlCol="0">
+            <a:spAutoFit/>
+          </a:bodyPr>
+          <a:lstStyle/>
+          <a:p>
+            <a:r>
+              <a:rPr lang="zh-TW" altLang="en-US" dirty="0"/>
+              <a:t>修改會帶入舊有資料，若不小心使欄位為空，會跳出提醒</a:t>
+            </a:r>
+          </a:p>
+        </p:txBody>
+      </p:sp>
+      <p:sp>
+        <p:nvSpPr>
+          <p:cNvPr id="11" name="矩形 10">
+            <a:extLst>
+              <a:ext uri="{FF2B5EF4-FFF2-40B4-BE49-F238E27FC236}">
+                <a16:creationId xmlns:a16="http://schemas.microsoft.com/office/drawing/2014/main" id="{51ABC89C-909B-4AAA-B1DF-D03C04C7E865}"/>
+              </a:ext>
+            </a:extLst>
+          </p:cNvPr>
+          <p:cNvSpPr/>
+          <p:nvPr/>
+        </p:nvSpPr>
+        <p:spPr>
+          <a:xfrm>
+            <a:off x="9099610" y="4054204"/>
+            <a:ext cx="1402673" cy="648678"/>
+          </a:xfrm>
+          <a:prstGeom prst="rect">
+            <a:avLst/>
+          </a:prstGeom>
+          <a:noFill/>
+          <a:ln w="38100">
+            <a:solidFill>
+              <a:srgbClr val="4F9D9D"/>
+            </a:solidFill>
+          </a:ln>
+        </p:spPr>
+        <p:style>
+          <a:lnRef idx="2">
+            <a:schemeClr val="accent1">
+              <a:shade val="50000"/>
+            </a:schemeClr>
+          </a:lnRef>
+          <a:fillRef idx="1">
+            <a:schemeClr val="accent1"/>
+          </a:fillRef>
+          <a:effectRef idx="0">
+            <a:schemeClr val="accent1"/>
+          </a:effectRef>
+          <a:fontRef idx="minor">
+            <a:schemeClr val="lt1"/>
+          </a:fontRef>
+        </p:style>
+        <p:txBody>
+          <a:bodyPr rtlCol="0" anchor="ctr"/>
+          <a:lstStyle/>
+          <a:p>
+            <a:pPr algn="ctr"/>
+            <a:endParaRPr lang="zh-TW" altLang="en-US"/>
+          </a:p>
+        </p:txBody>
+      </p:sp>
+      <p:pic>
+        <p:nvPicPr>
+          <p:cNvPr id="18" name="圖片 17">
+            <a:extLst>
+              <a:ext uri="{FF2B5EF4-FFF2-40B4-BE49-F238E27FC236}">
+                <a16:creationId xmlns:a16="http://schemas.microsoft.com/office/drawing/2014/main" id="{AF136C6D-E47D-499C-8D51-5637CB4FF029}"/>
               </a:ext>
             </a:extLst>
           </p:cNvPr>
@@ -9974,15 +10388,15 @@
           <p:nvPr/>
         </p:nvPicPr>
         <p:blipFill>
-          <a:blip r:embed="rId2"/>
+          <a:blip r:embed="rId4"/>
           <a:stretch>
             <a:fillRect/>
           </a:stretch>
         </p:blipFill>
         <p:spPr>
           <a:xfrm>
-            <a:off x="218978" y="-555424"/>
-            <a:ext cx="3127898" cy="3127898"/>
+            <a:off x="112713" y="131541"/>
+            <a:ext cx="867532" cy="867532"/>
           </a:xfrm>
           <a:prstGeom prst="rect">
             <a:avLst/>
@@ -9991,10 +10405,65 @@
       </p:pic>
       <p:sp>
         <p:nvSpPr>
-          <p:cNvPr id="4" name="投影片編號版面配置區 3">
-            <a:extLst>
-              <a:ext uri="{FF2B5EF4-FFF2-40B4-BE49-F238E27FC236}">
-                <a16:creationId xmlns:a16="http://schemas.microsoft.com/office/drawing/2014/main" id="{BFF39CC9-664C-4031-A47A-145388EC96D9}"/>
+          <p:cNvPr id="16" name="文字方塊 15">
+            <a:extLst>
+              <a:ext uri="{FF2B5EF4-FFF2-40B4-BE49-F238E27FC236}">
+                <a16:creationId xmlns:a16="http://schemas.microsoft.com/office/drawing/2014/main" id="{292B0CA5-B832-44D7-9618-79E5CC29FF23}"/>
+              </a:ext>
+            </a:extLst>
+          </p:cNvPr>
+          <p:cNvSpPr txBox="1"/>
+          <p:nvPr/>
+        </p:nvSpPr>
+        <p:spPr>
+          <a:xfrm>
+            <a:off x="9099610" y="769361"/>
+            <a:ext cx="2388095" cy="1021556"/>
+          </a:xfrm>
+          <a:prstGeom prst="flowChartAlternateProcess">
+            <a:avLst/>
+          </a:prstGeom>
+          <a:solidFill>
+            <a:schemeClr val="accent4">
+              <a:lumMod val="20000"/>
+              <a:lumOff val="80000"/>
+            </a:schemeClr>
+          </a:solidFill>
+          <a:effectLst>
+            <a:outerShdw blurRad="50800" dist="38100" dir="2700000" algn="tl" rotWithShape="0">
+              <a:prstClr val="black">
+                <a:alpha val="40000"/>
+              </a:prstClr>
+            </a:outerShdw>
+          </a:effectLst>
+        </p:spPr>
+        <p:txBody>
+          <a:bodyPr wrap="square" rtlCol="0">
+            <a:spAutoFit/>
+          </a:bodyPr>
+          <a:lstStyle/>
+          <a:p>
+            <a:r>
+              <a:rPr lang="zh-TW" altLang="en-US" dirty="0"/>
+              <a:t>修改按鈕放於上方，考量</a:t>
+            </a:r>
+            <a:r>
+              <a:rPr lang="en-US" altLang="zh-TW" dirty="0"/>
+              <a:t>UI/UX</a:t>
+            </a:r>
+            <a:r>
+              <a:rPr lang="zh-TW" altLang="en-US" dirty="0"/>
+              <a:t>設計，讓修改者方便管理庫存</a:t>
+            </a:r>
+          </a:p>
+        </p:txBody>
+      </p:sp>
+      <p:sp>
+        <p:nvSpPr>
+          <p:cNvPr id="20" name="投影片編號版面配置區 19">
+            <a:extLst>
+              <a:ext uri="{FF2B5EF4-FFF2-40B4-BE49-F238E27FC236}">
+                <a16:creationId xmlns:a16="http://schemas.microsoft.com/office/drawing/2014/main" id="{DA6F4D1D-9EDA-408B-ADE7-24A086645880}"/>
               </a:ext>
             </a:extLst>
           </p:cNvPr>
@@ -10029,7 +10498,7 @@
     </p:spTree>
     <p:extLst>
       <p:ext uri="{BB962C8B-B14F-4D97-AF65-F5344CB8AC3E}">
-        <p14:creationId xmlns:p14="http://schemas.microsoft.com/office/powerpoint/2010/main" val="2654521262"/>
+        <p14:creationId xmlns:p14="http://schemas.microsoft.com/office/powerpoint/2010/main" val="3054373591"/>
       </p:ext>
     </p:extLst>
   </p:cSld>
@@ -10275,10 +10744,10 @@
       </p:grpSpPr>
       <p:sp>
         <p:nvSpPr>
-          <p:cNvPr id="11" name="矩形 10">
-            <a:extLst>
-              <a:ext uri="{FF2B5EF4-FFF2-40B4-BE49-F238E27FC236}">
-                <a16:creationId xmlns:a16="http://schemas.microsoft.com/office/drawing/2014/main" id="{40A689AB-425B-4715-AA99-CC61A0ADDE10}"/>
+          <p:cNvPr id="7" name="矩形 6">
+            <a:extLst>
+              <a:ext uri="{FF2B5EF4-FFF2-40B4-BE49-F238E27FC236}">
+                <a16:creationId xmlns:a16="http://schemas.microsoft.com/office/drawing/2014/main" id="{1DC39FB0-1356-4D63-977D-ADF87BEEFFF6}"/>
               </a:ext>
             </a:extLst>
           </p:cNvPr>
@@ -10287,8 +10756,8 @@
         </p:nvSpPr>
         <p:spPr>
           <a:xfrm>
-            <a:off x="0" y="185109"/>
-            <a:ext cx="12192000" cy="795444"/>
+            <a:off x="0" y="1792380"/>
+            <a:ext cx="12192000" cy="3622089"/>
           </a:xfrm>
           <a:prstGeom prst="rect">
             <a:avLst/>
@@ -10332,7 +10801,7 @@
           <p:cNvPr id="2" name="標題 1">
             <a:extLst>
               <a:ext uri="{FF2B5EF4-FFF2-40B4-BE49-F238E27FC236}">
-                <a16:creationId xmlns:a16="http://schemas.microsoft.com/office/drawing/2014/main" id="{104E03C9-7FC0-4F0F-B54A-B9DBA167AF01}"/>
+                <a16:creationId xmlns:a16="http://schemas.microsoft.com/office/drawing/2014/main" id="{F990B1B7-7BEA-4D89-8C4C-C804609765F4}"/>
               </a:ext>
             </a:extLst>
           </p:cNvPr>
@@ -10340,42 +10809,52 @@
             <a:spLocks noGrp="1"/>
           </p:cNvSpPr>
           <p:nvPr>
-            <p:ph type="title"/>
+            <p:ph type="ctrTitle"/>
           </p:nvPr>
         </p:nvSpPr>
         <p:spPr>
           <a:xfrm>
-            <a:off x="838200" y="-35670"/>
-            <a:ext cx="10515600" cy="1325563"/>
+            <a:off x="1524000" y="2409624"/>
+            <a:ext cx="9144000" cy="2387600"/>
           </a:xfrm>
         </p:spPr>
         <p:txBody>
           <a:bodyPr>
-            <a:normAutofit/>
+            <a:normAutofit fontScale="90000"/>
           </a:bodyPr>
           <a:lstStyle/>
           <a:p>
             <a:r>
-              <a:rPr lang="zh-TW" altLang="en-US" sz="4000" dirty="0"/>
-              <a:t>新增員工</a:t>
-            </a:r>
-            <a:r>
-              <a:rPr lang="en-US" altLang="zh-TW" sz="4000" dirty="0"/>
-              <a:t>&amp;</a:t>
-            </a:r>
-            <a:r>
-              <a:rPr lang="zh-TW" altLang="en-US" sz="4000" dirty="0"/>
-              <a:t>員工權限設定</a:t>
-            </a:r>
+              <a:rPr lang="zh-TW" altLang="en-US" sz="4900" dirty="0">
+                <a:solidFill>
+                  <a:schemeClr val="tx1">
+                    <a:lumMod val="65000"/>
+                    <a:lumOff val="35000"/>
+                  </a:schemeClr>
+                </a:solidFill>
+              </a:rPr>
+              <a:t>系統操作與流程</a:t>
+            </a:r>
+            <a:br>
+              <a:rPr lang="en-US" altLang="zh-TW" dirty="0"/>
+            </a:br>
+            <a:r>
+              <a:rPr lang="zh-TW" altLang="en-US" dirty="0"/>
+              <a:t>主管操作畫面</a:t>
+            </a:r>
+            <a:br>
+              <a:rPr lang="zh-TW" altLang="en-US" dirty="0"/>
+            </a:br>
+            <a:endParaRPr lang="zh-TW" altLang="en-US" dirty="0"/>
           </a:p>
         </p:txBody>
       </p:sp>
       <p:pic>
         <p:nvPicPr>
-          <p:cNvPr id="5" name="圖片 4">
-            <a:extLst>
-              <a:ext uri="{FF2B5EF4-FFF2-40B4-BE49-F238E27FC236}">
-                <a16:creationId xmlns:a16="http://schemas.microsoft.com/office/drawing/2014/main" id="{7C59EC91-BE3D-447D-A5B8-44364706BD84}"/>
+          <p:cNvPr id="6" name="圖片 5">
+            <a:extLst>
+              <a:ext uri="{FF2B5EF4-FFF2-40B4-BE49-F238E27FC236}">
+                <a16:creationId xmlns:a16="http://schemas.microsoft.com/office/drawing/2014/main" id="{B978F19A-6B7A-4DE3-8A2B-8C2077AA522B}"/>
               </a:ext>
             </a:extLst>
           </p:cNvPr>
@@ -10392,178 +10871,20 @@
         </p:blipFill>
         <p:spPr>
           <a:xfrm>
-            <a:off x="140311" y="1289893"/>
-            <a:ext cx="6229670" cy="3067208"/>
+            <a:off x="218978" y="-555424"/>
+            <a:ext cx="3127898" cy="3127898"/>
           </a:xfrm>
           <a:prstGeom prst="rect">
             <a:avLst/>
           </a:prstGeom>
         </p:spPr>
       </p:pic>
-      <p:pic>
-        <p:nvPicPr>
-          <p:cNvPr id="7" name="圖片 6">
-            <a:extLst>
-              <a:ext uri="{FF2B5EF4-FFF2-40B4-BE49-F238E27FC236}">
-                <a16:creationId xmlns:a16="http://schemas.microsoft.com/office/drawing/2014/main" id="{4222634C-0383-4747-8146-97C99FC41B65}"/>
-              </a:ext>
-            </a:extLst>
-          </p:cNvPr>
-          <p:cNvPicPr>
-            <a:picLocks noChangeAspect="1"/>
-          </p:cNvPicPr>
-          <p:nvPr/>
-        </p:nvPicPr>
-        <p:blipFill>
-          <a:blip r:embed="rId3"/>
-          <a:stretch>
-            <a:fillRect/>
-          </a:stretch>
-        </p:blipFill>
-        <p:spPr>
-          <a:xfrm>
-            <a:off x="4987518" y="4251498"/>
-            <a:ext cx="6242371" cy="2305168"/>
-          </a:xfrm>
-          <a:prstGeom prst="rect">
-            <a:avLst/>
-          </a:prstGeom>
-        </p:spPr>
-      </p:pic>
-      <p:pic>
-        <p:nvPicPr>
-          <p:cNvPr id="9" name="圖片 8">
-            <a:extLst>
-              <a:ext uri="{FF2B5EF4-FFF2-40B4-BE49-F238E27FC236}">
-                <a16:creationId xmlns:a16="http://schemas.microsoft.com/office/drawing/2014/main" id="{026DDA8E-C24E-4924-82C1-B6DCAFFAD554}"/>
-              </a:ext>
-            </a:extLst>
-          </p:cNvPr>
-          <p:cNvPicPr>
-            <a:picLocks noChangeAspect="1"/>
-          </p:cNvPicPr>
-          <p:nvPr/>
-        </p:nvPicPr>
-        <p:blipFill>
-          <a:blip r:embed="rId4"/>
-          <a:stretch>
-            <a:fillRect/>
-          </a:stretch>
-        </p:blipFill>
-        <p:spPr>
-          <a:xfrm>
-            <a:off x="6495602" y="1417169"/>
-            <a:ext cx="5231799" cy="2812656"/>
-          </a:xfrm>
-          <a:prstGeom prst="rect">
-            <a:avLst/>
-          </a:prstGeom>
-        </p:spPr>
-      </p:pic>
-      <p:sp>
-        <p:nvSpPr>
-          <p:cNvPr id="10" name="文字方塊 9">
-            <a:extLst>
-              <a:ext uri="{FF2B5EF4-FFF2-40B4-BE49-F238E27FC236}">
-                <a16:creationId xmlns:a16="http://schemas.microsoft.com/office/drawing/2014/main" id="{73817372-9320-4F75-95C9-62860881E4C2}"/>
-              </a:ext>
-            </a:extLst>
-          </p:cNvPr>
-          <p:cNvSpPr txBox="1"/>
-          <p:nvPr/>
-        </p:nvSpPr>
-        <p:spPr>
-          <a:xfrm>
-            <a:off x="1462467" y="4546551"/>
-            <a:ext cx="2923102" cy="1328023"/>
-          </a:xfrm>
-          <a:prstGeom prst="flowChartAlternateProcess">
-            <a:avLst/>
-          </a:prstGeom>
-          <a:solidFill>
-            <a:schemeClr val="accent4">
-              <a:lumMod val="20000"/>
-              <a:lumOff val="80000"/>
-            </a:schemeClr>
-          </a:solidFill>
-          <a:effectLst>
-            <a:outerShdw blurRad="50800" dist="38100" dir="2700000" algn="tl" rotWithShape="0">
-              <a:prstClr val="black">
-                <a:alpha val="40000"/>
-              </a:prstClr>
-            </a:outerShdw>
-          </a:effectLst>
-        </p:spPr>
-        <p:txBody>
-          <a:bodyPr wrap="square" rtlCol="0">
-            <a:spAutoFit/>
-          </a:bodyPr>
-          <a:lstStyle/>
-          <a:p>
-            <a:r>
-              <a:rPr lang="zh-TW" altLang="en-US" dirty="0"/>
-              <a:t>主管可根據不同的員工職能，給予不同的權限，使用</a:t>
-            </a:r>
-            <a:r>
-              <a:rPr lang="en-US" altLang="zh-TW" b="0" i="0" dirty="0">
-                <a:solidFill>
-                  <a:srgbClr val="374151"/>
-                </a:solidFill>
-                <a:effectLst/>
-                <a:latin typeface="Söhne"/>
-              </a:rPr>
-              <a:t>Interceptors</a:t>
-            </a:r>
-            <a:r>
-              <a:rPr lang="zh-TW" altLang="en-US" b="0" i="0" dirty="0">
-                <a:solidFill>
-                  <a:srgbClr val="374151"/>
-                </a:solidFill>
-                <a:effectLst/>
-                <a:latin typeface="Söhne"/>
-              </a:rPr>
-              <a:t>，使各員工看到不同的畫面</a:t>
-            </a:r>
-            <a:endParaRPr lang="zh-TW" altLang="en-US" dirty="0"/>
-          </a:p>
-        </p:txBody>
-      </p:sp>
-      <p:pic>
-        <p:nvPicPr>
-          <p:cNvPr id="12" name="圖片 11">
-            <a:extLst>
-              <a:ext uri="{FF2B5EF4-FFF2-40B4-BE49-F238E27FC236}">
-                <a16:creationId xmlns:a16="http://schemas.microsoft.com/office/drawing/2014/main" id="{8278C327-A5D7-449E-B17E-CEF35DC72D95}"/>
-              </a:ext>
-            </a:extLst>
-          </p:cNvPr>
-          <p:cNvPicPr>
-            <a:picLocks noChangeAspect="1"/>
-          </p:cNvPicPr>
-          <p:nvPr/>
-        </p:nvPicPr>
-        <p:blipFill>
-          <a:blip r:embed="rId5"/>
-          <a:stretch>
-            <a:fillRect/>
-          </a:stretch>
-        </p:blipFill>
-        <p:spPr>
-          <a:xfrm>
-            <a:off x="112713" y="131541"/>
-            <a:ext cx="867532" cy="867532"/>
-          </a:xfrm>
-          <a:prstGeom prst="rect">
-            <a:avLst/>
-          </a:prstGeom>
-        </p:spPr>
-      </p:pic>
-      <p:sp>
-        <p:nvSpPr>
-          <p:cNvPr id="14" name="投影片編號版面配置區 13">
-            <a:extLst>
-              <a:ext uri="{FF2B5EF4-FFF2-40B4-BE49-F238E27FC236}">
-                <a16:creationId xmlns:a16="http://schemas.microsoft.com/office/drawing/2014/main" id="{4E3404DB-17D8-456B-9A84-B295A407C6F2}"/>
+      <p:sp>
+        <p:nvSpPr>
+          <p:cNvPr id="4" name="投影片編號版面配置區 3">
+            <a:extLst>
+              <a:ext uri="{FF2B5EF4-FFF2-40B4-BE49-F238E27FC236}">
+                <a16:creationId xmlns:a16="http://schemas.microsoft.com/office/drawing/2014/main" id="{BFF39CC9-664C-4031-A47A-145388EC96D9}"/>
               </a:ext>
             </a:extLst>
           </p:cNvPr>
@@ -10574,12 +10895,7 @@
             <p:ph type="sldNum" sz="quarter" idx="12"/>
           </p:nvPr>
         </p:nvSpPr>
-        <p:spPr>
-          <a:xfrm>
-            <a:off x="8885808" y="6307766"/>
-            <a:ext cx="2743200" cy="365125"/>
-          </a:xfrm>
-        </p:spPr>
+        <p:spPr/>
         <p:txBody>
           <a:bodyPr/>
           <a:lstStyle/>
@@ -10603,7 +10919,7 @@
     </p:spTree>
     <p:extLst>
       <p:ext uri="{BB962C8B-B14F-4D97-AF65-F5344CB8AC3E}">
-        <p14:creationId xmlns:p14="http://schemas.microsoft.com/office/powerpoint/2010/main" val="2587918869"/>
+        <p14:creationId xmlns:p14="http://schemas.microsoft.com/office/powerpoint/2010/main" val="2654521262"/>
       </p:ext>
     </p:extLst>
   </p:cSld>
@@ -10632,10 +10948,10 @@
       </p:grpSpPr>
       <p:sp>
         <p:nvSpPr>
-          <p:cNvPr id="7" name="矩形 6">
-            <a:extLst>
-              <a:ext uri="{FF2B5EF4-FFF2-40B4-BE49-F238E27FC236}">
-                <a16:creationId xmlns:a16="http://schemas.microsoft.com/office/drawing/2014/main" id="{1DC39FB0-1356-4D63-977D-ADF87BEEFFF6}"/>
+          <p:cNvPr id="11" name="矩形 10">
+            <a:extLst>
+              <a:ext uri="{FF2B5EF4-FFF2-40B4-BE49-F238E27FC236}">
+                <a16:creationId xmlns:a16="http://schemas.microsoft.com/office/drawing/2014/main" id="{40A689AB-425B-4715-AA99-CC61A0ADDE10}"/>
               </a:ext>
             </a:extLst>
           </p:cNvPr>
@@ -10644,8 +10960,8 @@
         </p:nvSpPr>
         <p:spPr>
           <a:xfrm>
-            <a:off x="0" y="1792380"/>
-            <a:ext cx="12192000" cy="3622089"/>
+            <a:off x="0" y="185109"/>
+            <a:ext cx="12192000" cy="795444"/>
           </a:xfrm>
           <a:prstGeom prst="rect">
             <a:avLst/>
@@ -10689,7 +11005,7 @@
           <p:cNvPr id="2" name="標題 1">
             <a:extLst>
               <a:ext uri="{FF2B5EF4-FFF2-40B4-BE49-F238E27FC236}">
-                <a16:creationId xmlns:a16="http://schemas.microsoft.com/office/drawing/2014/main" id="{F990B1B7-7BEA-4D89-8C4C-C804609765F4}"/>
+                <a16:creationId xmlns:a16="http://schemas.microsoft.com/office/drawing/2014/main" id="{104E03C9-7FC0-4F0F-B54A-B9DBA167AF01}"/>
               </a:ext>
             </a:extLst>
           </p:cNvPr>
@@ -10697,13 +11013,13 @@
             <a:spLocks noGrp="1"/>
           </p:cNvSpPr>
           <p:nvPr>
-            <p:ph type="ctrTitle"/>
+            <p:ph type="title"/>
           </p:nvPr>
         </p:nvSpPr>
         <p:spPr>
           <a:xfrm>
-            <a:off x="1524000" y="2409624"/>
-            <a:ext cx="9144000" cy="2387600"/>
+            <a:off x="838200" y="-35670"/>
+            <a:ext cx="10515600" cy="1325563"/>
           </a:xfrm>
         </p:spPr>
         <p:txBody>
@@ -10713,22 +11029,26 @@
           <a:lstStyle/>
           <a:p>
             <a:r>
-              <a:rPr lang="en-US" altLang="zh-TW" dirty="0"/>
-              <a:t>Demo</a:t>
-            </a:r>
-            <a:br>
-              <a:rPr lang="zh-TW" altLang="en-US" dirty="0"/>
-            </a:br>
-            <a:endParaRPr lang="zh-TW" altLang="en-US" dirty="0"/>
+              <a:rPr lang="zh-TW" altLang="en-US" sz="4000" dirty="0"/>
+              <a:t>新增員工</a:t>
+            </a:r>
+            <a:r>
+              <a:rPr lang="en-US" altLang="zh-TW" sz="4000" dirty="0"/>
+              <a:t>&amp;</a:t>
+            </a:r>
+            <a:r>
+              <a:rPr lang="zh-TW" altLang="en-US" sz="4000" dirty="0"/>
+              <a:t>員工權限設定</a:t>
+            </a:r>
           </a:p>
         </p:txBody>
       </p:sp>
       <p:pic>
         <p:nvPicPr>
-          <p:cNvPr id="4" name="圖片 3">
-            <a:extLst>
-              <a:ext uri="{FF2B5EF4-FFF2-40B4-BE49-F238E27FC236}">
-                <a16:creationId xmlns:a16="http://schemas.microsoft.com/office/drawing/2014/main" id="{DA272B98-0D14-41C9-9DDE-3CB08DBA8460}"/>
+          <p:cNvPr id="5" name="圖片 4">
+            <a:extLst>
+              <a:ext uri="{FF2B5EF4-FFF2-40B4-BE49-F238E27FC236}">
+                <a16:creationId xmlns:a16="http://schemas.microsoft.com/office/drawing/2014/main" id="{7C59EC91-BE3D-447D-A5B8-44364706BD84}"/>
               </a:ext>
             </a:extLst>
           </p:cNvPr>
@@ -10745,20 +11065,178 @@
         </p:blipFill>
         <p:spPr>
           <a:xfrm>
-            <a:off x="630315" y="351407"/>
-            <a:ext cx="2516080" cy="2516080"/>
+            <a:off x="140311" y="1289893"/>
+            <a:ext cx="6229670" cy="3067208"/>
           </a:xfrm>
           <a:prstGeom prst="rect">
             <a:avLst/>
           </a:prstGeom>
         </p:spPr>
       </p:pic>
-      <p:sp>
-        <p:nvSpPr>
-          <p:cNvPr id="10" name="投影片編號版面配置區 9">
-            <a:extLst>
-              <a:ext uri="{FF2B5EF4-FFF2-40B4-BE49-F238E27FC236}">
-                <a16:creationId xmlns:a16="http://schemas.microsoft.com/office/drawing/2014/main" id="{F959976C-E183-4C98-BE22-B3502A94B58F}"/>
+      <p:pic>
+        <p:nvPicPr>
+          <p:cNvPr id="7" name="圖片 6">
+            <a:extLst>
+              <a:ext uri="{FF2B5EF4-FFF2-40B4-BE49-F238E27FC236}">
+                <a16:creationId xmlns:a16="http://schemas.microsoft.com/office/drawing/2014/main" id="{4222634C-0383-4747-8146-97C99FC41B65}"/>
+              </a:ext>
+            </a:extLst>
+          </p:cNvPr>
+          <p:cNvPicPr>
+            <a:picLocks noChangeAspect="1"/>
+          </p:cNvPicPr>
+          <p:nvPr/>
+        </p:nvPicPr>
+        <p:blipFill>
+          <a:blip r:embed="rId3"/>
+          <a:stretch>
+            <a:fillRect/>
+          </a:stretch>
+        </p:blipFill>
+        <p:spPr>
+          <a:xfrm>
+            <a:off x="4987518" y="4251498"/>
+            <a:ext cx="6242371" cy="2305168"/>
+          </a:xfrm>
+          <a:prstGeom prst="rect">
+            <a:avLst/>
+          </a:prstGeom>
+        </p:spPr>
+      </p:pic>
+      <p:pic>
+        <p:nvPicPr>
+          <p:cNvPr id="9" name="圖片 8">
+            <a:extLst>
+              <a:ext uri="{FF2B5EF4-FFF2-40B4-BE49-F238E27FC236}">
+                <a16:creationId xmlns:a16="http://schemas.microsoft.com/office/drawing/2014/main" id="{026DDA8E-C24E-4924-82C1-B6DCAFFAD554}"/>
+              </a:ext>
+            </a:extLst>
+          </p:cNvPr>
+          <p:cNvPicPr>
+            <a:picLocks noChangeAspect="1"/>
+          </p:cNvPicPr>
+          <p:nvPr/>
+        </p:nvPicPr>
+        <p:blipFill>
+          <a:blip r:embed="rId4"/>
+          <a:stretch>
+            <a:fillRect/>
+          </a:stretch>
+        </p:blipFill>
+        <p:spPr>
+          <a:xfrm>
+            <a:off x="6495602" y="1417169"/>
+            <a:ext cx="5231799" cy="2812656"/>
+          </a:xfrm>
+          <a:prstGeom prst="rect">
+            <a:avLst/>
+          </a:prstGeom>
+        </p:spPr>
+      </p:pic>
+      <p:sp>
+        <p:nvSpPr>
+          <p:cNvPr id="10" name="文字方塊 9">
+            <a:extLst>
+              <a:ext uri="{FF2B5EF4-FFF2-40B4-BE49-F238E27FC236}">
+                <a16:creationId xmlns:a16="http://schemas.microsoft.com/office/drawing/2014/main" id="{73817372-9320-4F75-95C9-62860881E4C2}"/>
+              </a:ext>
+            </a:extLst>
+          </p:cNvPr>
+          <p:cNvSpPr txBox="1"/>
+          <p:nvPr/>
+        </p:nvSpPr>
+        <p:spPr>
+          <a:xfrm>
+            <a:off x="1462467" y="4546551"/>
+            <a:ext cx="2923102" cy="1328023"/>
+          </a:xfrm>
+          <a:prstGeom prst="flowChartAlternateProcess">
+            <a:avLst/>
+          </a:prstGeom>
+          <a:solidFill>
+            <a:schemeClr val="accent4">
+              <a:lumMod val="20000"/>
+              <a:lumOff val="80000"/>
+            </a:schemeClr>
+          </a:solidFill>
+          <a:effectLst>
+            <a:outerShdw blurRad="50800" dist="38100" dir="2700000" algn="tl" rotWithShape="0">
+              <a:prstClr val="black">
+                <a:alpha val="40000"/>
+              </a:prstClr>
+            </a:outerShdw>
+          </a:effectLst>
+        </p:spPr>
+        <p:txBody>
+          <a:bodyPr wrap="square" rtlCol="0">
+            <a:spAutoFit/>
+          </a:bodyPr>
+          <a:lstStyle/>
+          <a:p>
+            <a:r>
+              <a:rPr lang="zh-TW" altLang="en-US" dirty="0"/>
+              <a:t>主管可根據不同的員工職能，給予不同的權限，使用</a:t>
+            </a:r>
+            <a:r>
+              <a:rPr lang="en-US" altLang="zh-TW" b="0" i="0" dirty="0">
+                <a:solidFill>
+                  <a:srgbClr val="374151"/>
+                </a:solidFill>
+                <a:effectLst/>
+                <a:latin typeface="Söhne"/>
+              </a:rPr>
+              <a:t>Interceptors</a:t>
+            </a:r>
+            <a:r>
+              <a:rPr lang="zh-TW" altLang="en-US" b="0" i="0" dirty="0">
+                <a:solidFill>
+                  <a:srgbClr val="374151"/>
+                </a:solidFill>
+                <a:effectLst/>
+                <a:latin typeface="Söhne"/>
+              </a:rPr>
+              <a:t>，使各員工看到不同的畫面</a:t>
+            </a:r>
+            <a:endParaRPr lang="zh-TW" altLang="en-US" dirty="0"/>
+          </a:p>
+        </p:txBody>
+      </p:sp>
+      <p:pic>
+        <p:nvPicPr>
+          <p:cNvPr id="12" name="圖片 11">
+            <a:extLst>
+              <a:ext uri="{FF2B5EF4-FFF2-40B4-BE49-F238E27FC236}">
+                <a16:creationId xmlns:a16="http://schemas.microsoft.com/office/drawing/2014/main" id="{8278C327-A5D7-449E-B17E-CEF35DC72D95}"/>
+              </a:ext>
+            </a:extLst>
+          </p:cNvPr>
+          <p:cNvPicPr>
+            <a:picLocks noChangeAspect="1"/>
+          </p:cNvPicPr>
+          <p:nvPr/>
+        </p:nvPicPr>
+        <p:blipFill>
+          <a:blip r:embed="rId5"/>
+          <a:stretch>
+            <a:fillRect/>
+          </a:stretch>
+        </p:blipFill>
+        <p:spPr>
+          <a:xfrm>
+            <a:off x="112713" y="131541"/>
+            <a:ext cx="867532" cy="867532"/>
+          </a:xfrm>
+          <a:prstGeom prst="rect">
+            <a:avLst/>
+          </a:prstGeom>
+        </p:spPr>
+      </p:pic>
+      <p:sp>
+        <p:nvSpPr>
+          <p:cNvPr id="14" name="投影片編號版面配置區 13">
+            <a:extLst>
+              <a:ext uri="{FF2B5EF4-FFF2-40B4-BE49-F238E27FC236}">
+                <a16:creationId xmlns:a16="http://schemas.microsoft.com/office/drawing/2014/main" id="{4E3404DB-17D8-456B-9A84-B295A407C6F2}"/>
               </a:ext>
             </a:extLst>
           </p:cNvPr>
@@ -10769,7 +11247,12 @@
             <p:ph type="sldNum" sz="quarter" idx="12"/>
           </p:nvPr>
         </p:nvSpPr>
-        <p:spPr/>
+        <p:spPr>
+          <a:xfrm>
+            <a:off x="8885808" y="6307766"/>
+            <a:ext cx="2743200" cy="365125"/>
+          </a:xfrm>
+        </p:spPr>
         <p:txBody>
           <a:bodyPr/>
           <a:lstStyle/>
@@ -10793,6 +11276,196 @@
     </p:spTree>
     <p:extLst>
       <p:ext uri="{BB962C8B-B14F-4D97-AF65-F5344CB8AC3E}">
+        <p14:creationId xmlns:p14="http://schemas.microsoft.com/office/powerpoint/2010/main" val="2587918869"/>
+      </p:ext>
+    </p:extLst>
+  </p:cSld>
+  <p:clrMapOvr>
+    <a:masterClrMapping/>
+  </p:clrMapOvr>
+</p:sld>
+</file>
+
+<file path=ppt/slides/slide22.xml><?xml version="1.0" encoding="utf-8"?>
+<p:sld xmlns:a="http://schemas.openxmlformats.org/drawingml/2006/main" xmlns:r="http://schemas.openxmlformats.org/officeDocument/2006/relationships" xmlns:p="http://schemas.openxmlformats.org/presentationml/2006/main">
+  <p:cSld>
+    <p:spTree>
+      <p:nvGrpSpPr>
+        <p:cNvPr id="1" name=""/>
+        <p:cNvGrpSpPr/>
+        <p:nvPr/>
+      </p:nvGrpSpPr>
+      <p:grpSpPr>
+        <a:xfrm>
+          <a:off x="0" y="0"/>
+          <a:ext cx="0" cy="0"/>
+          <a:chOff x="0" y="0"/>
+          <a:chExt cx="0" cy="0"/>
+        </a:xfrm>
+      </p:grpSpPr>
+      <p:sp>
+        <p:nvSpPr>
+          <p:cNvPr id="7" name="矩形 6">
+            <a:extLst>
+              <a:ext uri="{FF2B5EF4-FFF2-40B4-BE49-F238E27FC236}">
+                <a16:creationId xmlns:a16="http://schemas.microsoft.com/office/drawing/2014/main" id="{1DC39FB0-1356-4D63-977D-ADF87BEEFFF6}"/>
+              </a:ext>
+            </a:extLst>
+          </p:cNvPr>
+          <p:cNvSpPr/>
+          <p:nvPr/>
+        </p:nvSpPr>
+        <p:spPr>
+          <a:xfrm>
+            <a:off x="0" y="1792380"/>
+            <a:ext cx="12192000" cy="3622089"/>
+          </a:xfrm>
+          <a:prstGeom prst="rect">
+            <a:avLst/>
+          </a:prstGeom>
+          <a:solidFill>
+            <a:srgbClr val="4F9D9D">
+              <a:alpha val="18824"/>
+            </a:srgbClr>
+          </a:solidFill>
+          <a:ln>
+            <a:noFill/>
+          </a:ln>
+        </p:spPr>
+        <p:style>
+          <a:lnRef idx="2">
+            <a:schemeClr val="accent1">
+              <a:shade val="50000"/>
+            </a:schemeClr>
+          </a:lnRef>
+          <a:fillRef idx="1">
+            <a:schemeClr val="accent1"/>
+          </a:fillRef>
+          <a:effectRef idx="0">
+            <a:schemeClr val="accent1"/>
+          </a:effectRef>
+          <a:fontRef idx="minor">
+            <a:schemeClr val="lt1"/>
+          </a:fontRef>
+        </p:style>
+        <p:txBody>
+          <a:bodyPr rtlCol="0" anchor="ctr"/>
+          <a:lstStyle/>
+          <a:p>
+            <a:pPr algn="ctr"/>
+            <a:endParaRPr lang="zh-TW" altLang="en-US" dirty="0"/>
+          </a:p>
+        </p:txBody>
+      </p:sp>
+      <p:sp>
+        <p:nvSpPr>
+          <p:cNvPr id="2" name="標題 1">
+            <a:extLst>
+              <a:ext uri="{FF2B5EF4-FFF2-40B4-BE49-F238E27FC236}">
+                <a16:creationId xmlns:a16="http://schemas.microsoft.com/office/drawing/2014/main" id="{F990B1B7-7BEA-4D89-8C4C-C804609765F4}"/>
+              </a:ext>
+            </a:extLst>
+          </p:cNvPr>
+          <p:cNvSpPr>
+            <a:spLocks noGrp="1"/>
+          </p:cNvSpPr>
+          <p:nvPr>
+            <p:ph type="ctrTitle"/>
+          </p:nvPr>
+        </p:nvSpPr>
+        <p:spPr>
+          <a:xfrm>
+            <a:off x="1524000" y="2409624"/>
+            <a:ext cx="9144000" cy="2387600"/>
+          </a:xfrm>
+        </p:spPr>
+        <p:txBody>
+          <a:bodyPr>
+            <a:normAutofit/>
+          </a:bodyPr>
+          <a:lstStyle/>
+          <a:p>
+            <a:r>
+              <a:rPr lang="en-US" altLang="zh-TW" dirty="0"/>
+              <a:t>Demo</a:t>
+            </a:r>
+            <a:br>
+              <a:rPr lang="zh-TW" altLang="en-US" dirty="0"/>
+            </a:br>
+            <a:endParaRPr lang="zh-TW" altLang="en-US" dirty="0"/>
+          </a:p>
+        </p:txBody>
+      </p:sp>
+      <p:pic>
+        <p:nvPicPr>
+          <p:cNvPr id="4" name="圖片 3">
+            <a:extLst>
+              <a:ext uri="{FF2B5EF4-FFF2-40B4-BE49-F238E27FC236}">
+                <a16:creationId xmlns:a16="http://schemas.microsoft.com/office/drawing/2014/main" id="{DA272B98-0D14-41C9-9DDE-3CB08DBA8460}"/>
+              </a:ext>
+            </a:extLst>
+          </p:cNvPr>
+          <p:cNvPicPr>
+            <a:picLocks noChangeAspect="1"/>
+          </p:cNvPicPr>
+          <p:nvPr/>
+        </p:nvPicPr>
+        <p:blipFill>
+          <a:blip r:embed="rId2"/>
+          <a:stretch>
+            <a:fillRect/>
+          </a:stretch>
+        </p:blipFill>
+        <p:spPr>
+          <a:xfrm>
+            <a:off x="630315" y="351407"/>
+            <a:ext cx="2516080" cy="2516080"/>
+          </a:xfrm>
+          <a:prstGeom prst="rect">
+            <a:avLst/>
+          </a:prstGeom>
+        </p:spPr>
+      </p:pic>
+      <p:sp>
+        <p:nvSpPr>
+          <p:cNvPr id="10" name="投影片編號版面配置區 9">
+            <a:extLst>
+              <a:ext uri="{FF2B5EF4-FFF2-40B4-BE49-F238E27FC236}">
+                <a16:creationId xmlns:a16="http://schemas.microsoft.com/office/drawing/2014/main" id="{F959976C-E183-4C98-BE22-B3502A94B58F}"/>
+              </a:ext>
+            </a:extLst>
+          </p:cNvPr>
+          <p:cNvSpPr>
+            <a:spLocks noGrp="1"/>
+          </p:cNvSpPr>
+          <p:nvPr>
+            <p:ph type="sldNum" sz="quarter" idx="12"/>
+          </p:nvPr>
+        </p:nvSpPr>
+        <p:spPr/>
+        <p:txBody>
+          <a:bodyPr/>
+          <a:lstStyle/>
+          <a:p>
+            <a:fld id="{F759FE07-7FB9-4113-8AB6-9F47A342824F}" type="slidenum">
+              <a:rPr lang="zh-TW" altLang="en-US" sz="2000" b="1" smtClean="0">
+                <a:solidFill>
+                  <a:srgbClr val="639B9C"/>
+                </a:solidFill>
+              </a:rPr>
+              <a:t>22</a:t>
+            </a:fld>
+            <a:endParaRPr lang="zh-TW" altLang="en-US" b="1" dirty="0">
+              <a:solidFill>
+                <a:srgbClr val="639B9C"/>
+              </a:solidFill>
+            </a:endParaRPr>
+          </a:p>
+        </p:txBody>
+      </p:sp>
+    </p:spTree>
+    <p:extLst>
+      <p:ext uri="{BB962C8B-B14F-4D97-AF65-F5344CB8AC3E}">
         <p14:creationId xmlns:p14="http://schemas.microsoft.com/office/powerpoint/2010/main" val="2321987114"/>
       </p:ext>
     </p:extLst>
@@ -10803,7 +11476,7 @@
 </p:sld>
 </file>
 
-<file path=ppt/slides/slide22.xml><?xml version="1.0" encoding="utf-8"?>
+<file path=ppt/slides/slide23.xml><?xml version="1.0" encoding="utf-8"?>
 <p:sld xmlns:a="http://schemas.openxmlformats.org/drawingml/2006/main" xmlns:r="http://schemas.openxmlformats.org/officeDocument/2006/relationships" xmlns:p="http://schemas.openxmlformats.org/presentationml/2006/main">
   <p:cSld>
     <p:spTree>
@@ -14599,276 +15272,31 @@
       </p:grpSpPr>
       <p:sp>
         <p:nvSpPr>
-          <p:cNvPr id="2" name="標題 1">
-            <a:extLst>
-              <a:ext uri="{FF2B5EF4-FFF2-40B4-BE49-F238E27FC236}">
-                <a16:creationId xmlns:a16="http://schemas.microsoft.com/office/drawing/2014/main" id="{CD2CC4EB-D7D6-4EE4-A5EC-8F507239E68B}"/>
-              </a:ext>
-            </a:extLst>
-          </p:cNvPr>
-          <p:cNvSpPr>
-            <a:spLocks noGrp="1"/>
-          </p:cNvSpPr>
-          <p:nvPr>
-            <p:ph type="title"/>
-          </p:nvPr>
-        </p:nvSpPr>
-        <p:spPr>
-          <a:xfrm>
-            <a:off x="909222" y="-79951"/>
-            <a:ext cx="10515600" cy="1325563"/>
-          </a:xfrm>
-        </p:spPr>
-        <p:txBody>
-          <a:bodyPr>
-            <a:normAutofit/>
-          </a:bodyPr>
-          <a:lstStyle/>
-          <a:p>
-            <a:r>
-              <a:rPr lang="zh-TW" altLang="en-US" sz="4000" dirty="0">
-                <a:latin typeface="微軟正黑體" panose="020B0604030504040204" pitchFamily="34" charset="-120"/>
-                <a:ea typeface="微軟正黑體" panose="020B0604030504040204" pitchFamily="34" charset="-120"/>
-              </a:rPr>
-              <a:t>登入</a:t>
-            </a:r>
-          </a:p>
-        </p:txBody>
-      </p:sp>
-      <p:pic>
-        <p:nvPicPr>
-          <p:cNvPr id="9" name="內容版面配置區 8">
-            <a:extLst>
-              <a:ext uri="{FF2B5EF4-FFF2-40B4-BE49-F238E27FC236}">
-                <a16:creationId xmlns:a16="http://schemas.microsoft.com/office/drawing/2014/main" id="{7E398403-28C8-44B5-A269-46AE76EBE73C}"/>
-              </a:ext>
-            </a:extLst>
-          </p:cNvPr>
-          <p:cNvPicPr>
-            <a:picLocks noGrp="1" noChangeAspect="1"/>
-          </p:cNvPicPr>
-          <p:nvPr>
-            <p:ph idx="1"/>
-          </p:nvPr>
-        </p:nvPicPr>
-        <p:blipFill>
-          <a:blip r:embed="rId2"/>
-          <a:stretch>
-            <a:fillRect/>
-          </a:stretch>
-        </p:blipFill>
-        <p:spPr>
-          <a:xfrm>
-            <a:off x="1444911" y="1406603"/>
-            <a:ext cx="5052409" cy="4720272"/>
-          </a:xfrm>
-        </p:spPr>
-      </p:pic>
-      <p:sp>
-        <p:nvSpPr>
-          <p:cNvPr id="10" name="文字方塊 9">
-            <a:extLst>
-              <a:ext uri="{FF2B5EF4-FFF2-40B4-BE49-F238E27FC236}">
-                <a16:creationId xmlns:a16="http://schemas.microsoft.com/office/drawing/2014/main" id="{2F49DDB8-E990-46B2-BFA8-A498B7E56C7D}"/>
-              </a:ext>
-            </a:extLst>
-          </p:cNvPr>
-          <p:cNvSpPr txBox="1"/>
+          <p:cNvPr id="7" name="矩形 6">
+            <a:extLst>
+              <a:ext uri="{FF2B5EF4-FFF2-40B4-BE49-F238E27FC236}">
+                <a16:creationId xmlns:a16="http://schemas.microsoft.com/office/drawing/2014/main" id="{1DC39FB0-1356-4D63-977D-ADF87BEEFFF6}"/>
+              </a:ext>
+            </a:extLst>
+          </p:cNvPr>
+          <p:cNvSpPr/>
           <p:nvPr/>
         </p:nvSpPr>
         <p:spPr>
           <a:xfrm>
-            <a:off x="5588448" y="5164154"/>
-            <a:ext cx="2730125" cy="1123712"/>
-          </a:xfrm>
-          <a:prstGeom prst="flowChartAlternateProcess">
+            <a:off x="0" y="1792380"/>
+            <a:ext cx="12192000" cy="3622089"/>
+          </a:xfrm>
+          <a:prstGeom prst="rect">
             <a:avLst/>
           </a:prstGeom>
           <a:solidFill>
-            <a:schemeClr val="accent4">
-              <a:lumMod val="20000"/>
-              <a:lumOff val="80000"/>
-            </a:schemeClr>
+            <a:srgbClr val="4F9D9D">
+              <a:alpha val="18824"/>
+            </a:srgbClr>
           </a:solidFill>
-          <a:effectLst>
-            <a:outerShdw blurRad="50800" dist="38100" dir="2700000" algn="tl" rotWithShape="0">
-              <a:prstClr val="black">
-                <a:alpha val="40000"/>
-              </a:prstClr>
-            </a:outerShdw>
-          </a:effectLst>
-        </p:spPr>
-        <p:txBody>
-          <a:bodyPr wrap="square" rtlCol="0">
-            <a:spAutoFit/>
-          </a:bodyPr>
-          <a:lstStyle/>
-          <a:p>
-            <a:r>
-              <a:rPr lang="zh-TW" altLang="en-US" sz="2400" b="1" i="0" dirty="0">
-                <a:solidFill>
-                  <a:srgbClr val="1F1F1F"/>
-                </a:solidFill>
-                <a:effectLst/>
-                <a:latin typeface="Google Sans"/>
-              </a:rPr>
-              <a:t> </a:t>
-            </a:r>
-            <a:r>
-              <a:rPr lang="en-US" altLang="zh-TW" sz="2000" b="1" i="0" dirty="0">
-                <a:solidFill>
-                  <a:srgbClr val="1F1F1F"/>
-                </a:solidFill>
-                <a:effectLst/>
-                <a:latin typeface="Google Sans"/>
-              </a:rPr>
-              <a:t>Captcha</a:t>
-            </a:r>
-            <a:r>
-              <a:rPr lang="zh-TW" altLang="en-US" sz="2000" b="1" i="0" dirty="0">
-                <a:solidFill>
-                  <a:srgbClr val="1F1F1F"/>
-                </a:solidFill>
-                <a:effectLst/>
-                <a:latin typeface="Google Sans"/>
-              </a:rPr>
-              <a:t>驗證</a:t>
-            </a:r>
-            <a:endParaRPr lang="en-US" altLang="zh-TW" sz="2000" b="1" i="0" dirty="0">
-              <a:solidFill>
-                <a:srgbClr val="1F1F1F"/>
-              </a:solidFill>
-              <a:effectLst/>
-              <a:latin typeface="Google Sans"/>
-            </a:endParaRPr>
-          </a:p>
-          <a:p>
-            <a:r>
-              <a:rPr lang="zh-TW" altLang="en-US" b="0" i="0" dirty="0">
-                <a:solidFill>
-                  <a:srgbClr val="1F1F1F"/>
-                </a:solidFill>
-                <a:effectLst/>
-                <a:latin typeface="Google Sans"/>
-              </a:rPr>
-              <a:t>隨機的驗證碼生成，增加員工登入的安全性</a:t>
-            </a:r>
-            <a:endParaRPr lang="en-US" altLang="zh-TW" b="0" i="0" dirty="0">
-              <a:solidFill>
-                <a:srgbClr val="1F1F1F"/>
-              </a:solidFill>
-              <a:effectLst/>
-              <a:latin typeface="Google Sans"/>
-            </a:endParaRPr>
-          </a:p>
-        </p:txBody>
-      </p:sp>
-      <p:sp>
-        <p:nvSpPr>
-          <p:cNvPr id="12" name="文字方塊 11">
-            <a:extLst>
-              <a:ext uri="{FF2B5EF4-FFF2-40B4-BE49-F238E27FC236}">
-                <a16:creationId xmlns:a16="http://schemas.microsoft.com/office/drawing/2014/main" id="{B80A457F-F778-457B-AC4F-1B9135E4F07A}"/>
-              </a:ext>
-            </a:extLst>
-          </p:cNvPr>
-          <p:cNvSpPr txBox="1"/>
-          <p:nvPr/>
-        </p:nvSpPr>
-        <p:spPr>
-          <a:xfrm>
-            <a:off x="6390788" y="2407444"/>
-            <a:ext cx="3749040" cy="1021556"/>
-          </a:xfrm>
-          <a:prstGeom prst="flowChartAlternateProcess">
-            <a:avLst/>
-          </a:prstGeom>
-          <a:solidFill>
-            <a:schemeClr val="accent4">
-              <a:lumMod val="20000"/>
-              <a:lumOff val="80000"/>
-            </a:schemeClr>
-          </a:solidFill>
-          <a:ln w="28575">
+          <a:ln>
             <a:noFill/>
-          </a:ln>
-          <a:effectLst>
-            <a:outerShdw blurRad="50800" dist="38100" dir="2700000" algn="tl" rotWithShape="0">
-              <a:prstClr val="black">
-                <a:alpha val="40000"/>
-              </a:prstClr>
-            </a:outerShdw>
-          </a:effectLst>
-        </p:spPr>
-        <p:txBody>
-          <a:bodyPr wrap="square" rtlCol="0">
-            <a:spAutoFit/>
-          </a:bodyPr>
-          <a:lstStyle/>
-          <a:p>
-            <a:r>
-              <a:rPr lang="zh-TW" altLang="en-US" dirty="0"/>
-              <a:t>運用</a:t>
-            </a:r>
-            <a:r>
-              <a:rPr lang="en-US" altLang="zh-TW" dirty="0"/>
-              <a:t>Bootstrap</a:t>
-            </a:r>
-            <a:r>
-              <a:rPr lang="zh-TW" altLang="en-US" dirty="0"/>
-              <a:t> 的</a:t>
-            </a:r>
-            <a:r>
-              <a:rPr lang="en-US" altLang="zh-TW" dirty="0"/>
-              <a:t>validation</a:t>
-            </a:r>
-            <a:r>
-              <a:rPr lang="zh-TW" altLang="en-US" dirty="0"/>
-              <a:t>，</a:t>
-            </a:r>
-            <a:endParaRPr lang="en-US" altLang="zh-TW" dirty="0"/>
-          </a:p>
-          <a:p>
-            <a:r>
-              <a:rPr lang="zh-TW" altLang="en-US" dirty="0"/>
-              <a:t>以及</a:t>
-            </a:r>
-            <a:r>
-              <a:rPr lang="en-US" altLang="zh-TW" dirty="0"/>
-              <a:t>session</a:t>
-            </a:r>
-            <a:r>
-              <a:rPr lang="zh-TW" altLang="en-US" dirty="0"/>
-              <a:t>失效管理，確保員工帳號、密碼輸入正確才能登入</a:t>
-            </a:r>
-          </a:p>
-        </p:txBody>
-      </p:sp>
-      <p:sp>
-        <p:nvSpPr>
-          <p:cNvPr id="14" name="矩形 13">
-            <a:extLst>
-              <a:ext uri="{FF2B5EF4-FFF2-40B4-BE49-F238E27FC236}">
-                <a16:creationId xmlns:a16="http://schemas.microsoft.com/office/drawing/2014/main" id="{0C8B703D-24CB-4545-9DF7-AFBE7907495E}"/>
-              </a:ext>
-            </a:extLst>
-          </p:cNvPr>
-          <p:cNvSpPr/>
-          <p:nvPr/>
-        </p:nvSpPr>
-        <p:spPr>
-          <a:xfrm>
-            <a:off x="5359771" y="4705165"/>
-            <a:ext cx="3145037" cy="1775534"/>
-          </a:xfrm>
-          <a:prstGeom prst="rect">
-            <a:avLst/>
-          </a:prstGeom>
-          <a:noFill/>
-          <a:ln w="38100">
-            <a:solidFill>
-              <a:srgbClr val="4F9D9D"/>
-            </a:solidFill>
           </a:ln>
         </p:spPr>
         <p:style>
@@ -14892,100 +15320,51 @@
           <a:lstStyle/>
           <a:p>
             <a:pPr algn="ctr"/>
-            <a:endParaRPr lang="zh-TW" altLang="en-US"/>
-          </a:p>
-        </p:txBody>
-      </p:sp>
-      <p:sp>
-        <p:nvSpPr>
-          <p:cNvPr id="15" name="矩形 14">
-            <a:extLst>
-              <a:ext uri="{FF2B5EF4-FFF2-40B4-BE49-F238E27FC236}">
-                <a16:creationId xmlns:a16="http://schemas.microsoft.com/office/drawing/2014/main" id="{4FC5D3B3-13DC-4F15-8F34-AB6157588267}"/>
-              </a:ext>
-            </a:extLst>
-          </p:cNvPr>
-          <p:cNvSpPr/>
-          <p:nvPr/>
-        </p:nvSpPr>
-        <p:spPr>
-          <a:xfrm>
-            <a:off x="0" y="185109"/>
-            <a:ext cx="12192000" cy="795444"/>
-          </a:xfrm>
-          <a:prstGeom prst="rect">
-            <a:avLst/>
-          </a:prstGeom>
-          <a:solidFill>
-            <a:srgbClr val="4F9D9D">
-              <a:alpha val="18824"/>
-            </a:srgbClr>
-          </a:solidFill>
-          <a:ln>
-            <a:noFill/>
-          </a:ln>
-        </p:spPr>
-        <p:style>
-          <a:lnRef idx="2">
-            <a:schemeClr val="accent1">
-              <a:shade val="50000"/>
-            </a:schemeClr>
-          </a:lnRef>
-          <a:fillRef idx="1">
-            <a:schemeClr val="accent1"/>
-          </a:fillRef>
-          <a:effectRef idx="0">
-            <a:schemeClr val="accent1"/>
-          </a:effectRef>
-          <a:fontRef idx="minor">
-            <a:schemeClr val="lt1"/>
-          </a:fontRef>
-        </p:style>
-        <p:txBody>
-          <a:bodyPr rtlCol="0" anchor="ctr"/>
+            <a:endParaRPr lang="zh-TW" altLang="en-US" dirty="0"/>
+          </a:p>
+        </p:txBody>
+      </p:sp>
+      <p:sp>
+        <p:nvSpPr>
+          <p:cNvPr id="2" name="標題 1">
+            <a:extLst>
+              <a:ext uri="{FF2B5EF4-FFF2-40B4-BE49-F238E27FC236}">
+                <a16:creationId xmlns:a16="http://schemas.microsoft.com/office/drawing/2014/main" id="{F990B1B7-7BEA-4D89-8C4C-C804609765F4}"/>
+              </a:ext>
+            </a:extLst>
+          </p:cNvPr>
+          <p:cNvSpPr>
+            <a:spLocks noGrp="1"/>
+          </p:cNvSpPr>
+          <p:nvPr>
+            <p:ph type="ctrTitle"/>
+          </p:nvPr>
+        </p:nvSpPr>
+        <p:spPr>
+          <a:xfrm>
+            <a:off x="1524000" y="2832555"/>
+            <a:ext cx="9144000" cy="1192890"/>
+          </a:xfrm>
+        </p:spPr>
+        <p:txBody>
+          <a:bodyPr>
+            <a:normAutofit/>
+          </a:bodyPr>
           <a:lstStyle/>
           <a:p>
-            <a:pPr algn="ctr"/>
-            <a:endParaRPr lang="zh-TW" altLang="en-US" dirty="0"/>
-          </a:p>
-        </p:txBody>
-      </p:sp>
-      <p:pic>
-        <p:nvPicPr>
-          <p:cNvPr id="16" name="圖片 15">
-            <a:extLst>
-              <a:ext uri="{FF2B5EF4-FFF2-40B4-BE49-F238E27FC236}">
-                <a16:creationId xmlns:a16="http://schemas.microsoft.com/office/drawing/2014/main" id="{C28C945B-C1A3-44BA-B682-6154397ED806}"/>
-              </a:ext>
-            </a:extLst>
-          </p:cNvPr>
-          <p:cNvPicPr>
-            <a:picLocks noChangeAspect="1"/>
-          </p:cNvPicPr>
-          <p:nvPr/>
-        </p:nvPicPr>
-        <p:blipFill>
-          <a:blip r:embed="rId3"/>
-          <a:stretch>
-            <a:fillRect/>
-          </a:stretch>
-        </p:blipFill>
-        <p:spPr>
-          <a:xfrm>
-            <a:off x="112713" y="131541"/>
-            <a:ext cx="867532" cy="867532"/>
-          </a:xfrm>
-          <a:prstGeom prst="rect">
-            <a:avLst/>
-          </a:prstGeom>
-        </p:spPr>
-      </p:pic>
-      <p:sp>
-        <p:nvSpPr>
-          <p:cNvPr id="18" name="投影片編號版面配置區 17">
-            <a:extLst>
-              <a:ext uri="{FF2B5EF4-FFF2-40B4-BE49-F238E27FC236}">
-                <a16:creationId xmlns:a16="http://schemas.microsoft.com/office/drawing/2014/main" id="{6639C3D2-7339-48BF-8C3E-1FB8CA0FF7A0}"/>
+            <a:r>
+              <a:rPr lang="zh-TW" altLang="en-US" dirty="0"/>
+              <a:t>系統操作與流程</a:t>
+            </a:r>
+          </a:p>
+        </p:txBody>
+      </p:sp>
+      <p:sp>
+        <p:nvSpPr>
+          <p:cNvPr id="15" name="投影片編號版面配置區 14">
+            <a:extLst>
+              <a:ext uri="{FF2B5EF4-FFF2-40B4-BE49-F238E27FC236}">
+                <a16:creationId xmlns:a16="http://schemas.microsoft.com/office/drawing/2014/main" id="{C215BBF5-7731-40B9-A3F9-CDA62FF0E73C}"/>
               </a:ext>
             </a:extLst>
           </p:cNvPr>
@@ -15017,10 +15396,40 @@
           </a:p>
         </p:txBody>
       </p:sp>
+      <p:pic>
+        <p:nvPicPr>
+          <p:cNvPr id="4" name="圖片 3">
+            <a:extLst>
+              <a:ext uri="{FF2B5EF4-FFF2-40B4-BE49-F238E27FC236}">
+                <a16:creationId xmlns:a16="http://schemas.microsoft.com/office/drawing/2014/main" id="{A4456F46-9756-45D6-98F5-2B15B1B3E29D}"/>
+              </a:ext>
+            </a:extLst>
+          </p:cNvPr>
+          <p:cNvPicPr>
+            <a:picLocks noChangeAspect="1"/>
+          </p:cNvPicPr>
+          <p:nvPr/>
+        </p:nvPicPr>
+        <p:blipFill>
+          <a:blip r:embed="rId2"/>
+          <a:stretch>
+            <a:fillRect/>
+          </a:stretch>
+        </p:blipFill>
+        <p:spPr>
+          <a:xfrm>
+            <a:off x="195308" y="0"/>
+            <a:ext cx="3364638" cy="3364638"/>
+          </a:xfrm>
+          <a:prstGeom prst="rect">
+            <a:avLst/>
+          </a:prstGeom>
+        </p:spPr>
+      </p:pic>
     </p:spTree>
     <p:extLst>
       <p:ext uri="{BB962C8B-B14F-4D97-AF65-F5344CB8AC3E}">
-        <p14:creationId xmlns:p14="http://schemas.microsoft.com/office/powerpoint/2010/main" val="2773256840"/>
+        <p14:creationId xmlns:p14="http://schemas.microsoft.com/office/powerpoint/2010/main" val="1376715093"/>
       </p:ext>
     </p:extLst>
   </p:cSld>
@@ -15052,7 +15461,7 @@
           <p:cNvPr id="2" name="標題 1">
             <a:extLst>
               <a:ext uri="{FF2B5EF4-FFF2-40B4-BE49-F238E27FC236}">
-                <a16:creationId xmlns:a16="http://schemas.microsoft.com/office/drawing/2014/main" id="{B265ACEA-2809-4E8B-8614-8C3578C10C40}"/>
+                <a16:creationId xmlns:a16="http://schemas.microsoft.com/office/drawing/2014/main" id="{CD2CC4EB-D7D6-4EE4-A5EC-8F507239E68B}"/>
               </a:ext>
             </a:extLst>
           </p:cNvPr>
@@ -15065,7 +15474,7 @@
         </p:nvSpPr>
         <p:spPr>
           <a:xfrm>
-            <a:off x="838200" y="-47002"/>
+            <a:off x="909222" y="-79951"/>
             <a:ext cx="10515600" cy="1325563"/>
           </a:xfrm>
         </p:spPr>
@@ -15076,18 +15485,21 @@
           <a:lstStyle/>
           <a:p>
             <a:r>
-              <a:rPr lang="zh-TW" altLang="en-US" sz="4000" dirty="0"/>
-              <a:t>首頁</a:t>
+              <a:rPr lang="zh-TW" altLang="en-US" sz="4000" dirty="0">
+                <a:latin typeface="微軟正黑體" panose="020B0604030504040204" pitchFamily="34" charset="-120"/>
+                <a:ea typeface="微軟正黑體" panose="020B0604030504040204" pitchFamily="34" charset="-120"/>
+              </a:rPr>
+              <a:t>登入</a:t>
             </a:r>
           </a:p>
         </p:txBody>
       </p:sp>
       <p:pic>
         <p:nvPicPr>
-          <p:cNvPr id="13" name="內容版面配置區 12">
-            <a:extLst>
-              <a:ext uri="{FF2B5EF4-FFF2-40B4-BE49-F238E27FC236}">
-                <a16:creationId xmlns:a16="http://schemas.microsoft.com/office/drawing/2014/main" id="{3F343170-77D2-48C1-9618-190A7FF5C023}"/>
+          <p:cNvPr id="9" name="內容版面配置區 8">
+            <a:extLst>
+              <a:ext uri="{FF2B5EF4-FFF2-40B4-BE49-F238E27FC236}">
+                <a16:creationId xmlns:a16="http://schemas.microsoft.com/office/drawing/2014/main" id="{7E398403-28C8-44B5-A269-46AE76EBE73C}"/>
               </a:ext>
             </a:extLst>
           </p:cNvPr>
@@ -15106,39 +15518,216 @@
         </p:blipFill>
         <p:spPr>
           <a:xfrm>
-            <a:off x="197792" y="2153342"/>
-            <a:ext cx="6215360" cy="3234938"/>
+            <a:off x="1444911" y="1406603"/>
+            <a:ext cx="5052409" cy="4720272"/>
+          </a:xfrm>
+        </p:spPr>
+      </p:pic>
+      <p:sp>
+        <p:nvSpPr>
+          <p:cNvPr id="10" name="文字方塊 9">
+            <a:extLst>
+              <a:ext uri="{FF2B5EF4-FFF2-40B4-BE49-F238E27FC236}">
+                <a16:creationId xmlns:a16="http://schemas.microsoft.com/office/drawing/2014/main" id="{2F49DDB8-E990-46B2-BFA8-A498B7E56C7D}"/>
+              </a:ext>
+            </a:extLst>
+          </p:cNvPr>
+          <p:cNvSpPr txBox="1"/>
+          <p:nvPr/>
+        </p:nvSpPr>
+        <p:spPr>
+          <a:xfrm>
+            <a:off x="5588448" y="5164154"/>
+            <a:ext cx="2730125" cy="1123712"/>
+          </a:xfrm>
+          <a:prstGeom prst="flowChartAlternateProcess">
+            <a:avLst/>
+          </a:prstGeom>
+          <a:solidFill>
+            <a:schemeClr val="accent4">
+              <a:lumMod val="20000"/>
+              <a:lumOff val="80000"/>
+            </a:schemeClr>
+          </a:solidFill>
+          <a:effectLst>
+            <a:outerShdw blurRad="50800" dist="38100" dir="2700000" algn="tl" rotWithShape="0">
+              <a:prstClr val="black">
+                <a:alpha val="40000"/>
+              </a:prstClr>
+            </a:outerShdw>
+          </a:effectLst>
+        </p:spPr>
+        <p:txBody>
+          <a:bodyPr wrap="square" rtlCol="0">
+            <a:spAutoFit/>
+          </a:bodyPr>
+          <a:lstStyle/>
+          <a:p>
+            <a:r>
+              <a:rPr lang="zh-TW" altLang="en-US" sz="2400" b="1" i="0" dirty="0">
+                <a:solidFill>
+                  <a:srgbClr val="1F1F1F"/>
+                </a:solidFill>
+                <a:effectLst/>
+                <a:latin typeface="Google Sans"/>
+              </a:rPr>
+              <a:t> </a:t>
+            </a:r>
+            <a:r>
+              <a:rPr lang="en-US" altLang="zh-TW" sz="2000" b="1" i="0" dirty="0">
+                <a:solidFill>
+                  <a:srgbClr val="1F1F1F"/>
+                </a:solidFill>
+                <a:effectLst/>
+                <a:latin typeface="Google Sans"/>
+              </a:rPr>
+              <a:t>Captcha</a:t>
+            </a:r>
+            <a:r>
+              <a:rPr lang="zh-TW" altLang="en-US" sz="2000" b="1" i="0" dirty="0">
+                <a:solidFill>
+                  <a:srgbClr val="1F1F1F"/>
+                </a:solidFill>
+                <a:effectLst/>
+                <a:latin typeface="Google Sans"/>
+              </a:rPr>
+              <a:t>驗證</a:t>
+            </a:r>
+            <a:endParaRPr lang="en-US" altLang="zh-TW" sz="2000" b="1" i="0" dirty="0">
+              <a:solidFill>
+                <a:srgbClr val="1F1F1F"/>
+              </a:solidFill>
+              <a:effectLst/>
+              <a:latin typeface="Google Sans"/>
+            </a:endParaRPr>
+          </a:p>
+          <a:p>
+            <a:r>
+              <a:rPr lang="zh-TW" altLang="en-US" b="0" i="0" dirty="0">
+                <a:solidFill>
+                  <a:srgbClr val="1F1F1F"/>
+                </a:solidFill>
+                <a:effectLst/>
+                <a:latin typeface="Google Sans"/>
+              </a:rPr>
+              <a:t>隨機的驗證碼生成，增加員工登入的安全性</a:t>
+            </a:r>
+            <a:endParaRPr lang="en-US" altLang="zh-TW" b="0" i="0" dirty="0">
+              <a:solidFill>
+                <a:srgbClr val="1F1F1F"/>
+              </a:solidFill>
+              <a:effectLst/>
+              <a:latin typeface="Google Sans"/>
+            </a:endParaRPr>
+          </a:p>
+        </p:txBody>
+      </p:sp>
+      <p:sp>
+        <p:nvSpPr>
+          <p:cNvPr id="12" name="文字方塊 11">
+            <a:extLst>
+              <a:ext uri="{FF2B5EF4-FFF2-40B4-BE49-F238E27FC236}">
+                <a16:creationId xmlns:a16="http://schemas.microsoft.com/office/drawing/2014/main" id="{B80A457F-F778-457B-AC4F-1B9135E4F07A}"/>
+              </a:ext>
+            </a:extLst>
+          </p:cNvPr>
+          <p:cNvSpPr txBox="1"/>
+          <p:nvPr/>
+        </p:nvSpPr>
+        <p:spPr>
+          <a:xfrm>
+            <a:off x="6390788" y="2407444"/>
+            <a:ext cx="3749040" cy="1021556"/>
+          </a:xfrm>
+          <a:prstGeom prst="flowChartAlternateProcess">
+            <a:avLst/>
+          </a:prstGeom>
+          <a:solidFill>
+            <a:schemeClr val="accent4">
+              <a:lumMod val="20000"/>
+              <a:lumOff val="80000"/>
+            </a:schemeClr>
+          </a:solidFill>
+          <a:ln w="28575">
+            <a:noFill/>
+          </a:ln>
+          <a:effectLst>
+            <a:outerShdw blurRad="50800" dist="38100" dir="2700000" algn="tl" rotWithShape="0">
+              <a:prstClr val="black">
+                <a:alpha val="40000"/>
+              </a:prstClr>
+            </a:outerShdw>
+          </a:effectLst>
+        </p:spPr>
+        <p:txBody>
+          <a:bodyPr wrap="square" rtlCol="0">
+            <a:spAutoFit/>
+          </a:bodyPr>
+          <a:lstStyle/>
+          <a:p>
+            <a:r>
+              <a:rPr lang="zh-TW" altLang="en-US" dirty="0"/>
+              <a:t>運用</a:t>
+            </a:r>
+            <a:r>
+              <a:rPr lang="en-US" altLang="zh-TW" dirty="0"/>
+              <a:t>Bootstrap</a:t>
+            </a:r>
+            <a:r>
+              <a:rPr lang="zh-TW" altLang="en-US" dirty="0"/>
+              <a:t> 的</a:t>
+            </a:r>
+            <a:r>
+              <a:rPr lang="en-US" altLang="zh-TW" dirty="0"/>
+              <a:t>validation</a:t>
+            </a:r>
+            <a:r>
+              <a:rPr lang="zh-TW" altLang="en-US" dirty="0"/>
+              <a:t>，</a:t>
+            </a:r>
+            <a:endParaRPr lang="en-US" altLang="zh-TW" dirty="0"/>
+          </a:p>
+          <a:p>
+            <a:r>
+              <a:rPr lang="zh-TW" altLang="en-US" dirty="0"/>
+              <a:t>以及</a:t>
+            </a:r>
+            <a:r>
+              <a:rPr lang="en-US" altLang="zh-TW" dirty="0"/>
+              <a:t>session</a:t>
+            </a:r>
+            <a:r>
+              <a:rPr lang="zh-TW" altLang="en-US" dirty="0"/>
+              <a:t>失效管理，確保員工帳號、密碼輸入正確才能登入</a:t>
+            </a:r>
+          </a:p>
+        </p:txBody>
+      </p:sp>
+      <p:sp>
+        <p:nvSpPr>
+          <p:cNvPr id="14" name="矩形 13">
+            <a:extLst>
+              <a:ext uri="{FF2B5EF4-FFF2-40B4-BE49-F238E27FC236}">
+                <a16:creationId xmlns:a16="http://schemas.microsoft.com/office/drawing/2014/main" id="{0C8B703D-24CB-4545-9DF7-AFBE7907495E}"/>
+              </a:ext>
+            </a:extLst>
+          </p:cNvPr>
+          <p:cNvSpPr/>
+          <p:nvPr/>
+        </p:nvSpPr>
+        <p:spPr>
+          <a:xfrm>
+            <a:off x="5359771" y="4705165"/>
+            <a:ext cx="3145037" cy="1775534"/>
           </a:xfrm>
           <a:prstGeom prst="rect">
             <a:avLst/>
           </a:prstGeom>
-        </p:spPr>
-      </p:pic>
-      <p:sp>
-        <p:nvSpPr>
-          <p:cNvPr id="14" name="矩形 13">
-            <a:extLst>
-              <a:ext uri="{FF2B5EF4-FFF2-40B4-BE49-F238E27FC236}">
-                <a16:creationId xmlns:a16="http://schemas.microsoft.com/office/drawing/2014/main" id="{98D49435-0249-4D8C-AE10-E9B3C33417B9}"/>
-              </a:ext>
-            </a:extLst>
-          </p:cNvPr>
-          <p:cNvSpPr/>
-          <p:nvPr/>
-        </p:nvSpPr>
-        <p:spPr>
-          <a:xfrm>
-            <a:off x="1621514" y="2166536"/>
-            <a:ext cx="461286" cy="190951"/>
-          </a:xfrm>
-          <a:prstGeom prst="rect">
-            <a:avLst/>
-          </a:prstGeom>
-          <a:solidFill>
-            <a:srgbClr val="639B9C"/>
-          </a:solidFill>
-          <a:ln>
-            <a:noFill/>
+          <a:noFill/>
+          <a:ln w="38100">
+            <a:solidFill>
+              <a:srgbClr val="4F9D9D"/>
+            </a:solidFill>
           </a:ln>
         </p:spPr>
         <p:style>
@@ -15166,93 +15755,33 @@
           </a:p>
         </p:txBody>
       </p:sp>
-      <p:pic>
-        <p:nvPicPr>
-          <p:cNvPr id="16" name="圖片 15">
-            <a:extLst>
-              <a:ext uri="{FF2B5EF4-FFF2-40B4-BE49-F238E27FC236}">
-                <a16:creationId xmlns:a16="http://schemas.microsoft.com/office/drawing/2014/main" id="{5DEF52C9-2946-4365-A0F0-C14C3EAE0D32}"/>
-              </a:ext>
-            </a:extLst>
-          </p:cNvPr>
-          <p:cNvPicPr>
-            <a:picLocks noChangeAspect="1"/>
-          </p:cNvPicPr>
+      <p:sp>
+        <p:nvSpPr>
+          <p:cNvPr id="15" name="矩形 14">
+            <a:extLst>
+              <a:ext uri="{FF2B5EF4-FFF2-40B4-BE49-F238E27FC236}">
+                <a16:creationId xmlns:a16="http://schemas.microsoft.com/office/drawing/2014/main" id="{4FC5D3B3-13DC-4F15-8F34-AB6157588267}"/>
+              </a:ext>
+            </a:extLst>
+          </p:cNvPr>
+          <p:cNvSpPr/>
           <p:nvPr/>
-        </p:nvPicPr>
-        <p:blipFill>
-          <a:blip r:embed="rId3"/>
-          <a:stretch>
-            <a:fillRect/>
-          </a:stretch>
-        </p:blipFill>
-        <p:spPr>
-          <a:xfrm>
-            <a:off x="6576076" y="1099600"/>
-            <a:ext cx="5196824" cy="2639556"/>
+        </p:nvSpPr>
+        <p:spPr>
+          <a:xfrm>
+            <a:off x="0" y="185109"/>
+            <a:ext cx="12192000" cy="795444"/>
           </a:xfrm>
           <a:prstGeom prst="rect">
             <a:avLst/>
           </a:prstGeom>
-        </p:spPr>
-      </p:pic>
-      <p:pic>
-        <p:nvPicPr>
-          <p:cNvPr id="20" name="圖片 19">
-            <a:extLst>
-              <a:ext uri="{FF2B5EF4-FFF2-40B4-BE49-F238E27FC236}">
-                <a16:creationId xmlns:a16="http://schemas.microsoft.com/office/drawing/2014/main" id="{24FA7AA3-447A-4A6B-9D45-37664034E147}"/>
-              </a:ext>
-            </a:extLst>
-          </p:cNvPr>
-          <p:cNvPicPr>
-            <a:picLocks noChangeAspect="1"/>
-          </p:cNvPicPr>
-          <p:nvPr/>
-        </p:nvPicPr>
-        <p:blipFill>
-          <a:blip r:embed="rId4"/>
-          <a:stretch>
-            <a:fillRect/>
-          </a:stretch>
-        </p:blipFill>
-        <p:spPr>
-          <a:xfrm>
-            <a:off x="6477802" y="4128125"/>
-            <a:ext cx="5516406" cy="2410956"/>
-          </a:xfrm>
-          <a:prstGeom prst="rect">
-            <a:avLst/>
-          </a:prstGeom>
-        </p:spPr>
-      </p:pic>
-      <p:sp>
-        <p:nvSpPr>
-          <p:cNvPr id="21" name="矩形 20">
-            <a:extLst>
-              <a:ext uri="{FF2B5EF4-FFF2-40B4-BE49-F238E27FC236}">
-                <a16:creationId xmlns:a16="http://schemas.microsoft.com/office/drawing/2014/main" id="{BB2C7BB2-D2B8-45DF-85D6-B814356E7427}"/>
-              </a:ext>
-            </a:extLst>
-          </p:cNvPr>
-          <p:cNvSpPr/>
-          <p:nvPr/>
-        </p:nvSpPr>
-        <p:spPr>
-          <a:xfrm>
-            <a:off x="751503" y="2080018"/>
-            <a:ext cx="1012054" cy="363985"/>
-          </a:xfrm>
-          <a:prstGeom prst="rect">
-            <a:avLst/>
-          </a:prstGeom>
-          <a:noFill/>
-          <a:ln w="38100">
-            <a:solidFill>
-              <a:schemeClr val="accent2">
-                <a:lumMod val="75000"/>
-              </a:schemeClr>
-            </a:solidFill>
+          <a:solidFill>
+            <a:srgbClr val="4F9D9D">
+              <a:alpha val="18824"/>
+            </a:srgbClr>
+          </a:solidFill>
+          <a:ln>
+            <a:noFill/>
           </a:ln>
         </p:spPr>
         <p:style>
@@ -15276,16 +15805,16 @@
           <a:lstStyle/>
           <a:p>
             <a:pPr algn="ctr"/>
-            <a:endParaRPr lang="zh-TW" altLang="en-US"/>
+            <a:endParaRPr lang="zh-TW" altLang="en-US" dirty="0"/>
           </a:p>
         </p:txBody>
       </p:sp>
       <p:pic>
         <p:nvPicPr>
-          <p:cNvPr id="23" name="圖片 22">
-            <a:extLst>
-              <a:ext uri="{FF2B5EF4-FFF2-40B4-BE49-F238E27FC236}">
-                <a16:creationId xmlns:a16="http://schemas.microsoft.com/office/drawing/2014/main" id="{B9978A06-DB2A-4180-A3B9-6345F5CCEE06}"/>
+          <p:cNvPr id="16" name="圖片 15">
+            <a:extLst>
+              <a:ext uri="{FF2B5EF4-FFF2-40B4-BE49-F238E27FC236}">
+                <a16:creationId xmlns:a16="http://schemas.microsoft.com/office/drawing/2014/main" id="{C28C945B-C1A3-44BA-B682-6154397ED806}"/>
               </a:ext>
             </a:extLst>
           </p:cNvPr>
@@ -15295,15 +15824,15 @@
           <p:nvPr/>
         </p:nvPicPr>
         <p:blipFill>
-          <a:blip r:embed="rId5"/>
+          <a:blip r:embed="rId3"/>
           <a:stretch>
             <a:fillRect/>
           </a:stretch>
         </p:blipFill>
         <p:spPr>
           <a:xfrm>
-            <a:off x="462579" y="1571992"/>
-            <a:ext cx="2317869" cy="508026"/>
+            <a:off x="112713" y="131541"/>
+            <a:ext cx="867532" cy="867532"/>
           </a:xfrm>
           <a:prstGeom prst="rect">
             <a:avLst/>
@@ -15312,345 +15841,10 @@
       </p:pic>
       <p:sp>
         <p:nvSpPr>
-          <p:cNvPr id="24" name="矩形 23">
-            <a:extLst>
-              <a:ext uri="{FF2B5EF4-FFF2-40B4-BE49-F238E27FC236}">
-                <a16:creationId xmlns:a16="http://schemas.microsoft.com/office/drawing/2014/main" id="{FA66B3F5-F932-4655-849D-4C0C9A22E729}"/>
-              </a:ext>
-            </a:extLst>
-          </p:cNvPr>
-          <p:cNvSpPr/>
-          <p:nvPr/>
-        </p:nvSpPr>
-        <p:spPr>
-          <a:xfrm>
-            <a:off x="1418807" y="1575470"/>
-            <a:ext cx="1315515" cy="363985"/>
-          </a:xfrm>
-          <a:prstGeom prst="rect">
-            <a:avLst/>
-          </a:prstGeom>
-          <a:noFill/>
-          <a:ln w="38100">
-            <a:solidFill>
-              <a:schemeClr val="accent2">
-                <a:lumMod val="75000"/>
-              </a:schemeClr>
-            </a:solidFill>
-          </a:ln>
-        </p:spPr>
-        <p:style>
-          <a:lnRef idx="2">
-            <a:schemeClr val="accent1">
-              <a:shade val="50000"/>
-            </a:schemeClr>
-          </a:lnRef>
-          <a:fillRef idx="1">
-            <a:schemeClr val="accent1"/>
-          </a:fillRef>
-          <a:effectRef idx="0">
-            <a:schemeClr val="accent1"/>
-          </a:effectRef>
-          <a:fontRef idx="minor">
-            <a:schemeClr val="lt1"/>
-          </a:fontRef>
-        </p:style>
-        <p:txBody>
-          <a:bodyPr rtlCol="0" anchor="ctr"/>
-          <a:lstStyle/>
-          <a:p>
-            <a:pPr algn="ctr"/>
-            <a:endParaRPr lang="zh-TW" altLang="en-US"/>
-          </a:p>
-        </p:txBody>
-      </p:sp>
-      <p:pic>
-        <p:nvPicPr>
-          <p:cNvPr id="26" name="圖片 25">
-            <a:extLst>
-              <a:ext uri="{FF2B5EF4-FFF2-40B4-BE49-F238E27FC236}">
-                <a16:creationId xmlns:a16="http://schemas.microsoft.com/office/drawing/2014/main" id="{9E897CFD-79E8-4585-BEC7-B72458048372}"/>
-              </a:ext>
-            </a:extLst>
-          </p:cNvPr>
-          <p:cNvPicPr>
-            <a:picLocks noChangeAspect="1"/>
-          </p:cNvPicPr>
-          <p:nvPr/>
-        </p:nvPicPr>
-        <p:blipFill>
-          <a:blip r:embed="rId6"/>
-          <a:stretch>
-            <a:fillRect/>
-          </a:stretch>
-        </p:blipFill>
-        <p:spPr>
-          <a:xfrm>
-            <a:off x="2879707" y="1571992"/>
-            <a:ext cx="2641736" cy="444523"/>
-          </a:xfrm>
-          <a:prstGeom prst="rect">
-            <a:avLst/>
-          </a:prstGeom>
-        </p:spPr>
-      </p:pic>
-      <p:sp>
-        <p:nvSpPr>
-          <p:cNvPr id="27" name="矩形 26">
-            <a:extLst>
-              <a:ext uri="{FF2B5EF4-FFF2-40B4-BE49-F238E27FC236}">
-                <a16:creationId xmlns:a16="http://schemas.microsoft.com/office/drawing/2014/main" id="{EE93B70C-3909-435D-80D6-1B4651E0B5E8}"/>
-              </a:ext>
-            </a:extLst>
-          </p:cNvPr>
-          <p:cNvSpPr/>
-          <p:nvPr/>
-        </p:nvSpPr>
-        <p:spPr>
-          <a:xfrm>
-            <a:off x="0" y="185109"/>
-            <a:ext cx="12192000" cy="795444"/>
-          </a:xfrm>
-          <a:prstGeom prst="rect">
-            <a:avLst/>
-          </a:prstGeom>
-          <a:solidFill>
-            <a:srgbClr val="4F9D9D">
-              <a:alpha val="18824"/>
-            </a:srgbClr>
-          </a:solidFill>
-          <a:ln>
-            <a:noFill/>
-          </a:ln>
-        </p:spPr>
-        <p:style>
-          <a:lnRef idx="2">
-            <a:schemeClr val="accent1">
-              <a:shade val="50000"/>
-            </a:schemeClr>
-          </a:lnRef>
-          <a:fillRef idx="1">
-            <a:schemeClr val="accent1"/>
-          </a:fillRef>
-          <a:effectRef idx="0">
-            <a:schemeClr val="accent1"/>
-          </a:effectRef>
-          <a:fontRef idx="minor">
-            <a:schemeClr val="lt1"/>
-          </a:fontRef>
-        </p:style>
-        <p:txBody>
-          <a:bodyPr rtlCol="0" anchor="ctr"/>
-          <a:lstStyle/>
-          <a:p>
-            <a:pPr algn="ctr"/>
-            <a:endParaRPr lang="zh-TW" altLang="en-US" dirty="0"/>
-          </a:p>
-        </p:txBody>
-      </p:sp>
-      <p:pic>
-        <p:nvPicPr>
-          <p:cNvPr id="28" name="圖片 27">
-            <a:extLst>
-              <a:ext uri="{FF2B5EF4-FFF2-40B4-BE49-F238E27FC236}">
-                <a16:creationId xmlns:a16="http://schemas.microsoft.com/office/drawing/2014/main" id="{D65482A7-FF43-453F-950A-E224479263CE}"/>
-              </a:ext>
-            </a:extLst>
-          </p:cNvPr>
-          <p:cNvPicPr>
-            <a:picLocks noChangeAspect="1"/>
-          </p:cNvPicPr>
-          <p:nvPr/>
-        </p:nvPicPr>
-        <p:blipFill>
-          <a:blip r:embed="rId7"/>
-          <a:stretch>
-            <a:fillRect/>
-          </a:stretch>
-        </p:blipFill>
-        <p:spPr>
-          <a:xfrm>
-            <a:off x="112713" y="131541"/>
-            <a:ext cx="867532" cy="867532"/>
-          </a:xfrm>
-          <a:prstGeom prst="rect">
-            <a:avLst/>
-          </a:prstGeom>
-        </p:spPr>
-      </p:pic>
-      <p:sp>
-        <p:nvSpPr>
-          <p:cNvPr id="29" name="矩形 28">
-            <a:extLst>
-              <a:ext uri="{FF2B5EF4-FFF2-40B4-BE49-F238E27FC236}">
-                <a16:creationId xmlns:a16="http://schemas.microsoft.com/office/drawing/2014/main" id="{DFED6631-E244-4B2E-9CA2-BFA4F0E091EA}"/>
-              </a:ext>
-            </a:extLst>
-          </p:cNvPr>
-          <p:cNvSpPr/>
-          <p:nvPr/>
-        </p:nvSpPr>
-        <p:spPr>
-          <a:xfrm>
-            <a:off x="3726060" y="1583514"/>
-            <a:ext cx="1795383" cy="363985"/>
-          </a:xfrm>
-          <a:prstGeom prst="rect">
-            <a:avLst/>
-          </a:prstGeom>
-          <a:noFill/>
-          <a:ln w="38100">
-            <a:solidFill>
-              <a:schemeClr val="accent2">
-                <a:lumMod val="75000"/>
-              </a:schemeClr>
-            </a:solidFill>
-          </a:ln>
-        </p:spPr>
-        <p:style>
-          <a:lnRef idx="2">
-            <a:schemeClr val="accent1">
-              <a:shade val="50000"/>
-            </a:schemeClr>
-          </a:lnRef>
-          <a:fillRef idx="1">
-            <a:schemeClr val="accent1"/>
-          </a:fillRef>
-          <a:effectRef idx="0">
-            <a:schemeClr val="accent1"/>
-          </a:effectRef>
-          <a:fontRef idx="minor">
-            <a:schemeClr val="lt1"/>
-          </a:fontRef>
-        </p:style>
-        <p:txBody>
-          <a:bodyPr rtlCol="0" anchor="ctr"/>
-          <a:lstStyle/>
-          <a:p>
-            <a:pPr algn="ctr"/>
-            <a:endParaRPr lang="zh-TW" altLang="en-US"/>
-          </a:p>
-        </p:txBody>
-      </p:sp>
-      <p:sp>
-        <p:nvSpPr>
-          <p:cNvPr id="30" name="文字方塊 29">
-            <a:extLst>
-              <a:ext uri="{FF2B5EF4-FFF2-40B4-BE49-F238E27FC236}">
-                <a16:creationId xmlns:a16="http://schemas.microsoft.com/office/drawing/2014/main" id="{AE8D25DB-B811-4F30-AFC6-E47AE095E5EC}"/>
-              </a:ext>
-            </a:extLst>
-          </p:cNvPr>
-          <p:cNvSpPr txBox="1"/>
-          <p:nvPr/>
-        </p:nvSpPr>
-        <p:spPr>
-          <a:xfrm>
-            <a:off x="1257530" y="1053877"/>
-            <a:ext cx="3527534" cy="408623"/>
-          </a:xfrm>
-          <a:prstGeom prst="flowChartAlternateProcess">
-            <a:avLst/>
-          </a:prstGeom>
-          <a:solidFill>
-            <a:schemeClr val="accent4">
-              <a:lumMod val="20000"/>
-              <a:lumOff val="80000"/>
-            </a:schemeClr>
-          </a:solidFill>
-          <a:effectLst>
-            <a:outerShdw blurRad="50800" dist="38100" dir="2700000" algn="tl" rotWithShape="0">
-              <a:prstClr val="black">
-                <a:alpha val="40000"/>
-              </a:prstClr>
-            </a:outerShdw>
-          </a:effectLst>
-        </p:spPr>
-        <p:txBody>
-          <a:bodyPr wrap="square" rtlCol="0">
-            <a:spAutoFit/>
-          </a:bodyPr>
-          <a:lstStyle/>
-          <a:p>
-            <a:r>
-              <a:rPr lang="en-US" altLang="zh-TW" dirty="0"/>
-              <a:t>Level</a:t>
-            </a:r>
-            <a:r>
-              <a:rPr lang="zh-TW" altLang="en-US" dirty="0"/>
-              <a:t>不同，可看到的畫面不同</a:t>
-            </a:r>
-          </a:p>
-        </p:txBody>
-      </p:sp>
-      <p:sp>
-        <p:nvSpPr>
-          <p:cNvPr id="31" name="文字方塊 30">
-            <a:extLst>
-              <a:ext uri="{FF2B5EF4-FFF2-40B4-BE49-F238E27FC236}">
-                <a16:creationId xmlns:a16="http://schemas.microsoft.com/office/drawing/2014/main" id="{5647D8EC-C308-4DA6-B7E1-25B2F70E96E4}"/>
-              </a:ext>
-            </a:extLst>
-          </p:cNvPr>
-          <p:cNvSpPr txBox="1"/>
-          <p:nvPr/>
-        </p:nvSpPr>
-        <p:spPr>
-          <a:xfrm>
-            <a:off x="2076564" y="5623633"/>
-            <a:ext cx="3527534" cy="715089"/>
-          </a:xfrm>
-          <a:prstGeom prst="flowChartAlternateProcess">
-            <a:avLst/>
-          </a:prstGeom>
-          <a:solidFill>
-            <a:schemeClr val="accent4">
-              <a:lumMod val="20000"/>
-              <a:lumOff val="80000"/>
-            </a:schemeClr>
-          </a:solidFill>
-          <a:effectLst>
-            <a:outerShdw blurRad="50800" dist="38100" dir="2700000" algn="tl" rotWithShape="0">
-              <a:prstClr val="black">
-                <a:alpha val="40000"/>
-              </a:prstClr>
-            </a:outerShdw>
-          </a:effectLst>
-        </p:spPr>
-        <p:txBody>
-          <a:bodyPr wrap="square" rtlCol="0">
-            <a:spAutoFit/>
-          </a:bodyPr>
-          <a:lstStyle/>
-          <a:p>
-            <a:r>
-              <a:rPr lang="zh-TW" altLang="en-US" dirty="0"/>
-              <a:t>運用</a:t>
-            </a:r>
-            <a:r>
-              <a:rPr lang="en-US" altLang="zh-TW" dirty="0"/>
-              <a:t>chart.js</a:t>
-            </a:r>
-            <a:r>
-              <a:rPr lang="zh-TW" altLang="en-US" dirty="0"/>
-              <a:t>將數據視覺化，</a:t>
-            </a:r>
-            <a:endParaRPr lang="en-US" altLang="zh-TW" dirty="0"/>
-          </a:p>
-          <a:p>
-            <a:r>
-              <a:rPr lang="zh-TW" altLang="en-US" dirty="0"/>
-              <a:t>使用者可清楚掌握公司營運狀況</a:t>
-            </a:r>
-          </a:p>
-        </p:txBody>
-      </p:sp>
-      <p:sp>
-        <p:nvSpPr>
-          <p:cNvPr id="33" name="投影片編號版面配置區 32">
-            <a:extLst>
-              <a:ext uri="{FF2B5EF4-FFF2-40B4-BE49-F238E27FC236}">
-                <a16:creationId xmlns:a16="http://schemas.microsoft.com/office/drawing/2014/main" id="{0D6B5C13-230A-4308-8DE1-9FCB55FE558F}"/>
+          <p:cNvPr id="18" name="投影片編號版面配置區 17">
+            <a:extLst>
+              <a:ext uri="{FF2B5EF4-FFF2-40B4-BE49-F238E27FC236}">
+                <a16:creationId xmlns:a16="http://schemas.microsoft.com/office/drawing/2014/main" id="{6639C3D2-7339-48BF-8C3E-1FB8CA0FF7A0}"/>
               </a:ext>
             </a:extLst>
           </p:cNvPr>
@@ -15685,7 +15879,7 @@
     </p:spTree>
     <p:extLst>
       <p:ext uri="{BB962C8B-B14F-4D97-AF65-F5344CB8AC3E}">
-        <p14:creationId xmlns:p14="http://schemas.microsoft.com/office/powerpoint/2010/main" val="2984873780"/>
+        <p14:creationId xmlns:p14="http://schemas.microsoft.com/office/powerpoint/2010/main" val="2773256840"/>
       </p:ext>
     </p:extLst>
   </p:cSld>
